--- a/presentation/QThread & QtConcurrent.pptx
+++ b/presentation/QThread & QtConcurrent.pptx
@@ -114,6 +114,11 @@
       </a:defRPr>
     </a:lvl9pPr>
   </p:defaultTextStyle>
+  <p:extLst>
+    <p:ext uri="{EFAFB233-063F-42B5-8137-9DF3F51BA10A}">
+      <p15:sldGuideLst xmlns:p15="http://schemas.microsoft.com/office/powerpoint/2012/main"/>
+    </p:ext>
+  </p:extLst>
 </p:presentation>
 </file>
 
@@ -6493,14 +6498,16 @@
         </p:nvSpPr>
         <p:spPr/>
         <p:txBody>
-          <a:bodyPr/>
-          <a:lstStyle/>
-          <a:p>
-            <a:r>
-              <a:rPr lang="fr-CH" dirty="0" err="1" smtClean="0"/>
+          <a:bodyPr>
+            <a:normAutofit/>
+          </a:bodyPr>
+          <a:lstStyle/>
+          <a:p>
+            <a:r>
+              <a:rPr lang="fr-CH" sz="4000" dirty="0" err="1" smtClean="0"/>
               <a:t>QtConcurrent</a:t>
             </a:r>
-            <a:endParaRPr lang="fr-CH" dirty="0"/>
+            <a:endParaRPr lang="fr-CH" sz="4000" dirty="0"/>
           </a:p>
         </p:txBody>
       </p:sp>
@@ -6516,57 +6523,59 @@
         </p:nvSpPr>
         <p:spPr/>
         <p:txBody>
-          <a:bodyPr/>
-          <a:lstStyle/>
-          <a:p>
-            <a:r>
-              <a:rPr lang="fr-CH" dirty="0" smtClean="0"/>
+          <a:bodyPr>
+            <a:normAutofit/>
+          </a:bodyPr>
+          <a:lstStyle/>
+          <a:p>
+            <a:r>
+              <a:rPr lang="fr-CH" sz="2800" dirty="0" smtClean="0"/>
               <a:t>Outils Usuels:</a:t>
             </a:r>
           </a:p>
           <a:p>
             <a:pPr lvl="1"/>
             <a:r>
-              <a:rPr lang="fr-CH" dirty="0" err="1" smtClean="0"/>
+              <a:rPr lang="fr-CH" sz="2800" dirty="0" err="1" smtClean="0"/>
               <a:t>Map</a:t>
             </a:r>
-            <a:endParaRPr lang="fr-CH" dirty="0" smtClean="0"/>
+            <a:endParaRPr lang="fr-CH" sz="2800" dirty="0" smtClean="0"/>
           </a:p>
           <a:p>
             <a:pPr lvl="1"/>
             <a:r>
-              <a:rPr lang="fr-CH" dirty="0" err="1" smtClean="0"/>
+              <a:rPr lang="fr-CH" sz="2800" dirty="0" err="1" smtClean="0"/>
               <a:t>mappedReduce</a:t>
             </a:r>
-            <a:endParaRPr lang="fr-CH" dirty="0" smtClean="0"/>
+            <a:endParaRPr lang="fr-CH" sz="2800" dirty="0" smtClean="0"/>
           </a:p>
           <a:p>
             <a:pPr lvl="1"/>
             <a:r>
-              <a:rPr lang="fr-CH" dirty="0" err="1" smtClean="0"/>
+              <a:rPr lang="fr-CH" sz="2800" dirty="0" err="1" smtClean="0"/>
               <a:t>QFuture</a:t>
             </a:r>
-            <a:endParaRPr lang="fr-CH" dirty="0" smtClean="0"/>
+            <a:endParaRPr lang="fr-CH" sz="2800" dirty="0" smtClean="0"/>
           </a:p>
           <a:p>
             <a:pPr lvl="1"/>
             <a:r>
-              <a:rPr lang="fr-CH" dirty="0" err="1" smtClean="0"/>
+              <a:rPr lang="fr-CH" sz="2800" dirty="0" err="1" smtClean="0"/>
               <a:t>QFutureWatcher</a:t>
             </a:r>
-            <a:endParaRPr lang="fr-CH" dirty="0" smtClean="0"/>
+            <a:endParaRPr lang="fr-CH" sz="2800" dirty="0" smtClean="0"/>
           </a:p>
           <a:p>
             <a:pPr lvl="1"/>
             <a:r>
-              <a:rPr lang="fr-CH" dirty="0" err="1" smtClean="0"/>
+              <a:rPr lang="fr-CH" sz="2800" dirty="0" err="1" smtClean="0"/>
               <a:t>QThread</a:t>
             </a:r>
-            <a:endParaRPr lang="fr-CH" dirty="0" smtClean="0"/>
+            <a:endParaRPr lang="fr-CH" sz="2800" dirty="0" smtClean="0"/>
           </a:p>
           <a:p>
             <a:pPr lvl="1"/>
-            <a:endParaRPr lang="fr-CH" dirty="0"/>
+            <a:endParaRPr lang="fr-CH" sz="2800" dirty="0"/>
           </a:p>
         </p:txBody>
       </p:sp>

--- a/presentation/QThread & QtConcurrent.pptx
+++ b/presentation/QThread & QtConcurrent.pptx
@@ -1,21 +1,28 @@
 
 <file path=ppt/presentation.xml><?xml version="1.0" encoding="utf-8"?>
-<p:presentation xmlns:a="http://schemas.openxmlformats.org/drawingml/2006/main" xmlns:r="http://schemas.openxmlformats.org/officeDocument/2006/relationships" xmlns:p="http://schemas.openxmlformats.org/presentationml/2006/main" autoCompressPictures="0">
+<p:presentation xmlns:a="http://schemas.openxmlformats.org/drawingml/2006/main" xmlns:r="http://schemas.openxmlformats.org/officeDocument/2006/relationships" xmlns:p="http://schemas.openxmlformats.org/presentationml/2006/main" showSpecialPlsOnTitleSld="0" autoCompressPictures="0">
   <p:sldMasterIdLst>
     <p:sldMasterId id="2147483648" r:id="rId1"/>
   </p:sldMasterIdLst>
+  <p:notesMasterIdLst>
+    <p:notesMasterId r:id="rId17"/>
+  </p:notesMasterIdLst>
   <p:sldIdLst>
     <p:sldId id="256" r:id="rId2"/>
     <p:sldId id="266" r:id="rId3"/>
     <p:sldId id="267" r:id="rId4"/>
-    <p:sldId id="257" r:id="rId5"/>
-    <p:sldId id="260" r:id="rId6"/>
-    <p:sldId id="258" r:id="rId7"/>
-    <p:sldId id="259" r:id="rId8"/>
-    <p:sldId id="261" r:id="rId9"/>
-    <p:sldId id="263" r:id="rId10"/>
-    <p:sldId id="264" r:id="rId11"/>
-    <p:sldId id="265" r:id="rId12"/>
+    <p:sldId id="268" r:id="rId5"/>
+    <p:sldId id="257" r:id="rId6"/>
+    <p:sldId id="260" r:id="rId7"/>
+    <p:sldId id="258" r:id="rId8"/>
+    <p:sldId id="259" r:id="rId9"/>
+    <p:sldId id="261" r:id="rId10"/>
+    <p:sldId id="263" r:id="rId11"/>
+    <p:sldId id="264" r:id="rId12"/>
+    <p:sldId id="265" r:id="rId13"/>
+    <p:sldId id="269" r:id="rId14"/>
+    <p:sldId id="270" r:id="rId15"/>
+    <p:sldId id="271" r:id="rId16"/>
   </p:sldIdLst>
   <p:sldSz cx="12192000" cy="6858000"/>
   <p:notesSz cx="6858000" cy="9144000"/>
@@ -120,6 +127,440 @@
     </p:ext>
   </p:extLst>
 </p:presentation>
+</file>
+
+<file path=ppt/notesMasters/notesMaster1.xml><?xml version="1.0" encoding="utf-8"?>
+<p:notesMaster xmlns:a="http://schemas.openxmlformats.org/drawingml/2006/main" xmlns:r="http://schemas.openxmlformats.org/officeDocument/2006/relationships" xmlns:p="http://schemas.openxmlformats.org/presentationml/2006/main">
+  <p:cSld>
+    <p:bg>
+      <p:bgRef idx="1001">
+        <a:schemeClr val="bg1"/>
+      </p:bgRef>
+    </p:bg>
+    <p:spTree>
+      <p:nvGrpSpPr>
+        <p:cNvPr id="1" name=""/>
+        <p:cNvGrpSpPr/>
+        <p:nvPr/>
+      </p:nvGrpSpPr>
+      <p:grpSpPr>
+        <a:xfrm>
+          <a:off x="0" y="0"/>
+          <a:ext cx="0" cy="0"/>
+          <a:chOff x="0" y="0"/>
+          <a:chExt cx="0" cy="0"/>
+        </a:xfrm>
+      </p:grpSpPr>
+      <p:sp>
+        <p:nvSpPr>
+          <p:cNvPr id="2" name="Espace réservé de l'en-tête 1"/>
+          <p:cNvSpPr>
+            <a:spLocks noGrp="1"/>
+          </p:cNvSpPr>
+          <p:nvPr>
+            <p:ph type="hdr" sz="quarter"/>
+          </p:nvPr>
+        </p:nvSpPr>
+        <p:spPr>
+          <a:xfrm>
+            <a:off x="0" y="0"/>
+            <a:ext cx="2971800" cy="458788"/>
+          </a:xfrm>
+          <a:prstGeom prst="rect">
+            <a:avLst/>
+          </a:prstGeom>
+        </p:spPr>
+        <p:txBody>
+          <a:bodyPr vert="horz" lIns="91440" tIns="45720" rIns="91440" bIns="45720" rtlCol="0"/>
+          <a:lstStyle>
+            <a:lvl1pPr algn="l">
+              <a:defRPr sz="1200"/>
+            </a:lvl1pPr>
+          </a:lstStyle>
+          <a:p>
+            <a:endParaRPr lang="fr-CH"/>
+          </a:p>
+        </p:txBody>
+      </p:sp>
+      <p:sp>
+        <p:nvSpPr>
+          <p:cNvPr id="3" name="Espace réservé de la date 2"/>
+          <p:cNvSpPr>
+            <a:spLocks noGrp="1"/>
+          </p:cNvSpPr>
+          <p:nvPr>
+            <p:ph type="dt" idx="1"/>
+          </p:nvPr>
+        </p:nvSpPr>
+        <p:spPr>
+          <a:xfrm>
+            <a:off x="3884613" y="0"/>
+            <a:ext cx="2971800" cy="458788"/>
+          </a:xfrm>
+          <a:prstGeom prst="rect">
+            <a:avLst/>
+          </a:prstGeom>
+        </p:spPr>
+        <p:txBody>
+          <a:bodyPr vert="horz" lIns="91440" tIns="45720" rIns="91440" bIns="45720" rtlCol="0"/>
+          <a:lstStyle>
+            <a:lvl1pPr algn="r">
+              <a:defRPr sz="1200"/>
+            </a:lvl1pPr>
+          </a:lstStyle>
+          <a:p>
+            <a:fld id="{188B6841-8A48-4F6C-B249-1C7A26C8E63F}" type="datetimeFigureOut">
+              <a:rPr lang="fr-CH" smtClean="0"/>
+              <a:t>11.06.2015</a:t>
+            </a:fld>
+            <a:endParaRPr lang="fr-CH"/>
+          </a:p>
+        </p:txBody>
+      </p:sp>
+      <p:sp>
+        <p:nvSpPr>
+          <p:cNvPr id="4" name="Espace réservé de l'image des diapositives 3"/>
+          <p:cNvSpPr>
+            <a:spLocks noGrp="1" noRot="1" noChangeAspect="1"/>
+          </p:cNvSpPr>
+          <p:nvPr>
+            <p:ph type="sldImg" idx="2"/>
+          </p:nvPr>
+        </p:nvSpPr>
+        <p:spPr>
+          <a:xfrm>
+            <a:off x="685800" y="1143000"/>
+            <a:ext cx="5486400" cy="3086100"/>
+          </a:xfrm>
+          <a:prstGeom prst="rect">
+            <a:avLst/>
+          </a:prstGeom>
+          <a:noFill/>
+          <a:ln w="12700">
+            <a:solidFill>
+              <a:prstClr val="black"/>
+            </a:solidFill>
+          </a:ln>
+        </p:spPr>
+        <p:txBody>
+          <a:bodyPr vert="horz" lIns="91440" tIns="45720" rIns="91440" bIns="45720" rtlCol="0" anchor="ctr"/>
+          <a:lstStyle/>
+          <a:p>
+            <a:endParaRPr lang="fr-CH"/>
+          </a:p>
+        </p:txBody>
+      </p:sp>
+      <p:sp>
+        <p:nvSpPr>
+          <p:cNvPr id="5" name="Espace réservé des commentaires 4"/>
+          <p:cNvSpPr>
+            <a:spLocks noGrp="1"/>
+          </p:cNvSpPr>
+          <p:nvPr>
+            <p:ph type="body" sz="quarter" idx="3"/>
+          </p:nvPr>
+        </p:nvSpPr>
+        <p:spPr>
+          <a:xfrm>
+            <a:off x="685800" y="4400550"/>
+            <a:ext cx="5486400" cy="3600450"/>
+          </a:xfrm>
+          <a:prstGeom prst="rect">
+            <a:avLst/>
+          </a:prstGeom>
+        </p:spPr>
+        <p:txBody>
+          <a:bodyPr vert="horz" lIns="91440" tIns="45720" rIns="91440" bIns="45720" rtlCol="0"/>
+          <a:lstStyle/>
+          <a:p>
+            <a:pPr lvl="0"/>
+            <a:r>
+              <a:rPr lang="fr-FR" smtClean="0"/>
+              <a:t>Modifiez les styles du texte du masque</a:t>
+            </a:r>
+          </a:p>
+          <a:p>
+            <a:pPr lvl="1"/>
+            <a:r>
+              <a:rPr lang="fr-FR" smtClean="0"/>
+              <a:t>Deuxième niveau</a:t>
+            </a:r>
+          </a:p>
+          <a:p>
+            <a:pPr lvl="2"/>
+            <a:r>
+              <a:rPr lang="fr-FR" smtClean="0"/>
+              <a:t>Troisième niveau</a:t>
+            </a:r>
+          </a:p>
+          <a:p>
+            <a:pPr lvl="3"/>
+            <a:r>
+              <a:rPr lang="fr-FR" smtClean="0"/>
+              <a:t>Quatrième niveau</a:t>
+            </a:r>
+          </a:p>
+          <a:p>
+            <a:pPr lvl="4"/>
+            <a:r>
+              <a:rPr lang="fr-FR" smtClean="0"/>
+              <a:t>Cinquième niveau</a:t>
+            </a:r>
+            <a:endParaRPr lang="fr-CH"/>
+          </a:p>
+        </p:txBody>
+      </p:sp>
+      <p:sp>
+        <p:nvSpPr>
+          <p:cNvPr id="6" name="Espace réservé du pied de page 5"/>
+          <p:cNvSpPr>
+            <a:spLocks noGrp="1"/>
+          </p:cNvSpPr>
+          <p:nvPr>
+            <p:ph type="ftr" sz="quarter" idx="4"/>
+          </p:nvPr>
+        </p:nvSpPr>
+        <p:spPr>
+          <a:xfrm>
+            <a:off x="0" y="8685213"/>
+            <a:ext cx="2971800" cy="458787"/>
+          </a:xfrm>
+          <a:prstGeom prst="rect">
+            <a:avLst/>
+          </a:prstGeom>
+        </p:spPr>
+        <p:txBody>
+          <a:bodyPr vert="horz" lIns="91440" tIns="45720" rIns="91440" bIns="45720" rtlCol="0" anchor="b"/>
+          <a:lstStyle>
+            <a:lvl1pPr algn="l">
+              <a:defRPr sz="1200"/>
+            </a:lvl1pPr>
+          </a:lstStyle>
+          <a:p>
+            <a:endParaRPr lang="fr-CH"/>
+          </a:p>
+        </p:txBody>
+      </p:sp>
+      <p:sp>
+        <p:nvSpPr>
+          <p:cNvPr id="7" name="Espace réservé du numéro de diapositive 6"/>
+          <p:cNvSpPr>
+            <a:spLocks noGrp="1"/>
+          </p:cNvSpPr>
+          <p:nvPr>
+            <p:ph type="sldNum" sz="quarter" idx="5"/>
+          </p:nvPr>
+        </p:nvSpPr>
+        <p:spPr>
+          <a:xfrm>
+            <a:off x="3884613" y="8685213"/>
+            <a:ext cx="2971800" cy="458787"/>
+          </a:xfrm>
+          <a:prstGeom prst="rect">
+            <a:avLst/>
+          </a:prstGeom>
+        </p:spPr>
+        <p:txBody>
+          <a:bodyPr vert="horz" lIns="91440" tIns="45720" rIns="91440" bIns="45720" rtlCol="0" anchor="b"/>
+          <a:lstStyle>
+            <a:lvl1pPr algn="r">
+              <a:defRPr sz="1200"/>
+            </a:lvl1pPr>
+          </a:lstStyle>
+          <a:p>
+            <a:fld id="{2B475FB9-40CB-4D89-B295-5B654E274CBF}" type="slidenum">
+              <a:rPr lang="fr-CH" smtClean="0"/>
+              <a:t>‹N°›</a:t>
+            </a:fld>
+            <a:endParaRPr lang="fr-CH"/>
+          </a:p>
+        </p:txBody>
+      </p:sp>
+    </p:spTree>
+    <p:extLst>
+      <p:ext uri="{BB962C8B-B14F-4D97-AF65-F5344CB8AC3E}">
+        <p14:creationId xmlns:p14="http://schemas.microsoft.com/office/powerpoint/2010/main" val="2377037330"/>
+      </p:ext>
+    </p:extLst>
+  </p:cSld>
+  <p:clrMap bg1="lt1" tx1="dk1" bg2="lt2" tx2="dk2" accent1="accent1" accent2="accent2" accent3="accent3" accent4="accent4" accent5="accent5" accent6="accent6" hlink="hlink" folHlink="folHlink"/>
+  <p:notesStyle>
+    <a:lvl1pPr marL="0" algn="l" defTabSz="914400" rtl="0" eaLnBrk="1" latinLnBrk="0" hangingPunct="1">
+      <a:defRPr sz="1200" kern="1200">
+        <a:solidFill>
+          <a:schemeClr val="tx1"/>
+        </a:solidFill>
+        <a:latin typeface="+mn-lt"/>
+        <a:ea typeface="+mn-ea"/>
+        <a:cs typeface="+mn-cs"/>
+      </a:defRPr>
+    </a:lvl1pPr>
+    <a:lvl2pPr marL="457200" algn="l" defTabSz="914400" rtl="0" eaLnBrk="1" latinLnBrk="0" hangingPunct="1">
+      <a:defRPr sz="1200" kern="1200">
+        <a:solidFill>
+          <a:schemeClr val="tx1"/>
+        </a:solidFill>
+        <a:latin typeface="+mn-lt"/>
+        <a:ea typeface="+mn-ea"/>
+        <a:cs typeface="+mn-cs"/>
+      </a:defRPr>
+    </a:lvl2pPr>
+    <a:lvl3pPr marL="914400" algn="l" defTabSz="914400" rtl="0" eaLnBrk="1" latinLnBrk="0" hangingPunct="1">
+      <a:defRPr sz="1200" kern="1200">
+        <a:solidFill>
+          <a:schemeClr val="tx1"/>
+        </a:solidFill>
+        <a:latin typeface="+mn-lt"/>
+        <a:ea typeface="+mn-ea"/>
+        <a:cs typeface="+mn-cs"/>
+      </a:defRPr>
+    </a:lvl3pPr>
+    <a:lvl4pPr marL="1371600" algn="l" defTabSz="914400" rtl="0" eaLnBrk="1" latinLnBrk="0" hangingPunct="1">
+      <a:defRPr sz="1200" kern="1200">
+        <a:solidFill>
+          <a:schemeClr val="tx1"/>
+        </a:solidFill>
+        <a:latin typeface="+mn-lt"/>
+        <a:ea typeface="+mn-ea"/>
+        <a:cs typeface="+mn-cs"/>
+      </a:defRPr>
+    </a:lvl4pPr>
+    <a:lvl5pPr marL="1828800" algn="l" defTabSz="914400" rtl="0" eaLnBrk="1" latinLnBrk="0" hangingPunct="1">
+      <a:defRPr sz="1200" kern="1200">
+        <a:solidFill>
+          <a:schemeClr val="tx1"/>
+        </a:solidFill>
+        <a:latin typeface="+mn-lt"/>
+        <a:ea typeface="+mn-ea"/>
+        <a:cs typeface="+mn-cs"/>
+      </a:defRPr>
+    </a:lvl5pPr>
+    <a:lvl6pPr marL="2286000" algn="l" defTabSz="914400" rtl="0" eaLnBrk="1" latinLnBrk="0" hangingPunct="1">
+      <a:defRPr sz="1200" kern="1200">
+        <a:solidFill>
+          <a:schemeClr val="tx1"/>
+        </a:solidFill>
+        <a:latin typeface="+mn-lt"/>
+        <a:ea typeface="+mn-ea"/>
+        <a:cs typeface="+mn-cs"/>
+      </a:defRPr>
+    </a:lvl6pPr>
+    <a:lvl7pPr marL="2743200" algn="l" defTabSz="914400" rtl="0" eaLnBrk="1" latinLnBrk="0" hangingPunct="1">
+      <a:defRPr sz="1200" kern="1200">
+        <a:solidFill>
+          <a:schemeClr val="tx1"/>
+        </a:solidFill>
+        <a:latin typeface="+mn-lt"/>
+        <a:ea typeface="+mn-ea"/>
+        <a:cs typeface="+mn-cs"/>
+      </a:defRPr>
+    </a:lvl7pPr>
+    <a:lvl8pPr marL="3200400" algn="l" defTabSz="914400" rtl="0" eaLnBrk="1" latinLnBrk="0" hangingPunct="1">
+      <a:defRPr sz="1200" kern="1200">
+        <a:solidFill>
+          <a:schemeClr val="tx1"/>
+        </a:solidFill>
+        <a:latin typeface="+mn-lt"/>
+        <a:ea typeface="+mn-ea"/>
+        <a:cs typeface="+mn-cs"/>
+      </a:defRPr>
+    </a:lvl8pPr>
+    <a:lvl9pPr marL="3657600" algn="l" defTabSz="914400" rtl="0" eaLnBrk="1" latinLnBrk="0" hangingPunct="1">
+      <a:defRPr sz="1200" kern="1200">
+        <a:solidFill>
+          <a:schemeClr val="tx1"/>
+        </a:solidFill>
+        <a:latin typeface="+mn-lt"/>
+        <a:ea typeface="+mn-ea"/>
+        <a:cs typeface="+mn-cs"/>
+      </a:defRPr>
+    </a:lvl9pPr>
+  </p:notesStyle>
+</p:notesMaster>
+</file>
+
+<file path=ppt/notesSlides/notesSlide1.xml><?xml version="1.0" encoding="utf-8"?>
+<p:notes xmlns:a="http://schemas.openxmlformats.org/drawingml/2006/main" xmlns:r="http://schemas.openxmlformats.org/officeDocument/2006/relationships" xmlns:p="http://schemas.openxmlformats.org/presentationml/2006/main">
+  <p:cSld>
+    <p:spTree>
+      <p:nvGrpSpPr>
+        <p:cNvPr id="1" name=""/>
+        <p:cNvGrpSpPr/>
+        <p:nvPr/>
+      </p:nvGrpSpPr>
+      <p:grpSpPr>
+        <a:xfrm>
+          <a:off x="0" y="0"/>
+          <a:ext cx="0" cy="0"/>
+          <a:chOff x="0" y="0"/>
+          <a:chExt cx="0" cy="0"/>
+        </a:xfrm>
+      </p:grpSpPr>
+      <p:sp>
+        <p:nvSpPr>
+          <p:cNvPr id="2" name="Espace réservé de l'image des diapositives 1"/>
+          <p:cNvSpPr>
+            <a:spLocks noGrp="1" noRot="1" noChangeAspect="1"/>
+          </p:cNvSpPr>
+          <p:nvPr>
+            <p:ph type="sldImg"/>
+          </p:nvPr>
+        </p:nvSpPr>
+        <p:spPr/>
+      </p:sp>
+      <p:sp>
+        <p:nvSpPr>
+          <p:cNvPr id="3" name="Espace réservé des commentaires 2"/>
+          <p:cNvSpPr>
+            <a:spLocks noGrp="1"/>
+          </p:cNvSpPr>
+          <p:nvPr>
+            <p:ph type="body" idx="1"/>
+          </p:nvPr>
+        </p:nvSpPr>
+        <p:spPr/>
+        <p:txBody>
+          <a:bodyPr/>
+          <a:lstStyle/>
+          <a:p>
+            <a:endParaRPr lang="fr-CH"/>
+          </a:p>
+        </p:txBody>
+      </p:sp>
+      <p:sp>
+        <p:nvSpPr>
+          <p:cNvPr id="4" name="Espace réservé du numéro de diapositive 3"/>
+          <p:cNvSpPr>
+            <a:spLocks noGrp="1"/>
+          </p:cNvSpPr>
+          <p:nvPr>
+            <p:ph type="sldNum" sz="quarter" idx="10"/>
+          </p:nvPr>
+        </p:nvSpPr>
+        <p:spPr/>
+        <p:txBody>
+          <a:bodyPr/>
+          <a:lstStyle/>
+          <a:p>
+            <a:fld id="{2B475FB9-40CB-4D89-B295-5B654E274CBF}" type="slidenum">
+              <a:rPr lang="fr-CH" smtClean="0"/>
+              <a:t>1</a:t>
+            </a:fld>
+            <a:endParaRPr lang="fr-CH"/>
+          </a:p>
+        </p:txBody>
+      </p:sp>
+    </p:spTree>
+    <p:extLst>
+      <p:ext uri="{BB962C8B-B14F-4D97-AF65-F5344CB8AC3E}">
+        <p14:creationId xmlns:p14="http://schemas.microsoft.com/office/powerpoint/2010/main" val="3338565829"/>
+      </p:ext>
+    </p:extLst>
+  </p:cSld>
+  <p:clrMapOvr>
+    <a:masterClrMapping/>
+  </p:clrMapOvr>
+</p:notes>
 </file>
 
 <file path=ppt/slideLayouts/slideLayout1.xml><?xml version="1.0" encoding="utf-8"?>
@@ -842,9 +1283,8 @@
           <a:bodyPr/>
           <a:lstStyle/>
           <a:p>
-            <a:fld id="{B61BEF0D-F0BB-DE4B-95CE-6DB70DBA9567}" type="datetimeFigureOut">
-              <a:rPr lang="en-US" dirty="0"/>
-              <a:pPr/>
+            <a:fld id="{F52745D6-70F7-4C82-8E62-F81227E97D3E}" type="datetime1">
+              <a:rPr lang="en-US" smtClean="0"/>
               <a:t>6/11/2015</a:t>
             </a:fld>
             <a:endParaRPr lang="en-US" dirty="0"/>
@@ -888,7 +1328,7 @@
             <a:fld id="{D57F1E4F-1CFF-5643-939E-217C01CDF565}" type="slidenum">
               <a:rPr lang="en-US" dirty="0"/>
               <a:pPr/>
-              <a:t>‹#›</a:t>
+              <a:t>‹N°›</a:t>
             </a:fld>
             <a:endParaRPr lang="en-US" dirty="0"/>
           </a:p>
@@ -1090,9 +1530,8 @@
           <a:bodyPr/>
           <a:lstStyle/>
           <a:p>
-            <a:fld id="{B61BEF0D-F0BB-DE4B-95CE-6DB70DBA9567}" type="datetimeFigureOut">
-              <a:rPr lang="en-US" dirty="0"/>
-              <a:pPr/>
+            <a:fld id="{71418744-F6AE-4480-9FE0-627EF7B5A1C9}" type="datetime1">
+              <a:rPr lang="en-US" smtClean="0"/>
               <a:t>6/11/2015</a:t>
             </a:fld>
             <a:endParaRPr lang="en-US" dirty="0"/>
@@ -1136,7 +1575,7 @@
             <a:fld id="{D57F1E4F-1CFF-5643-939E-217C01CDF565}" type="slidenum">
               <a:rPr lang="en-US" dirty="0"/>
               <a:pPr/>
-              <a:t>‹#›</a:t>
+              <a:t>‹N°›</a:t>
             </a:fld>
             <a:endParaRPr lang="en-US" dirty="0"/>
           </a:p>
@@ -1401,9 +1840,8 @@
           <a:bodyPr/>
           <a:lstStyle/>
           <a:p>
-            <a:fld id="{B61BEF0D-F0BB-DE4B-95CE-6DB70DBA9567}" type="datetimeFigureOut">
-              <a:rPr lang="en-US" dirty="0"/>
-              <a:pPr/>
+            <a:fld id="{C4E04F75-94FC-4E6B-B701-B9F79563CC50}" type="datetime1">
+              <a:rPr lang="en-US" smtClean="0"/>
               <a:t>6/11/2015</a:t>
             </a:fld>
             <a:endParaRPr lang="en-US" dirty="0"/>
@@ -1447,7 +1885,7 @@
             <a:fld id="{D57F1E4F-1CFF-5643-939E-217C01CDF565}" type="slidenum">
               <a:rPr lang="en-US" dirty="0"/>
               <a:pPr/>
-              <a:t>‹#›</a:t>
+              <a:t>‹N°›</a:t>
             </a:fld>
             <a:endParaRPr lang="en-US" dirty="0"/>
           </a:p>
@@ -1739,9 +2177,8 @@
           <a:bodyPr/>
           <a:lstStyle/>
           <a:p>
-            <a:fld id="{B61BEF0D-F0BB-DE4B-95CE-6DB70DBA9567}" type="datetimeFigureOut">
-              <a:rPr lang="en-US" dirty="0"/>
-              <a:pPr/>
+            <a:fld id="{AB2B40D4-60F4-43E8-9065-AFB3D8087428}" type="datetime1">
+              <a:rPr lang="en-US" smtClean="0"/>
               <a:t>6/11/2015</a:t>
             </a:fld>
             <a:endParaRPr lang="en-US" dirty="0"/>
@@ -1785,7 +2222,7 @@
             <a:fld id="{D57F1E4F-1CFF-5643-939E-217C01CDF565}" type="slidenum">
               <a:rPr lang="en-US" dirty="0"/>
               <a:pPr/>
-              <a:t>‹#›</a:t>
+              <a:t>‹N°›</a:t>
             </a:fld>
             <a:endParaRPr lang="en-US" dirty="0"/>
           </a:p>
@@ -2050,9 +2487,8 @@
           <a:bodyPr/>
           <a:lstStyle/>
           <a:p>
-            <a:fld id="{B61BEF0D-F0BB-DE4B-95CE-6DB70DBA9567}" type="datetimeFigureOut">
-              <a:rPr lang="en-US" dirty="0"/>
-              <a:pPr/>
+            <a:fld id="{04D32855-E799-4BC6-BD98-5B27646037C0}" type="datetime1">
+              <a:rPr lang="en-US" smtClean="0"/>
               <a:t>6/11/2015</a:t>
             </a:fld>
             <a:endParaRPr lang="en-US" dirty="0"/>
@@ -2096,7 +2532,7 @@
             <a:fld id="{D57F1E4F-1CFF-5643-939E-217C01CDF565}" type="slidenum">
               <a:rPr lang="en-US" dirty="0"/>
               <a:pPr/>
-              <a:t>‹#›</a:t>
+              <a:t>‹N°›</a:t>
             </a:fld>
             <a:endParaRPr lang="en-US" dirty="0"/>
           </a:p>
@@ -2440,9 +2876,8 @@
           <a:bodyPr/>
           <a:lstStyle/>
           <a:p>
-            <a:fld id="{B61BEF0D-F0BB-DE4B-95CE-6DB70DBA9567}" type="datetimeFigureOut">
-              <a:rPr lang="en-US" dirty="0"/>
-              <a:pPr/>
+            <a:fld id="{DC0B727F-62D6-458E-B2D3-098F422CD809}" type="datetime1">
+              <a:rPr lang="en-US" smtClean="0"/>
               <a:t>6/11/2015</a:t>
             </a:fld>
             <a:endParaRPr lang="en-US" dirty="0"/>
@@ -2486,7 +2921,7 @@
             <a:fld id="{D57F1E4F-1CFF-5643-939E-217C01CDF565}" type="slidenum">
               <a:rPr lang="en-US" dirty="0"/>
               <a:pPr/>
-              <a:t>‹#›</a:t>
+              <a:t>‹N°›</a:t>
             </a:fld>
             <a:endParaRPr lang="en-US" dirty="0"/>
           </a:p>
@@ -2607,8 +3042,8 @@
           <a:bodyPr/>
           <a:lstStyle/>
           <a:p>
-            <a:fld id="{55C6B4A9-1611-4792-9094-5F34BCA07E0B}" type="datetimeFigureOut">
-              <a:rPr lang="en-US" dirty="0"/>
+            <a:fld id="{70E2F294-C111-43F6-82A4-DB93FE236A7D}" type="datetime1">
+              <a:rPr lang="en-US" smtClean="0"/>
               <a:t>6/11/2015</a:t>
             </a:fld>
             <a:endParaRPr lang="en-US" dirty="0"/>
@@ -2651,7 +3086,7 @@
           <a:p>
             <a:fld id="{89333C77-0158-454C-844F-B7AB9BD7DAD4}" type="slidenum">
               <a:rPr lang="en-US" dirty="0"/>
-              <a:t>‹#›</a:t>
+              <a:t>‹N°›</a:t>
             </a:fld>
             <a:endParaRPr lang="en-US" dirty="0"/>
           </a:p>
@@ -2782,9 +3217,8 @@
           <a:bodyPr/>
           <a:lstStyle/>
           <a:p>
-            <a:fld id="{B61BEF0D-F0BB-DE4B-95CE-6DB70DBA9567}" type="datetimeFigureOut">
-              <a:rPr lang="en-US" dirty="0"/>
-              <a:pPr/>
+            <a:fld id="{61ACFAD3-D4C7-4A05-9728-BA4C041C7B47}" type="datetime1">
+              <a:rPr lang="en-US" smtClean="0"/>
               <a:t>6/11/2015</a:t>
             </a:fld>
             <a:endParaRPr lang="en-US" dirty="0"/>
@@ -2828,7 +3262,7 @@
             <a:fld id="{D57F1E4F-1CFF-5643-939E-217C01CDF565}" type="slidenum">
               <a:rPr lang="en-US" dirty="0"/>
               <a:pPr/>
-              <a:t>‹#›</a:t>
+              <a:t>‹N°›</a:t>
             </a:fld>
             <a:endParaRPr lang="en-US" dirty="0"/>
           </a:p>
@@ -2955,9 +3389,8 @@
           <a:bodyPr/>
           <a:lstStyle/>
           <a:p>
-            <a:fld id="{B61BEF0D-F0BB-DE4B-95CE-6DB70DBA9567}" type="datetimeFigureOut">
-              <a:rPr lang="en-US" dirty="0"/>
-              <a:pPr/>
+            <a:fld id="{FAAA7057-6499-4106-81D4-30F31BC90B19}" type="datetime1">
+              <a:rPr lang="en-US" smtClean="0"/>
               <a:t>6/11/2015</a:t>
             </a:fld>
             <a:endParaRPr lang="en-US" dirty="0"/>
@@ -3001,7 +3434,7 @@
             <a:fld id="{D57F1E4F-1CFF-5643-939E-217C01CDF565}" type="slidenum">
               <a:rPr lang="en-US" dirty="0"/>
               <a:pPr/>
-              <a:t>‹#›</a:t>
+              <a:t>‹N°›</a:t>
             </a:fld>
             <a:endParaRPr lang="en-US" dirty="0"/>
           </a:p>
@@ -3199,9 +3632,8 @@
           <a:bodyPr/>
           <a:lstStyle/>
           <a:p>
-            <a:fld id="{B61BEF0D-F0BB-DE4B-95CE-6DB70DBA9567}" type="datetimeFigureOut">
-              <a:rPr lang="en-US" dirty="0"/>
-              <a:pPr/>
+            <a:fld id="{AD30C0A0-B5A6-489D-BCAB-5480EFA4323B}" type="datetime1">
+              <a:rPr lang="en-US" smtClean="0"/>
               <a:t>6/11/2015</a:t>
             </a:fld>
             <a:endParaRPr lang="en-US" dirty="0"/>
@@ -3245,7 +3677,7 @@
             <a:fld id="{D57F1E4F-1CFF-5643-939E-217C01CDF565}" type="slidenum">
               <a:rPr lang="en-US" dirty="0"/>
               <a:pPr/>
-              <a:t>‹#›</a:t>
+              <a:t>‹N°›</a:t>
             </a:fld>
             <a:endParaRPr lang="en-US" dirty="0"/>
           </a:p>
@@ -3428,8 +3860,8 @@
           <a:bodyPr/>
           <a:lstStyle/>
           <a:p>
-            <a:fld id="{EB712588-04B1-427B-82EE-E8DB90309F08}" type="datetimeFigureOut">
-              <a:rPr lang="en-US" dirty="0"/>
+            <a:fld id="{8110A862-FA44-4489-8295-38A384D36AB9}" type="datetime1">
+              <a:rPr lang="en-US" smtClean="0"/>
               <a:t>6/11/2015</a:t>
             </a:fld>
             <a:endParaRPr lang="en-US" dirty="0"/>
@@ -3472,7 +3904,7 @@
           <a:p>
             <a:fld id="{6FF9F0C5-380F-41C2-899A-BAC0F0927E16}" type="slidenum">
               <a:rPr lang="en-US" dirty="0"/>
-              <a:t>‹#›</a:t>
+              <a:t>‹N°›</a:t>
             </a:fld>
             <a:endParaRPr lang="en-US" dirty="0"/>
           </a:p>
@@ -3797,9 +4229,8 @@
           <a:bodyPr/>
           <a:lstStyle/>
           <a:p>
-            <a:fld id="{B61BEF0D-F0BB-DE4B-95CE-6DB70DBA9567}" type="datetimeFigureOut">
-              <a:rPr lang="en-US" dirty="0"/>
-              <a:pPr/>
+            <a:fld id="{6D4E7F6D-0FA3-40DC-BA73-17F4389EB69D}" type="datetime1">
+              <a:rPr lang="en-US" smtClean="0"/>
               <a:t>6/11/2015</a:t>
             </a:fld>
             <a:endParaRPr lang="en-US" dirty="0"/>
@@ -3843,7 +4274,7 @@
             <a:fld id="{D57F1E4F-1CFF-5643-939E-217C01CDF565}" type="slidenum">
               <a:rPr lang="en-US" dirty="0"/>
               <a:pPr/>
-              <a:t>‹#›</a:t>
+              <a:t>‹N°›</a:t>
             </a:fld>
             <a:endParaRPr lang="en-US" dirty="0"/>
           </a:p>
@@ -3917,9 +4348,8 @@
           <a:bodyPr/>
           <a:lstStyle/>
           <a:p>
-            <a:fld id="{B61BEF0D-F0BB-DE4B-95CE-6DB70DBA9567}" type="datetimeFigureOut">
-              <a:rPr lang="en-US" dirty="0"/>
-              <a:pPr/>
+            <a:fld id="{F773AB99-2EA5-4579-B0B3-2157B855F1D4}" type="datetime1">
+              <a:rPr lang="en-US" smtClean="0"/>
               <a:t>6/11/2015</a:t>
             </a:fld>
             <a:endParaRPr lang="en-US" dirty="0"/>
@@ -3963,7 +4393,7 @@
             <a:fld id="{D57F1E4F-1CFF-5643-939E-217C01CDF565}" type="slidenum">
               <a:rPr lang="en-US" dirty="0"/>
               <a:pPr/>
-              <a:t>‹#›</a:t>
+              <a:t>‹N°›</a:t>
             </a:fld>
             <a:endParaRPr lang="en-US" dirty="0"/>
           </a:p>
@@ -4009,9 +4439,8 @@
           <a:bodyPr/>
           <a:lstStyle/>
           <a:p>
-            <a:fld id="{B61BEF0D-F0BB-DE4B-95CE-6DB70DBA9567}" type="datetimeFigureOut">
-              <a:rPr lang="en-US" dirty="0"/>
-              <a:pPr/>
+            <a:fld id="{F5FD82E3-FE9B-4C04-BA5E-F2A80BBF0E50}" type="datetime1">
+              <a:rPr lang="en-US" smtClean="0"/>
               <a:t>6/11/2015</a:t>
             </a:fld>
             <a:endParaRPr lang="en-US" dirty="0"/>
@@ -4055,7 +4484,7 @@
             <a:fld id="{D57F1E4F-1CFF-5643-939E-217C01CDF565}" type="slidenum">
               <a:rPr lang="en-US" dirty="0"/>
               <a:pPr/>
-              <a:t>‹#›</a:t>
+              <a:t>‹N°›</a:t>
             </a:fld>
             <a:endParaRPr lang="en-US" dirty="0"/>
           </a:p>
@@ -4261,8 +4690,8 @@
           <a:bodyPr/>
           <a:lstStyle/>
           <a:p>
-            <a:fld id="{42A54C80-263E-416B-A8E0-580EDEADCBDC}" type="datetimeFigureOut">
-              <a:rPr lang="en-US" dirty="0"/>
+            <a:fld id="{AA8A8B04-B2DB-45EA-8A6A-C9F8E28E4D2A}" type="datetime1">
+              <a:rPr lang="en-US" smtClean="0"/>
               <a:t>6/11/2015</a:t>
             </a:fld>
             <a:endParaRPr lang="en-US" dirty="0"/>
@@ -4305,7 +4734,7 @@
           <a:p>
             <a:fld id="{519954A3-9DFD-4C44-94BA-B95130A3BA1C}" type="slidenum">
               <a:rPr lang="en-US" dirty="0"/>
-              <a:t>‹#›</a:t>
+              <a:t>‹N°›</a:t>
             </a:fld>
             <a:endParaRPr lang="en-US" dirty="0"/>
           </a:p>
@@ -4519,9 +4948,8 @@
           <a:bodyPr/>
           <a:lstStyle/>
           <a:p>
-            <a:fld id="{B61BEF0D-F0BB-DE4B-95CE-6DB70DBA9567}" type="datetimeFigureOut">
-              <a:rPr lang="en-US" dirty="0"/>
-              <a:pPr/>
+            <a:fld id="{1A7CC758-2F5E-45F6-9C21-3875B8CE3542}" type="datetime1">
+              <a:rPr lang="en-US" smtClean="0"/>
               <a:t>6/11/2015</a:t>
             </a:fld>
             <a:endParaRPr lang="en-US" dirty="0"/>
@@ -4565,7 +4993,7 @@
             <a:fld id="{D57F1E4F-1CFF-5643-939E-217C01CDF565}" type="slidenum">
               <a:rPr lang="en-US" dirty="0"/>
               <a:pPr/>
-              <a:t>‹#›</a:t>
+              <a:t>‹N°›</a:t>
             </a:fld>
             <a:endParaRPr lang="en-US" dirty="0"/>
           </a:p>
@@ -5259,9 +5687,8 @@
             </a:lvl1pPr>
           </a:lstStyle>
           <a:p>
-            <a:fld id="{B61BEF0D-F0BB-DE4B-95CE-6DB70DBA9567}" type="datetimeFigureOut">
-              <a:rPr lang="en-US" dirty="0"/>
-              <a:pPr/>
+            <a:fld id="{3E778F2E-21B1-404C-8E48-18910C9B0F8E}" type="datetime1">
+              <a:rPr lang="en-US" smtClean="0"/>
               <a:t>6/11/2015</a:t>
             </a:fld>
             <a:endParaRPr lang="en-US" dirty="0"/>
@@ -5339,7 +5766,7 @@
             <a:fld id="{D57F1E4F-1CFF-5643-939E-217C01CDF565}" type="slidenum">
               <a:rPr lang="en-US" dirty="0"/>
               <a:pPr/>
-              <a:t>‹#›</a:t>
+              <a:t>‹N°›</a:t>
             </a:fld>
             <a:endParaRPr lang="en-US" dirty="0"/>
           </a:p>
@@ -5366,6 +5793,7 @@
     <p:sldLayoutId id="2147483667" r:id="rId15"/>
     <p:sldLayoutId id="2147483659" r:id="rId16"/>
   </p:sldLayoutIdLst>
+  <p:hf hdr="0" ftr="0" dt="0"/>
   <p:txStyles>
     <p:titleStyle>
       <a:lvl1pPr algn="l" defTabSz="457200" rtl="0" eaLnBrk="1" latinLnBrk="0" hangingPunct="1">
@@ -5854,6 +6282,13 @@
   <p:clrMapOvr>
     <a:masterClrMapping/>
   </p:clrMapOvr>
+  <p:timing>
+    <p:tnLst>
+      <p:par>
+        <p:cTn id="1" dur="indefinite" restart="never" nodeType="tmRoot"/>
+      </p:par>
+    </p:tnLst>
+  </p:timing>
 </p:sld>
 </file>
 
@@ -5917,15 +6352,10 @@
             <p:ph idx="1"/>
           </p:nvPr>
         </p:nvSpPr>
-        <p:spPr>
-          <a:xfrm>
-            <a:off x="677334" y="2160589"/>
-            <a:ext cx="9191596" cy="3880773"/>
-          </a:xfrm>
-        </p:spPr>
+        <p:spPr/>
         <p:txBody>
           <a:bodyPr>
-            <a:normAutofit/>
+            <a:normAutofit fontScale="92500" lnSpcReduction="20000"/>
           </a:bodyPr>
           <a:lstStyle/>
           <a:p>
@@ -5937,35 +6367,44 @@
                 <a:latin typeface="Courier New" panose="02070309020205020404" pitchFamily="49" charset="0"/>
                 <a:cs typeface="Courier New" panose="02070309020205020404" pitchFamily="49" charset="0"/>
               </a:rPr>
-              <a:t>void </a:t>
+              <a:t>class </a:t>
             </a:r>
             <a:r>
               <a:rPr lang="en-US" dirty="0" err="1">
                 <a:latin typeface="Courier New" panose="02070309020205020404" pitchFamily="49" charset="0"/>
                 <a:cs typeface="Courier New" panose="02070309020205020404" pitchFamily="49" charset="0"/>
               </a:rPr>
-              <a:t>MyObject</a:t>
+              <a:t>WorkerThread</a:t>
             </a:r>
             <a:r>
               <a:rPr lang="en-US" dirty="0">
                 <a:latin typeface="Courier New" panose="02070309020205020404" pitchFamily="49" charset="0"/>
                 <a:cs typeface="Courier New" panose="02070309020205020404" pitchFamily="49" charset="0"/>
               </a:rPr>
-              <a:t>::</a:t>
+              <a:t> : public </a:t>
             </a:r>
             <a:r>
               <a:rPr lang="en-US" dirty="0" err="1">
                 <a:latin typeface="Courier New" panose="02070309020205020404" pitchFamily="49" charset="0"/>
                 <a:cs typeface="Courier New" panose="02070309020205020404" pitchFamily="49" charset="0"/>
               </a:rPr>
-              <a:t>startWorkInAThread</a:t>
-            </a:r>
+              <a:t>QThread</a:t>
+            </a:r>
+            <a:endParaRPr lang="en-US" dirty="0">
+              <a:latin typeface="Courier New" panose="02070309020205020404" pitchFamily="49" charset="0"/>
+              <a:cs typeface="Courier New" panose="02070309020205020404" pitchFamily="49" charset="0"/>
+            </a:endParaRPr>
+          </a:p>
+          <a:p>
+            <a:pPr marL="0" indent="0">
+              <a:buNone/>
+            </a:pPr>
             <a:r>
               <a:rPr lang="en-US" dirty="0">
                 <a:latin typeface="Courier New" panose="02070309020205020404" pitchFamily="49" charset="0"/>
                 <a:cs typeface="Courier New" panose="02070309020205020404" pitchFamily="49" charset="0"/>
               </a:rPr>
-              <a:t>()</a:t>
+              <a:t>{</a:t>
             </a:r>
           </a:p>
           <a:p>
@@ -5977,7 +6416,7 @@
                 <a:latin typeface="Courier New" panose="02070309020205020404" pitchFamily="49" charset="0"/>
                 <a:cs typeface="Courier New" panose="02070309020205020404" pitchFamily="49" charset="0"/>
               </a:rPr>
-              <a:t>{</a:t>
+              <a:t>    Q_OBJECT</a:t>
             </a:r>
           </a:p>
           <a:p>
@@ -5989,49 +6428,149 @@
                 <a:latin typeface="Courier New" panose="02070309020205020404" pitchFamily="49" charset="0"/>
                 <a:cs typeface="Courier New" panose="02070309020205020404" pitchFamily="49" charset="0"/>
               </a:rPr>
-              <a:t>    </a:t>
+              <a:t>    void run() Q_DECL_OVERRIDE {</a:t>
+            </a:r>
+          </a:p>
+          <a:p>
+            <a:pPr marL="0" indent="0">
+              <a:buNone/>
+            </a:pPr>
+            <a:r>
+              <a:rPr lang="en-US" dirty="0">
+                <a:latin typeface="Courier New" panose="02070309020205020404" pitchFamily="49" charset="0"/>
+                <a:cs typeface="Courier New" panose="02070309020205020404" pitchFamily="49" charset="0"/>
+              </a:rPr>
+              <a:t>        </a:t>
             </a:r>
             <a:r>
               <a:rPr lang="en-US" dirty="0" err="1">
                 <a:latin typeface="Courier New" panose="02070309020205020404" pitchFamily="49" charset="0"/>
                 <a:cs typeface="Courier New" panose="02070309020205020404" pitchFamily="49" charset="0"/>
               </a:rPr>
-              <a:t>WorkerThread</a:t>
+              <a:t>QString</a:t>
             </a:r>
             <a:r>
               <a:rPr lang="en-US" dirty="0">
                 <a:latin typeface="Courier New" panose="02070309020205020404" pitchFamily="49" charset="0"/>
                 <a:cs typeface="Courier New" panose="02070309020205020404" pitchFamily="49" charset="0"/>
               </a:rPr>
-              <a:t> *</a:t>
+              <a:t> result;</a:t>
+            </a:r>
+          </a:p>
+          <a:p>
+            <a:pPr marL="0" indent="0">
+              <a:buNone/>
+            </a:pPr>
+            <a:r>
+              <a:rPr lang="en-US" dirty="0">
+                <a:latin typeface="Courier New" panose="02070309020205020404" pitchFamily="49" charset="0"/>
+                <a:cs typeface="Courier New" panose="02070309020205020404" pitchFamily="49" charset="0"/>
+              </a:rPr>
+              <a:t>        /* ... here is the expensive or blocking operation ... */</a:t>
+            </a:r>
+          </a:p>
+          <a:p>
+            <a:pPr marL="0" indent="0">
+              <a:buNone/>
+            </a:pPr>
+            <a:r>
+              <a:rPr lang="en-US" dirty="0">
+                <a:latin typeface="Courier New" panose="02070309020205020404" pitchFamily="49" charset="0"/>
+                <a:cs typeface="Courier New" panose="02070309020205020404" pitchFamily="49" charset="0"/>
+              </a:rPr>
+              <a:t>        emit </a:t>
             </a:r>
             <a:r>
               <a:rPr lang="en-US" dirty="0" err="1">
                 <a:latin typeface="Courier New" panose="02070309020205020404" pitchFamily="49" charset="0"/>
                 <a:cs typeface="Courier New" panose="02070309020205020404" pitchFamily="49" charset="0"/>
               </a:rPr>
-              <a:t>workerThread</a:t>
+              <a:t>resultReady</a:t>
             </a:r>
             <a:r>
               <a:rPr lang="en-US" dirty="0">
                 <a:latin typeface="Courier New" panose="02070309020205020404" pitchFamily="49" charset="0"/>
                 <a:cs typeface="Courier New" panose="02070309020205020404" pitchFamily="49" charset="0"/>
               </a:rPr>
-              <a:t> = new </a:t>
+              <a:t>(result);</a:t>
+            </a:r>
+          </a:p>
+          <a:p>
+            <a:pPr marL="0" indent="0">
+              <a:buNone/>
+            </a:pPr>
+            <a:r>
+              <a:rPr lang="en-US" dirty="0">
+                <a:latin typeface="Courier New" panose="02070309020205020404" pitchFamily="49" charset="0"/>
+                <a:cs typeface="Courier New" panose="02070309020205020404" pitchFamily="49" charset="0"/>
+              </a:rPr>
+              <a:t>    }</a:t>
+            </a:r>
+          </a:p>
+          <a:p>
+            <a:pPr marL="0" indent="0">
+              <a:buNone/>
+            </a:pPr>
+            <a:r>
+              <a:rPr lang="en-US" dirty="0">
+                <a:latin typeface="Courier New" panose="02070309020205020404" pitchFamily="49" charset="0"/>
+                <a:cs typeface="Courier New" panose="02070309020205020404" pitchFamily="49" charset="0"/>
+              </a:rPr>
+              <a:t>signals:</a:t>
+            </a:r>
+          </a:p>
+          <a:p>
+            <a:pPr marL="0" indent="0">
+              <a:buNone/>
+            </a:pPr>
+            <a:r>
+              <a:rPr lang="en-US" dirty="0">
+                <a:latin typeface="Courier New" panose="02070309020205020404" pitchFamily="49" charset="0"/>
+                <a:cs typeface="Courier New" panose="02070309020205020404" pitchFamily="49" charset="0"/>
+              </a:rPr>
+              <a:t>    void </a:t>
             </a:r>
             <a:r>
               <a:rPr lang="en-US" dirty="0" err="1">
                 <a:latin typeface="Courier New" panose="02070309020205020404" pitchFamily="49" charset="0"/>
                 <a:cs typeface="Courier New" panose="02070309020205020404" pitchFamily="49" charset="0"/>
               </a:rPr>
-              <a:t>WorkerThread</a:t>
+              <a:t>resultReady</a:t>
             </a:r>
             <a:r>
               <a:rPr lang="en-US" dirty="0">
                 <a:latin typeface="Courier New" panose="02070309020205020404" pitchFamily="49" charset="0"/>
                 <a:cs typeface="Courier New" panose="02070309020205020404" pitchFamily="49" charset="0"/>
               </a:rPr>
-              <a:t>(this);</a:t>
+              <a:t>(</a:t>
+            </a:r>
+            <a:r>
+              <a:rPr lang="en-US" dirty="0" err="1">
+                <a:latin typeface="Courier New" panose="02070309020205020404" pitchFamily="49" charset="0"/>
+                <a:cs typeface="Courier New" panose="02070309020205020404" pitchFamily="49" charset="0"/>
+              </a:rPr>
+              <a:t>const</a:t>
+            </a:r>
+            <a:r>
+              <a:rPr lang="en-US" dirty="0">
+                <a:latin typeface="Courier New" panose="02070309020205020404" pitchFamily="49" charset="0"/>
+                <a:cs typeface="Courier New" panose="02070309020205020404" pitchFamily="49" charset="0"/>
+              </a:rPr>
+              <a:t> </a:t>
+            </a:r>
+            <a:r>
+              <a:rPr lang="en-US" dirty="0" err="1">
+                <a:latin typeface="Courier New" panose="02070309020205020404" pitchFamily="49" charset="0"/>
+                <a:cs typeface="Courier New" panose="02070309020205020404" pitchFamily="49" charset="0"/>
+              </a:rPr>
+              <a:t>QString</a:t>
+            </a:r>
+            <a:r>
+              <a:rPr lang="en-US" dirty="0">
+                <a:latin typeface="Courier New" panose="02070309020205020404" pitchFamily="49" charset="0"/>
+                <a:cs typeface="Courier New" panose="02070309020205020404" pitchFamily="49" charset="0"/>
+              </a:rPr>
+              <a:t> &amp;s);</a:t>
             </a:r>
           </a:p>
           <a:p>
@@ -6043,215 +6582,65 @@
                 <a:latin typeface="Courier New" panose="02070309020205020404" pitchFamily="49" charset="0"/>
                 <a:cs typeface="Courier New" panose="02070309020205020404" pitchFamily="49" charset="0"/>
               </a:rPr>
-              <a:t>    connect(</a:t>
-            </a:r>
-            <a:r>
-              <a:rPr lang="en-US" dirty="0" err="1">
-                <a:latin typeface="Courier New" panose="02070309020205020404" pitchFamily="49" charset="0"/>
-                <a:cs typeface="Courier New" panose="02070309020205020404" pitchFamily="49" charset="0"/>
-              </a:rPr>
-              <a:t>workerThread</a:t>
-            </a:r>
-            <a:r>
-              <a:rPr lang="en-US" dirty="0">
-                <a:latin typeface="Courier New" panose="02070309020205020404" pitchFamily="49" charset="0"/>
-                <a:cs typeface="Courier New" panose="02070309020205020404" pitchFamily="49" charset="0"/>
-              </a:rPr>
-              <a:t>, &amp;</a:t>
-            </a:r>
-            <a:r>
-              <a:rPr lang="en-US" dirty="0" err="1">
-                <a:latin typeface="Courier New" panose="02070309020205020404" pitchFamily="49" charset="0"/>
-                <a:cs typeface="Courier New" panose="02070309020205020404" pitchFamily="49" charset="0"/>
-              </a:rPr>
-              <a:t>WorkerThread</a:t>
-            </a:r>
-            <a:r>
-              <a:rPr lang="en-US" dirty="0">
-                <a:latin typeface="Courier New" panose="02070309020205020404" pitchFamily="49" charset="0"/>
-                <a:cs typeface="Courier New" panose="02070309020205020404" pitchFamily="49" charset="0"/>
-              </a:rPr>
-              <a:t>::</a:t>
-            </a:r>
-            <a:r>
-              <a:rPr lang="en-US" dirty="0" err="1">
-                <a:latin typeface="Courier New" panose="02070309020205020404" pitchFamily="49" charset="0"/>
-                <a:cs typeface="Courier New" panose="02070309020205020404" pitchFamily="49" charset="0"/>
-              </a:rPr>
-              <a:t>resultReady</a:t>
-            </a:r>
-            <a:r>
-              <a:rPr lang="en-US" dirty="0">
-                <a:latin typeface="Courier New" panose="02070309020205020404" pitchFamily="49" charset="0"/>
-                <a:cs typeface="Courier New" panose="02070309020205020404" pitchFamily="49" charset="0"/>
-              </a:rPr>
-              <a:t>, this, &amp;</a:t>
-            </a:r>
-            <a:r>
-              <a:rPr lang="en-US" dirty="0" err="1">
-                <a:latin typeface="Courier New" panose="02070309020205020404" pitchFamily="49" charset="0"/>
-                <a:cs typeface="Courier New" panose="02070309020205020404" pitchFamily="49" charset="0"/>
-              </a:rPr>
-              <a:t>MyObject</a:t>
-            </a:r>
-            <a:r>
-              <a:rPr lang="en-US" dirty="0">
-                <a:latin typeface="Courier New" panose="02070309020205020404" pitchFamily="49" charset="0"/>
-                <a:cs typeface="Courier New" panose="02070309020205020404" pitchFamily="49" charset="0"/>
-              </a:rPr>
-              <a:t>::</a:t>
-            </a:r>
-            <a:r>
-              <a:rPr lang="en-US" dirty="0" err="1">
-                <a:latin typeface="Courier New" panose="02070309020205020404" pitchFamily="49" charset="0"/>
-                <a:cs typeface="Courier New" panose="02070309020205020404" pitchFamily="49" charset="0"/>
-              </a:rPr>
-              <a:t>handleResults</a:t>
-            </a:r>
-            <a:r>
-              <a:rPr lang="en-US" dirty="0">
-                <a:latin typeface="Courier New" panose="02070309020205020404" pitchFamily="49" charset="0"/>
-                <a:cs typeface="Courier New" panose="02070309020205020404" pitchFamily="49" charset="0"/>
-              </a:rPr>
-              <a:t>);</a:t>
-            </a:r>
-          </a:p>
-          <a:p>
-            <a:pPr marL="0" indent="0">
-              <a:buNone/>
-            </a:pPr>
-            <a:r>
-              <a:rPr lang="en-US" dirty="0">
-                <a:latin typeface="Courier New" panose="02070309020205020404" pitchFamily="49" charset="0"/>
-                <a:cs typeface="Courier New" panose="02070309020205020404" pitchFamily="49" charset="0"/>
-              </a:rPr>
-              <a:t>    connect(</a:t>
-            </a:r>
-            <a:r>
-              <a:rPr lang="en-US" dirty="0" err="1">
-                <a:latin typeface="Courier New" panose="02070309020205020404" pitchFamily="49" charset="0"/>
-                <a:cs typeface="Courier New" panose="02070309020205020404" pitchFamily="49" charset="0"/>
-              </a:rPr>
-              <a:t>workerThread</a:t>
-            </a:r>
-            <a:r>
-              <a:rPr lang="en-US" dirty="0">
-                <a:latin typeface="Courier New" panose="02070309020205020404" pitchFamily="49" charset="0"/>
-                <a:cs typeface="Courier New" panose="02070309020205020404" pitchFamily="49" charset="0"/>
-              </a:rPr>
-              <a:t>, &amp;</a:t>
-            </a:r>
-            <a:r>
-              <a:rPr lang="en-US" dirty="0" err="1">
-                <a:latin typeface="Courier New" panose="02070309020205020404" pitchFamily="49" charset="0"/>
-                <a:cs typeface="Courier New" panose="02070309020205020404" pitchFamily="49" charset="0"/>
-              </a:rPr>
-              <a:t>WorkerThread</a:t>
-            </a:r>
-            <a:r>
-              <a:rPr lang="en-US" dirty="0">
-                <a:latin typeface="Courier New" panose="02070309020205020404" pitchFamily="49" charset="0"/>
-                <a:cs typeface="Courier New" panose="02070309020205020404" pitchFamily="49" charset="0"/>
-              </a:rPr>
-              <a:t>::finished, </a:t>
-            </a:r>
-            <a:r>
-              <a:rPr lang="en-US" dirty="0" err="1">
-                <a:latin typeface="Courier New" panose="02070309020205020404" pitchFamily="49" charset="0"/>
-                <a:cs typeface="Courier New" panose="02070309020205020404" pitchFamily="49" charset="0"/>
-              </a:rPr>
-              <a:t>workerThread</a:t>
-            </a:r>
-            <a:r>
-              <a:rPr lang="en-US" dirty="0">
-                <a:latin typeface="Courier New" panose="02070309020205020404" pitchFamily="49" charset="0"/>
-                <a:cs typeface="Courier New" panose="02070309020205020404" pitchFamily="49" charset="0"/>
-              </a:rPr>
-              <a:t>, &amp;</a:t>
-            </a:r>
-            <a:r>
-              <a:rPr lang="en-US" dirty="0" err="1">
-                <a:latin typeface="Courier New" panose="02070309020205020404" pitchFamily="49" charset="0"/>
-                <a:cs typeface="Courier New" panose="02070309020205020404" pitchFamily="49" charset="0"/>
-              </a:rPr>
-              <a:t>QObject</a:t>
-            </a:r>
-            <a:r>
-              <a:rPr lang="en-US" dirty="0">
-                <a:latin typeface="Courier New" panose="02070309020205020404" pitchFamily="49" charset="0"/>
-                <a:cs typeface="Courier New" panose="02070309020205020404" pitchFamily="49" charset="0"/>
-              </a:rPr>
-              <a:t>::</a:t>
-            </a:r>
-            <a:r>
-              <a:rPr lang="en-US" dirty="0" err="1">
-                <a:latin typeface="Courier New" panose="02070309020205020404" pitchFamily="49" charset="0"/>
-                <a:cs typeface="Courier New" panose="02070309020205020404" pitchFamily="49" charset="0"/>
-              </a:rPr>
-              <a:t>deleteLater</a:t>
-            </a:r>
-            <a:r>
-              <a:rPr lang="en-US" dirty="0">
-                <a:latin typeface="Courier New" panose="02070309020205020404" pitchFamily="49" charset="0"/>
-                <a:cs typeface="Courier New" panose="02070309020205020404" pitchFamily="49" charset="0"/>
-              </a:rPr>
-              <a:t>);</a:t>
-            </a:r>
-          </a:p>
-          <a:p>
-            <a:pPr marL="0" indent="0">
-              <a:buNone/>
-            </a:pPr>
-            <a:r>
-              <a:rPr lang="en-US" dirty="0">
-                <a:latin typeface="Courier New" panose="02070309020205020404" pitchFamily="49" charset="0"/>
-                <a:cs typeface="Courier New" panose="02070309020205020404" pitchFamily="49" charset="0"/>
-              </a:rPr>
-              <a:t>    </a:t>
-            </a:r>
-            <a:r>
-              <a:rPr lang="en-US" dirty="0" err="1">
-                <a:latin typeface="Courier New" panose="02070309020205020404" pitchFamily="49" charset="0"/>
-                <a:cs typeface="Courier New" panose="02070309020205020404" pitchFamily="49" charset="0"/>
-              </a:rPr>
-              <a:t>workerThread</a:t>
-            </a:r>
-            <a:r>
-              <a:rPr lang="en-US" dirty="0">
-                <a:latin typeface="Courier New" panose="02070309020205020404" pitchFamily="49" charset="0"/>
-                <a:cs typeface="Courier New" panose="02070309020205020404" pitchFamily="49" charset="0"/>
-              </a:rPr>
-              <a:t>-&gt;start();</a:t>
-            </a:r>
-          </a:p>
-          <a:p>
-            <a:pPr marL="0" indent="0">
-              <a:buNone/>
-            </a:pPr>
-            <a:r>
-              <a:rPr lang="en-US" dirty="0">
-                <a:latin typeface="Courier New" panose="02070309020205020404" pitchFamily="49" charset="0"/>
-                <a:cs typeface="Courier New" panose="02070309020205020404" pitchFamily="49" charset="0"/>
-              </a:rPr>
-              <a:t>}</a:t>
+              <a:t>};</a:t>
             </a:r>
             <a:endParaRPr lang="fr-CH" dirty="0">
               <a:latin typeface="Courier New" panose="02070309020205020404" pitchFamily="49" charset="0"/>
               <a:cs typeface="Courier New" panose="02070309020205020404" pitchFamily="49" charset="0"/>
             </a:endParaRPr>
           </a:p>
+          <a:p>
+            <a:pPr marL="0" indent="0">
+              <a:buNone/>
+            </a:pPr>
+            <a:endParaRPr lang="fr-CH" dirty="0">
+              <a:latin typeface="Courier New" panose="02070309020205020404" pitchFamily="49" charset="0"/>
+              <a:cs typeface="Courier New" panose="02070309020205020404" pitchFamily="49" charset="0"/>
+            </a:endParaRPr>
+          </a:p>
+        </p:txBody>
+      </p:sp>
+      <p:sp>
+        <p:nvSpPr>
+          <p:cNvPr id="4" name="Espace réservé du numéro de diapositive 3"/>
+          <p:cNvSpPr>
+            <a:spLocks noGrp="1"/>
+          </p:cNvSpPr>
+          <p:nvPr>
+            <p:ph type="sldNum" sz="quarter" idx="12"/>
+          </p:nvPr>
+        </p:nvSpPr>
+        <p:spPr/>
+        <p:txBody>
+          <a:bodyPr/>
+          <a:lstStyle/>
+          <a:p>
+            <a:fld id="{D57F1E4F-1CFF-5643-939E-217C01CDF565}" type="slidenum">
+              <a:rPr lang="en-US" smtClean="0"/>
+              <a:pPr/>
+              <a:t>10</a:t>
+            </a:fld>
+            <a:endParaRPr lang="en-US" dirty="0"/>
+          </a:p>
         </p:txBody>
       </p:sp>
     </p:spTree>
     <p:extLst>
       <p:ext uri="{BB962C8B-B14F-4D97-AF65-F5344CB8AC3E}">
-        <p14:creationId xmlns:p14="http://schemas.microsoft.com/office/powerpoint/2010/main" val="3642841087"/>
+        <p14:creationId xmlns:p14="http://schemas.microsoft.com/office/powerpoint/2010/main" val="3081206563"/>
       </p:ext>
     </p:extLst>
   </p:cSld>
   <p:clrMapOvr>
     <a:masterClrMapping/>
   </p:clrMapOvr>
+  <p:timing>
+    <p:tnLst>
+      <p:par>
+        <p:cTn id="1" dur="indefinite" restart="never" nodeType="tmRoot"/>
+      </p:par>
+    </p:tnLst>
+  </p:timing>
 </p:sld>
 </file>
 
@@ -6282,7 +6671,12 @@
             <p:ph type="title"/>
           </p:nvPr>
         </p:nvSpPr>
-        <p:spPr/>
+        <p:spPr>
+          <a:xfrm>
+            <a:off x="677333" y="609600"/>
+            <a:ext cx="8804417" cy="1320800"/>
+          </a:xfrm>
+        </p:spPr>
         <p:txBody>
           <a:bodyPr>
             <a:normAutofit/>
@@ -6290,10 +6684,13 @@
           <a:lstStyle/>
           <a:p>
             <a:r>
-              <a:rPr lang="fr-CH" sz="4000" dirty="0" err="1" smtClean="0"/>
+              <a:rPr lang="fr-CH" sz="4000" dirty="0" err="1"/>
               <a:t>QThread</a:t>
             </a:r>
-            <a:endParaRPr lang="fr-CH" sz="4000" dirty="0"/>
+            <a:r>
+              <a:rPr lang="fr-CH" sz="4000" dirty="0"/>
+              <a:t>: Implémentation Méthode 2</a:t>
+            </a:r>
           </a:p>
         </p:txBody>
       </p:sp>
@@ -6307,13 +6704,434 @@
             <p:ph idx="1"/>
           </p:nvPr>
         </p:nvSpPr>
-        <p:spPr/>
+        <p:spPr>
+          <a:xfrm>
+            <a:off x="677334" y="2160589"/>
+            <a:ext cx="9191596" cy="3880773"/>
+          </a:xfrm>
+        </p:spPr>
         <p:txBody>
           <a:bodyPr>
             <a:normAutofit/>
           </a:bodyPr>
           <a:lstStyle/>
           <a:p>
+            <a:pPr marL="0" indent="0">
+              <a:buNone/>
+            </a:pPr>
+            <a:r>
+              <a:rPr lang="en-US" dirty="0">
+                <a:latin typeface="Courier New" panose="02070309020205020404" pitchFamily="49" charset="0"/>
+                <a:cs typeface="Courier New" panose="02070309020205020404" pitchFamily="49" charset="0"/>
+              </a:rPr>
+              <a:t>void </a:t>
+            </a:r>
+            <a:r>
+              <a:rPr lang="en-US" dirty="0" err="1">
+                <a:latin typeface="Courier New" panose="02070309020205020404" pitchFamily="49" charset="0"/>
+                <a:cs typeface="Courier New" panose="02070309020205020404" pitchFamily="49" charset="0"/>
+              </a:rPr>
+              <a:t>MyObject</a:t>
+            </a:r>
+            <a:r>
+              <a:rPr lang="en-US" dirty="0">
+                <a:latin typeface="Courier New" panose="02070309020205020404" pitchFamily="49" charset="0"/>
+                <a:cs typeface="Courier New" panose="02070309020205020404" pitchFamily="49" charset="0"/>
+              </a:rPr>
+              <a:t>::</a:t>
+            </a:r>
+            <a:r>
+              <a:rPr lang="en-US" dirty="0" err="1">
+                <a:latin typeface="Courier New" panose="02070309020205020404" pitchFamily="49" charset="0"/>
+                <a:cs typeface="Courier New" panose="02070309020205020404" pitchFamily="49" charset="0"/>
+              </a:rPr>
+              <a:t>startWorkInAThread</a:t>
+            </a:r>
+            <a:r>
+              <a:rPr lang="en-US" dirty="0">
+                <a:latin typeface="Courier New" panose="02070309020205020404" pitchFamily="49" charset="0"/>
+                <a:cs typeface="Courier New" panose="02070309020205020404" pitchFamily="49" charset="0"/>
+              </a:rPr>
+              <a:t>()</a:t>
+            </a:r>
+          </a:p>
+          <a:p>
+            <a:pPr marL="0" indent="0">
+              <a:buNone/>
+            </a:pPr>
+            <a:r>
+              <a:rPr lang="en-US" dirty="0">
+                <a:latin typeface="Courier New" panose="02070309020205020404" pitchFamily="49" charset="0"/>
+                <a:cs typeface="Courier New" panose="02070309020205020404" pitchFamily="49" charset="0"/>
+              </a:rPr>
+              <a:t>{</a:t>
+            </a:r>
+          </a:p>
+          <a:p>
+            <a:pPr marL="0" indent="0">
+              <a:buNone/>
+            </a:pPr>
+            <a:r>
+              <a:rPr lang="en-US" dirty="0">
+                <a:latin typeface="Courier New" panose="02070309020205020404" pitchFamily="49" charset="0"/>
+                <a:cs typeface="Courier New" panose="02070309020205020404" pitchFamily="49" charset="0"/>
+              </a:rPr>
+              <a:t>    </a:t>
+            </a:r>
+            <a:r>
+              <a:rPr lang="en-US" dirty="0" err="1">
+                <a:latin typeface="Courier New" panose="02070309020205020404" pitchFamily="49" charset="0"/>
+                <a:cs typeface="Courier New" panose="02070309020205020404" pitchFamily="49" charset="0"/>
+              </a:rPr>
+              <a:t>WorkerThread</a:t>
+            </a:r>
+            <a:r>
+              <a:rPr lang="en-US" dirty="0">
+                <a:latin typeface="Courier New" panose="02070309020205020404" pitchFamily="49" charset="0"/>
+                <a:cs typeface="Courier New" panose="02070309020205020404" pitchFamily="49" charset="0"/>
+              </a:rPr>
+              <a:t> *</a:t>
+            </a:r>
+            <a:r>
+              <a:rPr lang="en-US" dirty="0" err="1">
+                <a:latin typeface="Courier New" panose="02070309020205020404" pitchFamily="49" charset="0"/>
+                <a:cs typeface="Courier New" panose="02070309020205020404" pitchFamily="49" charset="0"/>
+              </a:rPr>
+              <a:t>workerThread</a:t>
+            </a:r>
+            <a:r>
+              <a:rPr lang="en-US" dirty="0">
+                <a:latin typeface="Courier New" panose="02070309020205020404" pitchFamily="49" charset="0"/>
+                <a:cs typeface="Courier New" panose="02070309020205020404" pitchFamily="49" charset="0"/>
+              </a:rPr>
+              <a:t> = new </a:t>
+            </a:r>
+            <a:r>
+              <a:rPr lang="en-US" dirty="0" err="1">
+                <a:latin typeface="Courier New" panose="02070309020205020404" pitchFamily="49" charset="0"/>
+                <a:cs typeface="Courier New" panose="02070309020205020404" pitchFamily="49" charset="0"/>
+              </a:rPr>
+              <a:t>WorkerThread</a:t>
+            </a:r>
+            <a:r>
+              <a:rPr lang="en-US" dirty="0">
+                <a:latin typeface="Courier New" panose="02070309020205020404" pitchFamily="49" charset="0"/>
+                <a:cs typeface="Courier New" panose="02070309020205020404" pitchFamily="49" charset="0"/>
+              </a:rPr>
+              <a:t>(this);</a:t>
+            </a:r>
+          </a:p>
+          <a:p>
+            <a:pPr marL="0" indent="0">
+              <a:buNone/>
+            </a:pPr>
+            <a:r>
+              <a:rPr lang="en-US" dirty="0">
+                <a:latin typeface="Courier New" panose="02070309020205020404" pitchFamily="49" charset="0"/>
+                <a:cs typeface="Courier New" panose="02070309020205020404" pitchFamily="49" charset="0"/>
+              </a:rPr>
+              <a:t>    connect(</a:t>
+            </a:r>
+            <a:r>
+              <a:rPr lang="en-US" dirty="0" err="1">
+                <a:latin typeface="Courier New" panose="02070309020205020404" pitchFamily="49" charset="0"/>
+                <a:cs typeface="Courier New" panose="02070309020205020404" pitchFamily="49" charset="0"/>
+              </a:rPr>
+              <a:t>workerThread</a:t>
+            </a:r>
+            <a:r>
+              <a:rPr lang="en-US" dirty="0">
+                <a:latin typeface="Courier New" panose="02070309020205020404" pitchFamily="49" charset="0"/>
+                <a:cs typeface="Courier New" panose="02070309020205020404" pitchFamily="49" charset="0"/>
+              </a:rPr>
+              <a:t>, &amp;</a:t>
+            </a:r>
+            <a:r>
+              <a:rPr lang="en-US" dirty="0" err="1">
+                <a:latin typeface="Courier New" panose="02070309020205020404" pitchFamily="49" charset="0"/>
+                <a:cs typeface="Courier New" panose="02070309020205020404" pitchFamily="49" charset="0"/>
+              </a:rPr>
+              <a:t>WorkerThread</a:t>
+            </a:r>
+            <a:r>
+              <a:rPr lang="en-US" dirty="0">
+                <a:latin typeface="Courier New" panose="02070309020205020404" pitchFamily="49" charset="0"/>
+                <a:cs typeface="Courier New" panose="02070309020205020404" pitchFamily="49" charset="0"/>
+              </a:rPr>
+              <a:t>::</a:t>
+            </a:r>
+            <a:r>
+              <a:rPr lang="en-US" dirty="0" err="1">
+                <a:latin typeface="Courier New" panose="02070309020205020404" pitchFamily="49" charset="0"/>
+                <a:cs typeface="Courier New" panose="02070309020205020404" pitchFamily="49" charset="0"/>
+              </a:rPr>
+              <a:t>resultReady</a:t>
+            </a:r>
+            <a:r>
+              <a:rPr lang="en-US" dirty="0">
+                <a:latin typeface="Courier New" panose="02070309020205020404" pitchFamily="49" charset="0"/>
+                <a:cs typeface="Courier New" panose="02070309020205020404" pitchFamily="49" charset="0"/>
+              </a:rPr>
+              <a:t>, this, &amp;</a:t>
+            </a:r>
+            <a:r>
+              <a:rPr lang="en-US" dirty="0" err="1">
+                <a:latin typeface="Courier New" panose="02070309020205020404" pitchFamily="49" charset="0"/>
+                <a:cs typeface="Courier New" panose="02070309020205020404" pitchFamily="49" charset="0"/>
+              </a:rPr>
+              <a:t>MyObject</a:t>
+            </a:r>
+            <a:r>
+              <a:rPr lang="en-US" dirty="0">
+                <a:latin typeface="Courier New" panose="02070309020205020404" pitchFamily="49" charset="0"/>
+                <a:cs typeface="Courier New" panose="02070309020205020404" pitchFamily="49" charset="0"/>
+              </a:rPr>
+              <a:t>::</a:t>
+            </a:r>
+            <a:r>
+              <a:rPr lang="en-US" dirty="0" err="1">
+                <a:latin typeface="Courier New" panose="02070309020205020404" pitchFamily="49" charset="0"/>
+                <a:cs typeface="Courier New" panose="02070309020205020404" pitchFamily="49" charset="0"/>
+              </a:rPr>
+              <a:t>handleResults</a:t>
+            </a:r>
+            <a:r>
+              <a:rPr lang="en-US" dirty="0">
+                <a:latin typeface="Courier New" panose="02070309020205020404" pitchFamily="49" charset="0"/>
+                <a:cs typeface="Courier New" panose="02070309020205020404" pitchFamily="49" charset="0"/>
+              </a:rPr>
+              <a:t>);</a:t>
+            </a:r>
+          </a:p>
+          <a:p>
+            <a:pPr marL="0" indent="0">
+              <a:buNone/>
+            </a:pPr>
+            <a:r>
+              <a:rPr lang="en-US" dirty="0">
+                <a:latin typeface="Courier New" panose="02070309020205020404" pitchFamily="49" charset="0"/>
+                <a:cs typeface="Courier New" panose="02070309020205020404" pitchFamily="49" charset="0"/>
+              </a:rPr>
+              <a:t>    connect(</a:t>
+            </a:r>
+            <a:r>
+              <a:rPr lang="en-US" dirty="0" err="1">
+                <a:latin typeface="Courier New" panose="02070309020205020404" pitchFamily="49" charset="0"/>
+                <a:cs typeface="Courier New" panose="02070309020205020404" pitchFamily="49" charset="0"/>
+              </a:rPr>
+              <a:t>workerThread</a:t>
+            </a:r>
+            <a:r>
+              <a:rPr lang="en-US" dirty="0">
+                <a:latin typeface="Courier New" panose="02070309020205020404" pitchFamily="49" charset="0"/>
+                <a:cs typeface="Courier New" panose="02070309020205020404" pitchFamily="49" charset="0"/>
+              </a:rPr>
+              <a:t>, &amp;</a:t>
+            </a:r>
+            <a:r>
+              <a:rPr lang="en-US" dirty="0" err="1">
+                <a:latin typeface="Courier New" panose="02070309020205020404" pitchFamily="49" charset="0"/>
+                <a:cs typeface="Courier New" panose="02070309020205020404" pitchFamily="49" charset="0"/>
+              </a:rPr>
+              <a:t>WorkerThread</a:t>
+            </a:r>
+            <a:r>
+              <a:rPr lang="en-US" dirty="0">
+                <a:latin typeface="Courier New" panose="02070309020205020404" pitchFamily="49" charset="0"/>
+                <a:cs typeface="Courier New" panose="02070309020205020404" pitchFamily="49" charset="0"/>
+              </a:rPr>
+              <a:t>::finished, </a:t>
+            </a:r>
+            <a:r>
+              <a:rPr lang="en-US" dirty="0" err="1">
+                <a:latin typeface="Courier New" panose="02070309020205020404" pitchFamily="49" charset="0"/>
+                <a:cs typeface="Courier New" panose="02070309020205020404" pitchFamily="49" charset="0"/>
+              </a:rPr>
+              <a:t>workerThread</a:t>
+            </a:r>
+            <a:r>
+              <a:rPr lang="en-US" dirty="0">
+                <a:latin typeface="Courier New" panose="02070309020205020404" pitchFamily="49" charset="0"/>
+                <a:cs typeface="Courier New" panose="02070309020205020404" pitchFamily="49" charset="0"/>
+              </a:rPr>
+              <a:t>, &amp;</a:t>
+            </a:r>
+            <a:r>
+              <a:rPr lang="en-US" dirty="0" err="1">
+                <a:latin typeface="Courier New" panose="02070309020205020404" pitchFamily="49" charset="0"/>
+                <a:cs typeface="Courier New" panose="02070309020205020404" pitchFamily="49" charset="0"/>
+              </a:rPr>
+              <a:t>QObject</a:t>
+            </a:r>
+            <a:r>
+              <a:rPr lang="en-US" dirty="0">
+                <a:latin typeface="Courier New" panose="02070309020205020404" pitchFamily="49" charset="0"/>
+                <a:cs typeface="Courier New" panose="02070309020205020404" pitchFamily="49" charset="0"/>
+              </a:rPr>
+              <a:t>::</a:t>
+            </a:r>
+            <a:r>
+              <a:rPr lang="en-US" dirty="0" err="1">
+                <a:latin typeface="Courier New" panose="02070309020205020404" pitchFamily="49" charset="0"/>
+                <a:cs typeface="Courier New" panose="02070309020205020404" pitchFamily="49" charset="0"/>
+              </a:rPr>
+              <a:t>deleteLater</a:t>
+            </a:r>
+            <a:r>
+              <a:rPr lang="en-US" dirty="0">
+                <a:latin typeface="Courier New" panose="02070309020205020404" pitchFamily="49" charset="0"/>
+                <a:cs typeface="Courier New" panose="02070309020205020404" pitchFamily="49" charset="0"/>
+              </a:rPr>
+              <a:t>);</a:t>
+            </a:r>
+          </a:p>
+          <a:p>
+            <a:pPr marL="0" indent="0">
+              <a:buNone/>
+            </a:pPr>
+            <a:r>
+              <a:rPr lang="en-US" dirty="0">
+                <a:latin typeface="Courier New" panose="02070309020205020404" pitchFamily="49" charset="0"/>
+                <a:cs typeface="Courier New" panose="02070309020205020404" pitchFamily="49" charset="0"/>
+              </a:rPr>
+              <a:t>    </a:t>
+            </a:r>
+            <a:r>
+              <a:rPr lang="en-US" dirty="0" err="1">
+                <a:latin typeface="Courier New" panose="02070309020205020404" pitchFamily="49" charset="0"/>
+                <a:cs typeface="Courier New" panose="02070309020205020404" pitchFamily="49" charset="0"/>
+              </a:rPr>
+              <a:t>workerThread</a:t>
+            </a:r>
+            <a:r>
+              <a:rPr lang="en-US" dirty="0">
+                <a:latin typeface="Courier New" panose="02070309020205020404" pitchFamily="49" charset="0"/>
+                <a:cs typeface="Courier New" panose="02070309020205020404" pitchFamily="49" charset="0"/>
+              </a:rPr>
+              <a:t>-&gt;start();</a:t>
+            </a:r>
+          </a:p>
+          <a:p>
+            <a:pPr marL="0" indent="0">
+              <a:buNone/>
+            </a:pPr>
+            <a:r>
+              <a:rPr lang="en-US" dirty="0">
+                <a:latin typeface="Courier New" panose="02070309020205020404" pitchFamily="49" charset="0"/>
+                <a:cs typeface="Courier New" panose="02070309020205020404" pitchFamily="49" charset="0"/>
+              </a:rPr>
+              <a:t>}</a:t>
+            </a:r>
+            <a:endParaRPr lang="fr-CH" dirty="0">
+              <a:latin typeface="Courier New" panose="02070309020205020404" pitchFamily="49" charset="0"/>
+              <a:cs typeface="Courier New" panose="02070309020205020404" pitchFamily="49" charset="0"/>
+            </a:endParaRPr>
+          </a:p>
+        </p:txBody>
+      </p:sp>
+      <p:sp>
+        <p:nvSpPr>
+          <p:cNvPr id="4" name="Espace réservé du numéro de diapositive 3"/>
+          <p:cNvSpPr>
+            <a:spLocks noGrp="1"/>
+          </p:cNvSpPr>
+          <p:nvPr>
+            <p:ph type="sldNum" sz="quarter" idx="12"/>
+          </p:nvPr>
+        </p:nvSpPr>
+        <p:spPr/>
+        <p:txBody>
+          <a:bodyPr/>
+          <a:lstStyle/>
+          <a:p>
+            <a:fld id="{D57F1E4F-1CFF-5643-939E-217C01CDF565}" type="slidenum">
+              <a:rPr lang="en-US" smtClean="0"/>
+              <a:pPr/>
+              <a:t>11</a:t>
+            </a:fld>
+            <a:endParaRPr lang="en-US" dirty="0"/>
+          </a:p>
+        </p:txBody>
+      </p:sp>
+    </p:spTree>
+    <p:extLst>
+      <p:ext uri="{BB962C8B-B14F-4D97-AF65-F5344CB8AC3E}">
+        <p14:creationId xmlns:p14="http://schemas.microsoft.com/office/powerpoint/2010/main" val="3642841087"/>
+      </p:ext>
+    </p:extLst>
+  </p:cSld>
+  <p:clrMapOvr>
+    <a:masterClrMapping/>
+  </p:clrMapOvr>
+  <p:timing>
+    <p:tnLst>
+      <p:par>
+        <p:cTn id="1" dur="indefinite" restart="never" nodeType="tmRoot"/>
+      </p:par>
+    </p:tnLst>
+  </p:timing>
+</p:sld>
+</file>
+
+<file path=ppt/slides/slide12.xml><?xml version="1.0" encoding="utf-8"?>
+<p:sld xmlns:a="http://schemas.openxmlformats.org/drawingml/2006/main" xmlns:r="http://schemas.openxmlformats.org/officeDocument/2006/relationships" xmlns:p="http://schemas.openxmlformats.org/presentationml/2006/main">
+  <p:cSld>
+    <p:spTree>
+      <p:nvGrpSpPr>
+        <p:cNvPr id="1" name=""/>
+        <p:cNvGrpSpPr/>
+        <p:nvPr/>
+      </p:nvGrpSpPr>
+      <p:grpSpPr>
+        <a:xfrm>
+          <a:off x="0" y="0"/>
+          <a:ext cx="0" cy="0"/>
+          <a:chOff x="0" y="0"/>
+          <a:chExt cx="0" cy="0"/>
+        </a:xfrm>
+      </p:grpSpPr>
+      <p:sp>
+        <p:nvSpPr>
+          <p:cNvPr id="2" name="Title 1"/>
+          <p:cNvSpPr>
+            <a:spLocks noGrp="1"/>
+          </p:cNvSpPr>
+          <p:nvPr>
+            <p:ph type="title"/>
+          </p:nvPr>
+        </p:nvSpPr>
+        <p:spPr/>
+        <p:txBody>
+          <a:bodyPr>
+            <a:normAutofit/>
+          </a:bodyPr>
+          <a:lstStyle/>
+          <a:p>
+            <a:r>
+              <a:rPr lang="fr-CH" sz="4000" dirty="0" err="1" smtClean="0"/>
+              <a:t>QThread</a:t>
+            </a:r>
+            <a:endParaRPr lang="fr-CH" sz="4000" dirty="0"/>
+          </a:p>
+        </p:txBody>
+      </p:sp>
+      <p:sp>
+        <p:nvSpPr>
+          <p:cNvPr id="3" name="Content Placeholder 2"/>
+          <p:cNvSpPr>
+            <a:spLocks noGrp="1"/>
+          </p:cNvSpPr>
+          <p:nvPr>
+            <p:ph idx="1"/>
+          </p:nvPr>
+        </p:nvSpPr>
+        <p:spPr/>
+        <p:txBody>
+          <a:bodyPr>
+            <a:normAutofit/>
+          </a:bodyPr>
+          <a:lstStyle/>
+          <a:p>
             <a:r>
               <a:rPr lang="fr-CH" sz="2800" dirty="0" smtClean="0"/>
               <a:t>Fonctionne avec </a:t>
@@ -6381,6 +7199,30 @@
               <a:rPr lang="fr-CH" sz="2800" dirty="0" smtClean="0"/>
               <a:t>Offre la possibilité de gérer la priorité des thread créés</a:t>
             </a:r>
+          </a:p>
+        </p:txBody>
+      </p:sp>
+      <p:sp>
+        <p:nvSpPr>
+          <p:cNvPr id="4" name="Espace réservé du numéro de diapositive 3"/>
+          <p:cNvSpPr>
+            <a:spLocks noGrp="1"/>
+          </p:cNvSpPr>
+          <p:nvPr>
+            <p:ph type="sldNum" sz="quarter" idx="12"/>
+          </p:nvPr>
+        </p:nvSpPr>
+        <p:spPr/>
+        <p:txBody>
+          <a:bodyPr/>
+          <a:lstStyle/>
+          <a:p>
+            <a:fld id="{D57F1E4F-1CFF-5643-939E-217C01CDF565}" type="slidenum">
+              <a:rPr lang="en-US" smtClean="0"/>
+              <a:pPr/>
+              <a:t>12</a:t>
+            </a:fld>
+            <a:endParaRPr lang="en-US" dirty="0"/>
           </a:p>
         </p:txBody>
       </p:sp>
@@ -6394,6 +7236,1117 @@
   <p:clrMapOvr>
     <a:masterClrMapping/>
   </p:clrMapOvr>
+  <p:timing>
+    <p:tnLst>
+      <p:par>
+        <p:cTn id="1" dur="indefinite" restart="never" nodeType="tmRoot"/>
+      </p:par>
+    </p:tnLst>
+  </p:timing>
+</p:sld>
+</file>
+
+<file path=ppt/slides/slide13.xml><?xml version="1.0" encoding="utf-8"?>
+<p:sld xmlns:a="http://schemas.openxmlformats.org/drawingml/2006/main" xmlns:r="http://schemas.openxmlformats.org/officeDocument/2006/relationships" xmlns:p="http://schemas.openxmlformats.org/presentationml/2006/main">
+  <p:cSld>
+    <p:spTree>
+      <p:nvGrpSpPr>
+        <p:cNvPr id="1" name=""/>
+        <p:cNvGrpSpPr/>
+        <p:nvPr/>
+      </p:nvGrpSpPr>
+      <p:grpSpPr>
+        <a:xfrm>
+          <a:off x="0" y="0"/>
+          <a:ext cx="0" cy="0"/>
+          <a:chOff x="0" y="0"/>
+          <a:chExt cx="0" cy="0"/>
+        </a:xfrm>
+      </p:grpSpPr>
+      <p:sp>
+        <p:nvSpPr>
+          <p:cNvPr id="2" name="Titre 1"/>
+          <p:cNvSpPr>
+            <a:spLocks noGrp="1"/>
+          </p:cNvSpPr>
+          <p:nvPr>
+            <p:ph type="title"/>
+          </p:nvPr>
+        </p:nvSpPr>
+        <p:spPr/>
+        <p:txBody>
+          <a:bodyPr/>
+          <a:lstStyle/>
+          <a:p>
+            <a:r>
+              <a:rPr lang="en-US" dirty="0" smtClean="0"/>
+              <a:t>“Mon </a:t>
+            </a:r>
+            <a:r>
+              <a:rPr lang="en-US" dirty="0" err="1" smtClean="0"/>
+              <a:t>Mutex</a:t>
+            </a:r>
+            <a:r>
+              <a:rPr lang="en-US" dirty="0" smtClean="0"/>
+              <a:t> </a:t>
+            </a:r>
+            <a:r>
+              <a:rPr lang="en-US" dirty="0" err="1" smtClean="0"/>
+              <a:t>d’abord</a:t>
+            </a:r>
+            <a:r>
+              <a:rPr lang="en-US" dirty="0" smtClean="0"/>
+              <a:t>”</a:t>
+            </a:r>
+            <a:br>
+              <a:rPr lang="en-US" dirty="0" smtClean="0"/>
+            </a:br>
+            <a:r>
+              <a:rPr lang="en-US" dirty="0" err="1" smtClean="0"/>
+              <a:t>Mutex</a:t>
+            </a:r>
+            <a:r>
+              <a:rPr lang="en-US" dirty="0" smtClean="0"/>
+              <a:t> Family</a:t>
+            </a:r>
+            <a:endParaRPr lang="fr-CH" dirty="0"/>
+          </a:p>
+        </p:txBody>
+      </p:sp>
+      <p:sp>
+        <p:nvSpPr>
+          <p:cNvPr id="3" name="Espace réservé du contenu 2"/>
+          <p:cNvSpPr>
+            <a:spLocks noGrp="1"/>
+          </p:cNvSpPr>
+          <p:nvPr>
+            <p:ph idx="1"/>
+          </p:nvPr>
+        </p:nvSpPr>
+        <p:spPr>
+          <a:xfrm>
+            <a:off x="677334" y="2160589"/>
+            <a:ext cx="6180666" cy="3880773"/>
+          </a:xfrm>
+        </p:spPr>
+        <p:txBody>
+          <a:bodyPr/>
+          <a:lstStyle/>
+          <a:p>
+            <a:r>
+              <a:rPr lang="en-US" dirty="0" err="1" smtClean="0"/>
+              <a:t>QMutex</a:t>
+            </a:r>
+            <a:endParaRPr lang="en-US" dirty="0" smtClean="0"/>
+          </a:p>
+          <a:p>
+            <a:pPr lvl="1"/>
+            <a:r>
+              <a:rPr lang="en-US" dirty="0" err="1" smtClean="0"/>
+              <a:t>Utilisé</a:t>
+            </a:r>
+            <a:r>
+              <a:rPr lang="en-US" dirty="0" smtClean="0"/>
+              <a:t> pour </a:t>
+            </a:r>
+            <a:r>
+              <a:rPr lang="en-US" dirty="0" err="1" smtClean="0"/>
+              <a:t>bloquer</a:t>
+            </a:r>
+            <a:r>
+              <a:rPr lang="en-US" dirty="0" smtClean="0"/>
+              <a:t> </a:t>
+            </a:r>
+            <a:r>
+              <a:rPr lang="en-US" dirty="0" err="1" smtClean="0"/>
+              <a:t>l’accés</a:t>
+            </a:r>
+            <a:r>
+              <a:rPr lang="en-US" dirty="0" smtClean="0"/>
+              <a:t> à des </a:t>
+            </a:r>
+            <a:r>
+              <a:rPr lang="en-US" dirty="0" err="1" smtClean="0"/>
+              <a:t>donnés</a:t>
+            </a:r>
+            <a:r>
+              <a:rPr lang="en-US" dirty="0" smtClean="0"/>
+              <a:t>.</a:t>
+            </a:r>
+          </a:p>
+          <a:p>
+            <a:r>
+              <a:rPr lang="en-US" dirty="0" err="1" smtClean="0"/>
+              <a:t>QSemaphore</a:t>
+            </a:r>
+            <a:endParaRPr lang="en-US" dirty="0" smtClean="0"/>
+          </a:p>
+          <a:p>
+            <a:pPr lvl="1"/>
+            <a:r>
+              <a:rPr lang="en-US" dirty="0" err="1" smtClean="0"/>
+              <a:t>Exemple</a:t>
+            </a:r>
+            <a:r>
+              <a:rPr lang="en-US" dirty="0" smtClean="0"/>
+              <a:t> </a:t>
+            </a:r>
+            <a:r>
+              <a:rPr lang="en-US" dirty="0" err="1" smtClean="0"/>
+              <a:t>complet</a:t>
+            </a:r>
+            <a:r>
+              <a:rPr lang="en-US" dirty="0" smtClean="0"/>
+              <a:t>: http</a:t>
+            </a:r>
+            <a:r>
+              <a:rPr lang="en-US" dirty="0"/>
+              <a:t>://www.bogotobogo.com/Qt/Qt5_QThreads_QSemaphore_Producer_Consumer_GuiThread.php</a:t>
+            </a:r>
+            <a:endParaRPr lang="fr-CH" dirty="0"/>
+          </a:p>
+        </p:txBody>
+      </p:sp>
+      <p:pic>
+        <p:nvPicPr>
+          <p:cNvPr id="4" name="Image 3"/>
+          <p:cNvPicPr>
+            <a:picLocks noChangeAspect="1"/>
+          </p:cNvPicPr>
+          <p:nvPr/>
+        </p:nvPicPr>
+        <p:blipFill>
+          <a:blip r:embed="rId2"/>
+          <a:stretch>
+            <a:fillRect/>
+          </a:stretch>
+        </p:blipFill>
+        <p:spPr>
+          <a:xfrm>
+            <a:off x="5216352" y="541866"/>
+            <a:ext cx="4057650" cy="5667375"/>
+          </a:xfrm>
+          <a:prstGeom prst="rect">
+            <a:avLst/>
+          </a:prstGeom>
+        </p:spPr>
+      </p:pic>
+      <p:pic>
+        <p:nvPicPr>
+          <p:cNvPr id="5" name="Image 4"/>
+          <p:cNvPicPr>
+            <a:picLocks noChangeAspect="1"/>
+          </p:cNvPicPr>
+          <p:nvPr/>
+        </p:nvPicPr>
+        <p:blipFill>
+          <a:blip r:embed="rId3"/>
+          <a:stretch>
+            <a:fillRect/>
+          </a:stretch>
+        </p:blipFill>
+        <p:spPr>
+          <a:xfrm>
+            <a:off x="830619" y="4620352"/>
+            <a:ext cx="3352800" cy="1504950"/>
+          </a:xfrm>
+          <a:prstGeom prst="rect">
+            <a:avLst/>
+          </a:prstGeom>
+        </p:spPr>
+      </p:pic>
+      <p:sp>
+        <p:nvSpPr>
+          <p:cNvPr id="6" name="ZoneTexte 5"/>
+          <p:cNvSpPr txBox="1"/>
+          <p:nvPr/>
+        </p:nvSpPr>
+        <p:spPr>
+          <a:xfrm>
+            <a:off x="965297" y="4251020"/>
+            <a:ext cx="2802370" cy="369332"/>
+          </a:xfrm>
+          <a:prstGeom prst="rect">
+            <a:avLst/>
+          </a:prstGeom>
+          <a:noFill/>
+        </p:spPr>
+        <p:txBody>
+          <a:bodyPr wrap="none" rtlCol="0">
+            <a:spAutoFit/>
+          </a:bodyPr>
+          <a:lstStyle/>
+          <a:p>
+            <a:r>
+              <a:rPr lang="en-US" dirty="0" smtClean="0"/>
+              <a:t>Instantiation </a:t>
+            </a:r>
+            <a:r>
+              <a:rPr lang="en-US" dirty="0" err="1" smtClean="0"/>
+              <a:t>Sempahores</a:t>
+            </a:r>
+            <a:endParaRPr lang="en-US" dirty="0" smtClean="0"/>
+          </a:p>
+        </p:txBody>
+      </p:sp>
+      <p:pic>
+        <p:nvPicPr>
+          <p:cNvPr id="7" name="Image 6"/>
+          <p:cNvPicPr>
+            <a:picLocks noChangeAspect="1"/>
+          </p:cNvPicPr>
+          <p:nvPr/>
+        </p:nvPicPr>
+        <p:blipFill>
+          <a:blip r:embed="rId4"/>
+          <a:stretch>
+            <a:fillRect/>
+          </a:stretch>
+        </p:blipFill>
+        <p:spPr>
+          <a:xfrm>
+            <a:off x="4471382" y="2389716"/>
+            <a:ext cx="5972175" cy="3819525"/>
+          </a:xfrm>
+          <a:prstGeom prst="rect">
+            <a:avLst/>
+          </a:prstGeom>
+        </p:spPr>
+      </p:pic>
+      <p:sp>
+        <p:nvSpPr>
+          <p:cNvPr id="8" name="ZoneTexte 7"/>
+          <p:cNvSpPr txBox="1"/>
+          <p:nvPr/>
+        </p:nvSpPr>
+        <p:spPr>
+          <a:xfrm>
+            <a:off x="7426712" y="2754351"/>
+            <a:ext cx="2553904" cy="369332"/>
+          </a:xfrm>
+          <a:prstGeom prst="rect">
+            <a:avLst/>
+          </a:prstGeom>
+          <a:noFill/>
+        </p:spPr>
+        <p:txBody>
+          <a:bodyPr wrap="none" rtlCol="0">
+            <a:spAutoFit/>
+          </a:bodyPr>
+          <a:lstStyle/>
+          <a:p>
+            <a:r>
+              <a:rPr lang="en-US" dirty="0" err="1" smtClean="0"/>
+              <a:t>Utilisation</a:t>
+            </a:r>
+            <a:r>
+              <a:rPr lang="en-US" dirty="0" smtClean="0"/>
+              <a:t> Semaphores</a:t>
+            </a:r>
+            <a:endParaRPr lang="fr-CH" dirty="0"/>
+          </a:p>
+        </p:txBody>
+      </p:sp>
+      <p:sp>
+        <p:nvSpPr>
+          <p:cNvPr id="9" name="Espace réservé du numéro de diapositive 8"/>
+          <p:cNvSpPr>
+            <a:spLocks noGrp="1"/>
+          </p:cNvSpPr>
+          <p:nvPr>
+            <p:ph type="sldNum" sz="quarter" idx="12"/>
+          </p:nvPr>
+        </p:nvSpPr>
+        <p:spPr/>
+        <p:txBody>
+          <a:bodyPr/>
+          <a:lstStyle/>
+          <a:p>
+            <a:fld id="{D57F1E4F-1CFF-5643-939E-217C01CDF565}" type="slidenum">
+              <a:rPr lang="en-US" smtClean="0"/>
+              <a:pPr/>
+              <a:t>13</a:t>
+            </a:fld>
+            <a:endParaRPr lang="en-US" dirty="0"/>
+          </a:p>
+        </p:txBody>
+      </p:sp>
+    </p:spTree>
+    <p:extLst>
+      <p:ext uri="{BB962C8B-B14F-4D97-AF65-F5344CB8AC3E}">
+        <p14:creationId xmlns:p14="http://schemas.microsoft.com/office/powerpoint/2010/main" val="3963215780"/>
+      </p:ext>
+    </p:extLst>
+  </p:cSld>
+  <p:clrMapOvr>
+    <a:masterClrMapping/>
+  </p:clrMapOvr>
+  <p:timing>
+    <p:tnLst>
+      <p:par>
+        <p:cTn id="1" dur="indefinite" restart="never" nodeType="tmRoot">
+          <p:childTnLst>
+            <p:seq concurrent="1" nextAc="seek">
+              <p:cTn id="2" dur="indefinite" nodeType="mainSeq">
+                <p:childTnLst>
+                  <p:par>
+                    <p:cTn id="3" fill="hold">
+                      <p:stCondLst>
+                        <p:cond delay="indefinite"/>
+                      </p:stCondLst>
+                      <p:childTnLst>
+                        <p:par>
+                          <p:cTn id="4" fill="hold">
+                            <p:stCondLst>
+                              <p:cond delay="0"/>
+                            </p:stCondLst>
+                            <p:childTnLst>
+                              <p:par>
+                                <p:cTn id="5" presetID="1" presetClass="entr" presetSubtype="0" fill="hold" nodeType="clickEffect">
+                                  <p:stCondLst>
+                                    <p:cond delay="0"/>
+                                  </p:stCondLst>
+                                  <p:childTnLst>
+                                    <p:set>
+                                      <p:cBhvr>
+                                        <p:cTn id="6" dur="1" fill="hold">
+                                          <p:stCondLst>
+                                            <p:cond delay="0"/>
+                                          </p:stCondLst>
+                                        </p:cTn>
+                                        <p:tgtEl>
+                                          <p:spTgt spid="3">
+                                            <p:txEl>
+                                              <p:pRg st="1" end="1"/>
+                                            </p:txEl>
+                                          </p:spTgt>
+                                        </p:tgtEl>
+                                        <p:attrNameLst>
+                                          <p:attrName>style.visibility</p:attrName>
+                                        </p:attrNameLst>
+                                      </p:cBhvr>
+                                      <p:to>
+                                        <p:strVal val="visible"/>
+                                      </p:to>
+                                    </p:set>
+                                  </p:childTnLst>
+                                </p:cTn>
+                              </p:par>
+                            </p:childTnLst>
+                          </p:cTn>
+                        </p:par>
+                      </p:childTnLst>
+                    </p:cTn>
+                  </p:par>
+                  <p:par>
+                    <p:cTn id="7" fill="hold">
+                      <p:stCondLst>
+                        <p:cond delay="indefinite"/>
+                      </p:stCondLst>
+                      <p:childTnLst>
+                        <p:par>
+                          <p:cTn id="8" fill="hold">
+                            <p:stCondLst>
+                              <p:cond delay="0"/>
+                            </p:stCondLst>
+                            <p:childTnLst>
+                              <p:par>
+                                <p:cTn id="9" presetID="10" presetClass="entr" presetSubtype="0" fill="hold" nodeType="clickEffect">
+                                  <p:stCondLst>
+                                    <p:cond delay="0"/>
+                                  </p:stCondLst>
+                                  <p:childTnLst>
+                                    <p:set>
+                                      <p:cBhvr>
+                                        <p:cTn id="10" dur="1" fill="hold">
+                                          <p:stCondLst>
+                                            <p:cond delay="0"/>
+                                          </p:stCondLst>
+                                        </p:cTn>
+                                        <p:tgtEl>
+                                          <p:spTgt spid="4"/>
+                                        </p:tgtEl>
+                                        <p:attrNameLst>
+                                          <p:attrName>style.visibility</p:attrName>
+                                        </p:attrNameLst>
+                                      </p:cBhvr>
+                                      <p:to>
+                                        <p:strVal val="visible"/>
+                                      </p:to>
+                                    </p:set>
+                                    <p:animEffect transition="in" filter="fade">
+                                      <p:cBhvr>
+                                        <p:cTn id="11" dur="500"/>
+                                        <p:tgtEl>
+                                          <p:spTgt spid="4"/>
+                                        </p:tgtEl>
+                                      </p:cBhvr>
+                                    </p:animEffect>
+                                  </p:childTnLst>
+                                </p:cTn>
+                              </p:par>
+                            </p:childTnLst>
+                          </p:cTn>
+                        </p:par>
+                      </p:childTnLst>
+                    </p:cTn>
+                  </p:par>
+                  <p:par>
+                    <p:cTn id="12" fill="hold">
+                      <p:stCondLst>
+                        <p:cond delay="indefinite"/>
+                      </p:stCondLst>
+                      <p:childTnLst>
+                        <p:par>
+                          <p:cTn id="13" fill="hold">
+                            <p:stCondLst>
+                              <p:cond delay="0"/>
+                            </p:stCondLst>
+                            <p:childTnLst>
+                              <p:par>
+                                <p:cTn id="14" presetID="10" presetClass="exit" presetSubtype="0" fill="hold" nodeType="clickEffect">
+                                  <p:stCondLst>
+                                    <p:cond delay="0"/>
+                                  </p:stCondLst>
+                                  <p:childTnLst>
+                                    <p:animEffect transition="out" filter="fade">
+                                      <p:cBhvr>
+                                        <p:cTn id="15" dur="500"/>
+                                        <p:tgtEl>
+                                          <p:spTgt spid="4"/>
+                                        </p:tgtEl>
+                                      </p:cBhvr>
+                                    </p:animEffect>
+                                    <p:set>
+                                      <p:cBhvr>
+                                        <p:cTn id="16" dur="1" fill="hold">
+                                          <p:stCondLst>
+                                            <p:cond delay="499"/>
+                                          </p:stCondLst>
+                                        </p:cTn>
+                                        <p:tgtEl>
+                                          <p:spTgt spid="4"/>
+                                        </p:tgtEl>
+                                        <p:attrNameLst>
+                                          <p:attrName>style.visibility</p:attrName>
+                                        </p:attrNameLst>
+                                      </p:cBhvr>
+                                      <p:to>
+                                        <p:strVal val="hidden"/>
+                                      </p:to>
+                                    </p:set>
+                                  </p:childTnLst>
+                                </p:cTn>
+                              </p:par>
+                            </p:childTnLst>
+                          </p:cTn>
+                        </p:par>
+                        <p:par>
+                          <p:cTn id="17" fill="hold">
+                            <p:stCondLst>
+                              <p:cond delay="500"/>
+                            </p:stCondLst>
+                            <p:childTnLst>
+                              <p:par>
+                                <p:cTn id="18" presetID="10" presetClass="entr" presetSubtype="0" fill="hold" nodeType="afterEffect">
+                                  <p:stCondLst>
+                                    <p:cond delay="0"/>
+                                  </p:stCondLst>
+                                  <p:childTnLst>
+                                    <p:set>
+                                      <p:cBhvr>
+                                        <p:cTn id="19" dur="1" fill="hold">
+                                          <p:stCondLst>
+                                            <p:cond delay="0"/>
+                                          </p:stCondLst>
+                                        </p:cTn>
+                                        <p:tgtEl>
+                                          <p:spTgt spid="3">
+                                            <p:txEl>
+                                              <p:pRg st="3" end="3"/>
+                                            </p:txEl>
+                                          </p:spTgt>
+                                        </p:tgtEl>
+                                        <p:attrNameLst>
+                                          <p:attrName>style.visibility</p:attrName>
+                                        </p:attrNameLst>
+                                      </p:cBhvr>
+                                      <p:to>
+                                        <p:strVal val="visible"/>
+                                      </p:to>
+                                    </p:set>
+                                    <p:animEffect transition="in" filter="fade">
+                                      <p:cBhvr>
+                                        <p:cTn id="20" dur="500"/>
+                                        <p:tgtEl>
+                                          <p:spTgt spid="3">
+                                            <p:txEl>
+                                              <p:pRg st="3" end="3"/>
+                                            </p:txEl>
+                                          </p:spTgt>
+                                        </p:tgtEl>
+                                      </p:cBhvr>
+                                    </p:animEffect>
+                                  </p:childTnLst>
+                                </p:cTn>
+                              </p:par>
+                            </p:childTnLst>
+                          </p:cTn>
+                        </p:par>
+                      </p:childTnLst>
+                    </p:cTn>
+                  </p:par>
+                  <p:par>
+                    <p:cTn id="21" fill="hold">
+                      <p:stCondLst>
+                        <p:cond delay="indefinite"/>
+                      </p:stCondLst>
+                      <p:childTnLst>
+                        <p:par>
+                          <p:cTn id="22" fill="hold">
+                            <p:stCondLst>
+                              <p:cond delay="0"/>
+                            </p:stCondLst>
+                            <p:childTnLst>
+                              <p:par>
+                                <p:cTn id="23" presetID="1" presetClass="exit" presetSubtype="0" fill="hold" nodeType="clickEffect">
+                                  <p:stCondLst>
+                                    <p:cond delay="0"/>
+                                  </p:stCondLst>
+                                  <p:childTnLst>
+                                    <p:set>
+                                      <p:cBhvr>
+                                        <p:cTn id="24" dur="1" fill="hold">
+                                          <p:stCondLst>
+                                            <p:cond delay="0"/>
+                                          </p:stCondLst>
+                                        </p:cTn>
+                                        <p:tgtEl>
+                                          <p:spTgt spid="3">
+                                            <p:txEl>
+                                              <p:pRg st="1" end="1"/>
+                                            </p:txEl>
+                                          </p:spTgt>
+                                        </p:tgtEl>
+                                        <p:attrNameLst>
+                                          <p:attrName>style.visibility</p:attrName>
+                                        </p:attrNameLst>
+                                      </p:cBhvr>
+                                      <p:to>
+                                        <p:strVal val="hidden"/>
+                                      </p:to>
+                                    </p:set>
+                                  </p:childTnLst>
+                                </p:cTn>
+                              </p:par>
+                              <p:par>
+                                <p:cTn id="25" presetID="1" presetClass="exit" presetSubtype="0" fill="hold" nodeType="withEffect">
+                                  <p:stCondLst>
+                                    <p:cond delay="0"/>
+                                  </p:stCondLst>
+                                  <p:childTnLst>
+                                    <p:set>
+                                      <p:cBhvr>
+                                        <p:cTn id="26" dur="1" fill="hold">
+                                          <p:stCondLst>
+                                            <p:cond delay="0"/>
+                                          </p:stCondLst>
+                                        </p:cTn>
+                                        <p:tgtEl>
+                                          <p:spTgt spid="3">
+                                            <p:txEl>
+                                              <p:pRg st="3" end="3"/>
+                                            </p:txEl>
+                                          </p:spTgt>
+                                        </p:tgtEl>
+                                        <p:attrNameLst>
+                                          <p:attrName>style.visibility</p:attrName>
+                                        </p:attrNameLst>
+                                      </p:cBhvr>
+                                      <p:to>
+                                        <p:strVal val="hidden"/>
+                                      </p:to>
+                                    </p:set>
+                                  </p:childTnLst>
+                                </p:cTn>
+                              </p:par>
+                            </p:childTnLst>
+                          </p:cTn>
+                        </p:par>
+                        <p:par>
+                          <p:cTn id="27" fill="hold">
+                            <p:stCondLst>
+                              <p:cond delay="0"/>
+                            </p:stCondLst>
+                            <p:childTnLst>
+                              <p:par>
+                                <p:cTn id="28" presetID="10" presetClass="entr" presetSubtype="0" fill="hold" grpId="0" nodeType="afterEffect">
+                                  <p:stCondLst>
+                                    <p:cond delay="0"/>
+                                  </p:stCondLst>
+                                  <p:childTnLst>
+                                    <p:set>
+                                      <p:cBhvr>
+                                        <p:cTn id="29" dur="1" fill="hold">
+                                          <p:stCondLst>
+                                            <p:cond delay="0"/>
+                                          </p:stCondLst>
+                                        </p:cTn>
+                                        <p:tgtEl>
+                                          <p:spTgt spid="6"/>
+                                        </p:tgtEl>
+                                        <p:attrNameLst>
+                                          <p:attrName>style.visibility</p:attrName>
+                                        </p:attrNameLst>
+                                      </p:cBhvr>
+                                      <p:to>
+                                        <p:strVal val="visible"/>
+                                      </p:to>
+                                    </p:set>
+                                    <p:animEffect transition="in" filter="fade">
+                                      <p:cBhvr>
+                                        <p:cTn id="30" dur="500"/>
+                                        <p:tgtEl>
+                                          <p:spTgt spid="6"/>
+                                        </p:tgtEl>
+                                      </p:cBhvr>
+                                    </p:animEffect>
+                                  </p:childTnLst>
+                                </p:cTn>
+                              </p:par>
+                              <p:par>
+                                <p:cTn id="31" presetID="10" presetClass="entr" presetSubtype="0" fill="hold" nodeType="withEffect">
+                                  <p:stCondLst>
+                                    <p:cond delay="0"/>
+                                  </p:stCondLst>
+                                  <p:childTnLst>
+                                    <p:set>
+                                      <p:cBhvr>
+                                        <p:cTn id="32" dur="1" fill="hold">
+                                          <p:stCondLst>
+                                            <p:cond delay="0"/>
+                                          </p:stCondLst>
+                                        </p:cTn>
+                                        <p:tgtEl>
+                                          <p:spTgt spid="5"/>
+                                        </p:tgtEl>
+                                        <p:attrNameLst>
+                                          <p:attrName>style.visibility</p:attrName>
+                                        </p:attrNameLst>
+                                      </p:cBhvr>
+                                      <p:to>
+                                        <p:strVal val="visible"/>
+                                      </p:to>
+                                    </p:set>
+                                    <p:animEffect transition="in" filter="fade">
+                                      <p:cBhvr>
+                                        <p:cTn id="33" dur="500"/>
+                                        <p:tgtEl>
+                                          <p:spTgt spid="5"/>
+                                        </p:tgtEl>
+                                      </p:cBhvr>
+                                    </p:animEffect>
+                                  </p:childTnLst>
+                                </p:cTn>
+                              </p:par>
+                            </p:childTnLst>
+                          </p:cTn>
+                        </p:par>
+                      </p:childTnLst>
+                    </p:cTn>
+                  </p:par>
+                  <p:par>
+                    <p:cTn id="34" fill="hold">
+                      <p:stCondLst>
+                        <p:cond delay="indefinite"/>
+                      </p:stCondLst>
+                      <p:childTnLst>
+                        <p:par>
+                          <p:cTn id="35" fill="hold">
+                            <p:stCondLst>
+                              <p:cond delay="0"/>
+                            </p:stCondLst>
+                            <p:childTnLst>
+                              <p:par>
+                                <p:cTn id="36" presetID="10" presetClass="entr" presetSubtype="0" fill="hold" grpId="0" nodeType="clickEffect">
+                                  <p:stCondLst>
+                                    <p:cond delay="0"/>
+                                  </p:stCondLst>
+                                  <p:childTnLst>
+                                    <p:set>
+                                      <p:cBhvr>
+                                        <p:cTn id="37" dur="1" fill="hold">
+                                          <p:stCondLst>
+                                            <p:cond delay="0"/>
+                                          </p:stCondLst>
+                                        </p:cTn>
+                                        <p:tgtEl>
+                                          <p:spTgt spid="8"/>
+                                        </p:tgtEl>
+                                        <p:attrNameLst>
+                                          <p:attrName>style.visibility</p:attrName>
+                                        </p:attrNameLst>
+                                      </p:cBhvr>
+                                      <p:to>
+                                        <p:strVal val="visible"/>
+                                      </p:to>
+                                    </p:set>
+                                    <p:animEffect transition="in" filter="fade">
+                                      <p:cBhvr>
+                                        <p:cTn id="38" dur="500"/>
+                                        <p:tgtEl>
+                                          <p:spTgt spid="8"/>
+                                        </p:tgtEl>
+                                      </p:cBhvr>
+                                    </p:animEffect>
+                                  </p:childTnLst>
+                                </p:cTn>
+                              </p:par>
+                              <p:par>
+                                <p:cTn id="39" presetID="10" presetClass="entr" presetSubtype="0" fill="hold" nodeType="withEffect">
+                                  <p:stCondLst>
+                                    <p:cond delay="0"/>
+                                  </p:stCondLst>
+                                  <p:childTnLst>
+                                    <p:set>
+                                      <p:cBhvr>
+                                        <p:cTn id="40" dur="1" fill="hold">
+                                          <p:stCondLst>
+                                            <p:cond delay="0"/>
+                                          </p:stCondLst>
+                                        </p:cTn>
+                                        <p:tgtEl>
+                                          <p:spTgt spid="7"/>
+                                        </p:tgtEl>
+                                        <p:attrNameLst>
+                                          <p:attrName>style.visibility</p:attrName>
+                                        </p:attrNameLst>
+                                      </p:cBhvr>
+                                      <p:to>
+                                        <p:strVal val="visible"/>
+                                      </p:to>
+                                    </p:set>
+                                    <p:animEffect transition="in" filter="fade">
+                                      <p:cBhvr>
+                                        <p:cTn id="41" dur="500"/>
+                                        <p:tgtEl>
+                                          <p:spTgt spid="7"/>
+                                        </p:tgtEl>
+                                      </p:cBhvr>
+                                    </p:animEffect>
+                                  </p:childTnLst>
+                                </p:cTn>
+                              </p:par>
+                            </p:childTnLst>
+                          </p:cTn>
+                        </p:par>
+                      </p:childTnLst>
+                    </p:cTn>
+                  </p:par>
+                </p:childTnLst>
+              </p:cTn>
+              <p:prevCondLst>
+                <p:cond evt="onPrev" delay="0">
+                  <p:tgtEl>
+                    <p:sldTgt/>
+                  </p:tgtEl>
+                </p:cond>
+              </p:prevCondLst>
+              <p:nextCondLst>
+                <p:cond evt="onNext" delay="0">
+                  <p:tgtEl>
+                    <p:sldTgt/>
+                  </p:tgtEl>
+                </p:cond>
+              </p:nextCondLst>
+            </p:seq>
+          </p:childTnLst>
+        </p:cTn>
+      </p:par>
+    </p:tnLst>
+    <p:bldLst>
+      <p:bldP spid="6" grpId="0"/>
+      <p:bldP spid="8" grpId="0"/>
+    </p:bldLst>
+  </p:timing>
+</p:sld>
+</file>
+
+<file path=ppt/slides/slide14.xml><?xml version="1.0" encoding="utf-8"?>
+<p:sld xmlns:a="http://schemas.openxmlformats.org/drawingml/2006/main" xmlns:r="http://schemas.openxmlformats.org/officeDocument/2006/relationships" xmlns:p="http://schemas.openxmlformats.org/presentationml/2006/main">
+  <p:cSld>
+    <p:spTree>
+      <p:nvGrpSpPr>
+        <p:cNvPr id="1" name=""/>
+        <p:cNvGrpSpPr/>
+        <p:nvPr/>
+      </p:nvGrpSpPr>
+      <p:grpSpPr>
+        <a:xfrm>
+          <a:off x="0" y="0"/>
+          <a:ext cx="0" cy="0"/>
+          <a:chOff x="0" y="0"/>
+          <a:chExt cx="0" cy="0"/>
+        </a:xfrm>
+      </p:grpSpPr>
+      <p:sp>
+        <p:nvSpPr>
+          <p:cNvPr id="2" name="Titre 1"/>
+          <p:cNvSpPr>
+            <a:spLocks noGrp="1"/>
+          </p:cNvSpPr>
+          <p:nvPr>
+            <p:ph type="title"/>
+          </p:nvPr>
+        </p:nvSpPr>
+        <p:spPr/>
+        <p:txBody>
+          <a:bodyPr/>
+          <a:lstStyle/>
+          <a:p>
+            <a:r>
+              <a:rPr lang="en-US" dirty="0" smtClean="0"/>
+              <a:t>Demo</a:t>
+            </a:r>
+            <a:endParaRPr lang="fr-CH" dirty="0"/>
+          </a:p>
+        </p:txBody>
+      </p:sp>
+      <p:sp>
+        <p:nvSpPr>
+          <p:cNvPr id="3" name="Espace réservé du contenu 2"/>
+          <p:cNvSpPr>
+            <a:spLocks noGrp="1"/>
+          </p:cNvSpPr>
+          <p:nvPr>
+            <p:ph idx="1"/>
+          </p:nvPr>
+        </p:nvSpPr>
+        <p:spPr/>
+        <p:txBody>
+          <a:bodyPr/>
+          <a:lstStyle/>
+          <a:p>
+            <a:r>
+              <a:rPr lang="en-US" dirty="0" smtClean="0"/>
+              <a:t>Le </a:t>
+            </a:r>
+            <a:r>
+              <a:rPr lang="en-US" dirty="0" err="1" smtClean="0"/>
+              <a:t>Barbier</a:t>
+            </a:r>
+            <a:r>
+              <a:rPr lang="en-US" dirty="0" smtClean="0"/>
+              <a:t>, </a:t>
+            </a:r>
+            <a:r>
+              <a:rPr lang="en-US" dirty="0" err="1" smtClean="0"/>
+              <a:t>en</a:t>
+            </a:r>
+            <a:r>
+              <a:rPr lang="en-US" dirty="0" smtClean="0"/>
+              <a:t> </a:t>
+            </a:r>
+            <a:r>
+              <a:rPr lang="en-US" dirty="0" err="1" smtClean="0"/>
+              <a:t>Qt</a:t>
+            </a:r>
+            <a:r>
+              <a:rPr lang="en-US" dirty="0" smtClean="0"/>
+              <a:t> </a:t>
+            </a:r>
+            <a:r>
+              <a:rPr lang="en-US" dirty="0" err="1" smtClean="0"/>
+              <a:t>cette</a:t>
+            </a:r>
+            <a:r>
+              <a:rPr lang="en-US" dirty="0" smtClean="0"/>
+              <a:t> </a:t>
+            </a:r>
+            <a:r>
+              <a:rPr lang="en-US" dirty="0" err="1" smtClean="0"/>
+              <a:t>fois</a:t>
+            </a:r>
+            <a:r>
+              <a:rPr lang="en-US" dirty="0" smtClean="0"/>
+              <a:t>, </a:t>
+            </a:r>
+            <a:r>
+              <a:rPr lang="en-US" dirty="0" err="1" smtClean="0"/>
+              <a:t>parce</a:t>
+            </a:r>
+            <a:r>
+              <a:rPr lang="en-US" dirty="0" smtClean="0"/>
+              <a:t> </a:t>
+            </a:r>
+            <a:r>
+              <a:rPr lang="en-US" dirty="0" err="1" smtClean="0"/>
+              <a:t>que</a:t>
+            </a:r>
+            <a:r>
+              <a:rPr lang="en-US" dirty="0" smtClean="0"/>
+              <a:t> Threads POSIX….</a:t>
+            </a:r>
+            <a:endParaRPr lang="fr-CH" dirty="0"/>
+          </a:p>
+        </p:txBody>
+      </p:sp>
+      <p:sp>
+        <p:nvSpPr>
+          <p:cNvPr id="4" name="Espace réservé du numéro de diapositive 3"/>
+          <p:cNvSpPr>
+            <a:spLocks noGrp="1"/>
+          </p:cNvSpPr>
+          <p:nvPr>
+            <p:ph type="sldNum" sz="quarter" idx="12"/>
+          </p:nvPr>
+        </p:nvSpPr>
+        <p:spPr/>
+        <p:txBody>
+          <a:bodyPr/>
+          <a:lstStyle/>
+          <a:p>
+            <a:fld id="{D57F1E4F-1CFF-5643-939E-217C01CDF565}" type="slidenum">
+              <a:rPr lang="en-US" smtClean="0"/>
+              <a:pPr/>
+              <a:t>14</a:t>
+            </a:fld>
+            <a:endParaRPr lang="en-US" dirty="0"/>
+          </a:p>
+        </p:txBody>
+      </p:sp>
+    </p:spTree>
+    <p:extLst>
+      <p:ext uri="{BB962C8B-B14F-4D97-AF65-F5344CB8AC3E}">
+        <p14:creationId xmlns:p14="http://schemas.microsoft.com/office/powerpoint/2010/main" val="3658492803"/>
+      </p:ext>
+    </p:extLst>
+  </p:cSld>
+  <p:clrMapOvr>
+    <a:masterClrMapping/>
+  </p:clrMapOvr>
+  <p:timing>
+    <p:tnLst>
+      <p:par>
+        <p:cTn id="1" dur="indefinite" restart="never" nodeType="tmRoot"/>
+      </p:par>
+    </p:tnLst>
+  </p:timing>
+</p:sld>
+</file>
+
+<file path=ppt/slides/slide15.xml><?xml version="1.0" encoding="utf-8"?>
+<p:sld xmlns:a="http://schemas.openxmlformats.org/drawingml/2006/main" xmlns:r="http://schemas.openxmlformats.org/officeDocument/2006/relationships" xmlns:p="http://schemas.openxmlformats.org/presentationml/2006/main">
+  <p:cSld>
+    <p:spTree>
+      <p:nvGrpSpPr>
+        <p:cNvPr id="1" name=""/>
+        <p:cNvGrpSpPr/>
+        <p:nvPr/>
+      </p:nvGrpSpPr>
+      <p:grpSpPr>
+        <a:xfrm>
+          <a:off x="0" y="0"/>
+          <a:ext cx="0" cy="0"/>
+          <a:chOff x="0" y="0"/>
+          <a:chExt cx="0" cy="0"/>
+        </a:xfrm>
+      </p:grpSpPr>
+      <p:sp>
+        <p:nvSpPr>
+          <p:cNvPr id="2" name="Titre 1"/>
+          <p:cNvSpPr>
+            <a:spLocks noGrp="1"/>
+          </p:cNvSpPr>
+          <p:nvPr>
+            <p:ph type="title"/>
+          </p:nvPr>
+        </p:nvSpPr>
+        <p:spPr/>
+        <p:txBody>
+          <a:bodyPr/>
+          <a:lstStyle/>
+          <a:p>
+            <a:r>
+              <a:rPr lang="en-US" dirty="0" smtClean="0"/>
+              <a:t>Homework</a:t>
+            </a:r>
+            <a:endParaRPr lang="fr-CH" dirty="0"/>
+          </a:p>
+        </p:txBody>
+      </p:sp>
+      <p:sp>
+        <p:nvSpPr>
+          <p:cNvPr id="3" name="Espace réservé du contenu 2"/>
+          <p:cNvSpPr>
+            <a:spLocks noGrp="1"/>
+          </p:cNvSpPr>
+          <p:nvPr>
+            <p:ph idx="1"/>
+          </p:nvPr>
+        </p:nvSpPr>
+        <p:spPr/>
+        <p:txBody>
+          <a:bodyPr/>
+          <a:lstStyle/>
+          <a:p>
+            <a:r>
+              <a:rPr lang="en-US" dirty="0" smtClean="0"/>
+              <a:t>Se preparer pour </a:t>
+            </a:r>
+            <a:r>
+              <a:rPr lang="en-US" dirty="0" err="1" smtClean="0"/>
+              <a:t>l’examen</a:t>
+            </a:r>
+            <a:r>
+              <a:rPr lang="en-US" dirty="0" smtClean="0"/>
+              <a:t>.</a:t>
+            </a:r>
+            <a:endParaRPr lang="fr-CH" dirty="0"/>
+          </a:p>
+        </p:txBody>
+      </p:sp>
+      <p:sp>
+        <p:nvSpPr>
+          <p:cNvPr id="4" name="Espace réservé du numéro de diapositive 3"/>
+          <p:cNvSpPr>
+            <a:spLocks noGrp="1"/>
+          </p:cNvSpPr>
+          <p:nvPr>
+            <p:ph type="sldNum" sz="quarter" idx="12"/>
+          </p:nvPr>
+        </p:nvSpPr>
+        <p:spPr/>
+        <p:txBody>
+          <a:bodyPr/>
+          <a:lstStyle/>
+          <a:p>
+            <a:fld id="{D57F1E4F-1CFF-5643-939E-217C01CDF565}" type="slidenum">
+              <a:rPr lang="en-US" smtClean="0"/>
+              <a:pPr/>
+              <a:t>15</a:t>
+            </a:fld>
+            <a:endParaRPr lang="en-US" dirty="0"/>
+          </a:p>
+        </p:txBody>
+      </p:sp>
+    </p:spTree>
+    <p:extLst>
+      <p:ext uri="{BB962C8B-B14F-4D97-AF65-F5344CB8AC3E}">
+        <p14:creationId xmlns:p14="http://schemas.microsoft.com/office/powerpoint/2010/main" val="1170145002"/>
+      </p:ext>
+    </p:extLst>
+  </p:cSld>
+  <p:clrMapOvr>
+    <a:masterClrMapping/>
+  </p:clrMapOvr>
+  <p:timing>
+    <p:tnLst>
+      <p:par>
+        <p:cTn id="1" dur="indefinite" restart="never" nodeType="tmRoot"/>
+      </p:par>
+    </p:tnLst>
+  </p:timing>
 </p:sld>
 </file>
 
@@ -6452,7 +8405,111 @@
           <a:bodyPr/>
           <a:lstStyle/>
           <a:p>
-            <a:endParaRPr lang="fr-CH"/>
+            <a:r>
+              <a:rPr lang="en-US" dirty="0" err="1" smtClean="0"/>
+              <a:t>QtConcurrent</a:t>
+            </a:r>
+            <a:r>
+              <a:rPr lang="en-US" dirty="0"/>
+              <a:t> </a:t>
+            </a:r>
+            <a:r>
+              <a:rPr lang="en-US" dirty="0" smtClean="0"/>
+              <a:t>Namespace</a:t>
+            </a:r>
+          </a:p>
+          <a:p>
+            <a:r>
+              <a:rPr lang="en-US" dirty="0" err="1"/>
+              <a:t>QConcurrent</a:t>
+            </a:r>
+            <a:r>
+              <a:rPr lang="en-US" dirty="0"/>
+              <a:t>::run() &amp; Future&lt;T</a:t>
+            </a:r>
+            <a:r>
+              <a:rPr lang="en-US" dirty="0" smtClean="0"/>
+              <a:t>&gt; </a:t>
+            </a:r>
+            <a:r>
+              <a:rPr lang="en-US" dirty="0" err="1" smtClean="0"/>
+              <a:t>Exemple</a:t>
+            </a:r>
+            <a:endParaRPr lang="en-US" dirty="0" smtClean="0"/>
+          </a:p>
+          <a:p>
+            <a:r>
+              <a:rPr lang="en-US" dirty="0" err="1" smtClean="0"/>
+              <a:t>QThread</a:t>
+            </a:r>
+            <a:endParaRPr lang="en-US" dirty="0" smtClean="0"/>
+          </a:p>
+          <a:p>
+            <a:r>
+              <a:rPr lang="en-US" dirty="0" smtClean="0"/>
+              <a:t>“Mon </a:t>
+            </a:r>
+            <a:r>
+              <a:rPr lang="en-US" dirty="0" err="1" smtClean="0"/>
+              <a:t>Mutex</a:t>
+            </a:r>
+            <a:r>
+              <a:rPr lang="en-US" dirty="0" smtClean="0"/>
+              <a:t> </a:t>
+            </a:r>
+            <a:r>
+              <a:rPr lang="en-US" dirty="0" err="1" smtClean="0"/>
+              <a:t>d’abord</a:t>
+            </a:r>
+            <a:r>
+              <a:rPr lang="en-US" dirty="0" smtClean="0"/>
+              <a:t>” - </a:t>
+            </a:r>
+            <a:r>
+              <a:rPr lang="en-US" dirty="0" err="1" smtClean="0"/>
+              <a:t>Mutex</a:t>
+            </a:r>
+            <a:r>
+              <a:rPr lang="en-US" dirty="0" smtClean="0"/>
+              <a:t> Family</a:t>
+            </a:r>
+          </a:p>
+          <a:p>
+            <a:r>
+              <a:rPr lang="en-US" dirty="0" smtClean="0"/>
+              <a:t>Demo</a:t>
+            </a:r>
+          </a:p>
+          <a:p>
+            <a:r>
+              <a:rPr lang="en-US" dirty="0" smtClean="0"/>
+              <a:t>Homework</a:t>
+            </a:r>
+            <a:endParaRPr lang="fr-CH" dirty="0"/>
+          </a:p>
+        </p:txBody>
+      </p:sp>
+      <p:sp>
+        <p:nvSpPr>
+          <p:cNvPr id="4" name="Espace réservé du numéro de diapositive 3"/>
+          <p:cNvSpPr>
+            <a:spLocks noGrp="1"/>
+          </p:cNvSpPr>
+          <p:nvPr>
+            <p:ph type="sldNum" sz="quarter" idx="12"/>
+          </p:nvPr>
+        </p:nvSpPr>
+        <p:spPr/>
+        <p:txBody>
+          <a:bodyPr/>
+          <a:lstStyle/>
+          <a:p>
+            <a:fld id="{D57F1E4F-1CFF-5643-939E-217C01CDF565}" type="slidenum">
+              <a:rPr lang="en-US" smtClean="0"/>
+              <a:pPr/>
+              <a:t>2</a:t>
+            </a:fld>
+            <a:endParaRPr lang="en-US" dirty="0"/>
           </a:p>
         </p:txBody>
       </p:sp>
@@ -6466,6 +8523,13 @@
   <p:clrMapOvr>
     <a:masterClrMapping/>
   </p:clrMapOvr>
+  <p:timing>
+    <p:tnLst>
+      <p:par>
+        <p:cTn id="1" dur="indefinite" restart="never" nodeType="tmRoot"/>
+      </p:par>
+    </p:tnLst>
+  </p:timing>
 </p:sld>
 </file>
 
@@ -6498,84 +8562,246 @@
         </p:nvSpPr>
         <p:spPr/>
         <p:txBody>
+          <a:bodyPr/>
+          <a:lstStyle/>
+          <a:p>
+            <a:r>
+              <a:rPr lang="fr-CH" dirty="0" err="1" smtClean="0"/>
+              <a:t>QtConcurrent</a:t>
+            </a:r>
+            <a:r>
+              <a:rPr lang="fr-CH" dirty="0" smtClean="0"/>
+              <a:t> </a:t>
+            </a:r>
+            <a:r>
+              <a:rPr lang="fr-CH" dirty="0" err="1" smtClean="0"/>
+              <a:t>Namespace</a:t>
+            </a:r>
+            <a:endParaRPr lang="fr-CH" dirty="0"/>
+          </a:p>
+        </p:txBody>
+      </p:sp>
+      <p:sp>
+        <p:nvSpPr>
+          <p:cNvPr id="3" name="Content Placeholder 2"/>
+          <p:cNvSpPr>
+            <a:spLocks noGrp="1"/>
+          </p:cNvSpPr>
+          <p:nvPr>
+            <p:ph idx="1"/>
+          </p:nvPr>
+        </p:nvSpPr>
+        <p:spPr>
+          <a:xfrm>
+            <a:off x="677334" y="2160589"/>
+            <a:ext cx="8957320" cy="3880773"/>
+          </a:xfrm>
+        </p:spPr>
+        <p:txBody>
           <a:bodyPr>
-            <a:normAutofit/>
+            <a:normAutofit fontScale="92500" lnSpcReduction="20000"/>
           </a:bodyPr>
           <a:lstStyle/>
           <a:p>
             <a:r>
-              <a:rPr lang="fr-CH" sz="4000" dirty="0" err="1" smtClean="0"/>
+              <a:rPr lang="fr-CH" dirty="0" smtClean="0"/>
+              <a:t>Permet d’</a:t>
+            </a:r>
+            <a:r>
+              <a:rPr lang="fr-CH" dirty="0" err="1" smtClean="0"/>
+              <a:t>ecrire</a:t>
+            </a:r>
+            <a:r>
+              <a:rPr lang="fr-CH" dirty="0" smtClean="0"/>
+              <a:t> des programmes </a:t>
+            </a:r>
+            <a:r>
+              <a:rPr lang="fr-CH" dirty="0" err="1" smtClean="0"/>
+              <a:t>multi-thread</a:t>
+            </a:r>
+            <a:r>
+              <a:rPr lang="fr-CH" dirty="0" smtClean="0"/>
+              <a:t> sans utiliser les primitives bas-niveau.</a:t>
+            </a:r>
+          </a:p>
+          <a:p>
+            <a:r>
+              <a:rPr lang="fr-CH" dirty="0" smtClean="0"/>
+              <a:t>Fonctions utiles:</a:t>
+            </a:r>
+          </a:p>
+          <a:p>
+            <a:pPr lvl="1"/>
+            <a:r>
+              <a:rPr lang="fr-CH" dirty="0" err="1" smtClean="0"/>
               <a:t>QtConcurrent</a:t>
             </a:r>
-            <a:endParaRPr lang="fr-CH" sz="4000" dirty="0"/>
-          </a:p>
-        </p:txBody>
-      </p:sp>
-      <p:sp>
-        <p:nvSpPr>
-          <p:cNvPr id="3" name="Content Placeholder 2"/>
-          <p:cNvSpPr>
-            <a:spLocks noGrp="1"/>
-          </p:cNvSpPr>
-          <p:nvPr>
-            <p:ph idx="1"/>
+            <a:r>
+              <a:rPr lang="fr-CH" dirty="0" smtClean="0"/>
+              <a:t>::</a:t>
+            </a:r>
+            <a:r>
+              <a:rPr lang="fr-CH" dirty="0" err="1" smtClean="0"/>
+              <a:t>map</a:t>
+            </a:r>
+            <a:r>
+              <a:rPr lang="fr-CH" dirty="0" smtClean="0"/>
+              <a:t>()</a:t>
+            </a:r>
+          </a:p>
+          <a:p>
+            <a:pPr marL="457200" lvl="1" indent="0">
+              <a:buNone/>
+            </a:pPr>
+            <a:r>
+              <a:rPr lang="fr-CH" dirty="0" smtClean="0"/>
+              <a:t>	applique une fonction à chaque objet dans un container</a:t>
+            </a:r>
+          </a:p>
+          <a:p>
+            <a:pPr lvl="1"/>
+            <a:r>
+              <a:rPr lang="fr-CH" dirty="0" err="1" smtClean="0"/>
+              <a:t>QtConcurrent</a:t>
+            </a:r>
+            <a:r>
+              <a:rPr lang="fr-CH" dirty="0" smtClean="0"/>
+              <a:t>::</a:t>
+            </a:r>
+            <a:r>
+              <a:rPr lang="fr-CH" dirty="0" err="1" smtClean="0"/>
+              <a:t>mapped</a:t>
+            </a:r>
+            <a:r>
+              <a:rPr lang="fr-CH" dirty="0" smtClean="0"/>
+              <a:t>() </a:t>
+            </a:r>
+          </a:p>
+          <a:p>
+            <a:pPr marL="457200" lvl="1" indent="0">
+              <a:buNone/>
+            </a:pPr>
+            <a:r>
+              <a:rPr lang="fr-CH" dirty="0" smtClean="0"/>
+              <a:t>	pareil que </a:t>
+            </a:r>
+            <a:r>
+              <a:rPr lang="fr-CH" dirty="0" err="1" smtClean="0"/>
+              <a:t>map</a:t>
+            </a:r>
+            <a:r>
+              <a:rPr lang="fr-CH" dirty="0" smtClean="0"/>
+              <a:t>, mais retourne un nouvel container avec les objets modifiés</a:t>
+            </a:r>
+          </a:p>
+          <a:p>
+            <a:pPr lvl="1"/>
+            <a:r>
+              <a:rPr lang="fr-CH" dirty="0" err="1" smtClean="0"/>
+              <a:t>QtConcurrent</a:t>
+            </a:r>
+            <a:r>
+              <a:rPr lang="fr-CH" dirty="0" smtClean="0"/>
+              <a:t>::</a:t>
+            </a:r>
+            <a:r>
+              <a:rPr lang="fr-CH" dirty="0" err="1" smtClean="0"/>
+              <a:t>filter</a:t>
+            </a:r>
+            <a:r>
+              <a:rPr lang="fr-CH" dirty="0" smtClean="0"/>
+              <a:t>() </a:t>
+            </a:r>
+          </a:p>
+          <a:p>
+            <a:pPr marL="914400" lvl="2" indent="0">
+              <a:buNone/>
+            </a:pPr>
+            <a:r>
+              <a:rPr lang="fr-CH" dirty="0" smtClean="0"/>
+              <a:t>retire tous les objets d’un container selon une fonction filtre</a:t>
+            </a:r>
+          </a:p>
+          <a:p>
+            <a:pPr lvl="1"/>
+            <a:r>
+              <a:rPr lang="fr-CH" dirty="0" err="1" smtClean="0"/>
+              <a:t>QtConcurrent</a:t>
+            </a:r>
+            <a:r>
+              <a:rPr lang="fr-CH" dirty="0" smtClean="0"/>
+              <a:t>::</a:t>
+            </a:r>
+            <a:r>
+              <a:rPr lang="fr-CH" dirty="0" err="1" smtClean="0"/>
+              <a:t>run</a:t>
+            </a:r>
+            <a:r>
+              <a:rPr lang="fr-CH" dirty="0" smtClean="0"/>
+              <a:t>() </a:t>
+            </a:r>
+          </a:p>
+          <a:p>
+            <a:pPr marL="914400" lvl="2" indent="0">
+              <a:buNone/>
+            </a:pPr>
+            <a:r>
+              <a:rPr lang="fr-CH" dirty="0" smtClean="0"/>
+              <a:t>démarre une fonction dans un thread séparé</a:t>
+            </a:r>
+          </a:p>
+          <a:p>
+            <a:pPr lvl="1"/>
+            <a:r>
+              <a:rPr lang="fr-CH" dirty="0" err="1" smtClean="0"/>
+              <a:t>QFuture</a:t>
+            </a:r>
+            <a:r>
+              <a:rPr lang="fr-CH" dirty="0" smtClean="0"/>
+              <a:t>&lt;T&gt; </a:t>
+            </a:r>
+          </a:p>
+          <a:p>
+            <a:pPr marL="914400" lvl="2" indent="0">
+              <a:buNone/>
+            </a:pPr>
+            <a:r>
+              <a:rPr lang="fr-CH" dirty="0" smtClean="0"/>
+              <a:t>résultat d’un calcul asynchrone</a:t>
+            </a:r>
+          </a:p>
+          <a:p>
+            <a:endParaRPr lang="fr-CH" dirty="0" smtClean="0"/>
+          </a:p>
+          <a:p>
+            <a:endParaRPr lang="fr-CH" dirty="0" smtClean="0"/>
+          </a:p>
+          <a:p>
+            <a:endParaRPr lang="fr-CH" dirty="0"/>
+          </a:p>
+        </p:txBody>
+      </p:sp>
+      <p:sp>
+        <p:nvSpPr>
+          <p:cNvPr id="4" name="Espace réservé du numéro de diapositive 3"/>
+          <p:cNvSpPr>
+            <a:spLocks noGrp="1"/>
+          </p:cNvSpPr>
+          <p:nvPr>
+            <p:ph type="sldNum" sz="quarter" idx="12"/>
           </p:nvPr>
         </p:nvSpPr>
         <p:spPr/>
         <p:txBody>
-          <a:bodyPr>
-            <a:normAutofit/>
-          </a:bodyPr>
-          <a:lstStyle/>
-          <a:p>
-            <a:r>
-              <a:rPr lang="fr-CH" sz="2800" dirty="0" smtClean="0"/>
-              <a:t>Outils Usuels:</a:t>
-            </a:r>
-          </a:p>
-          <a:p>
-            <a:pPr lvl="1"/>
-            <a:r>
-              <a:rPr lang="fr-CH" sz="2800" dirty="0" err="1" smtClean="0"/>
-              <a:t>Map</a:t>
-            </a:r>
-            <a:endParaRPr lang="fr-CH" sz="2800" dirty="0" smtClean="0"/>
-          </a:p>
-          <a:p>
-            <a:pPr lvl="1"/>
-            <a:r>
-              <a:rPr lang="fr-CH" sz="2800" dirty="0" err="1" smtClean="0"/>
-              <a:t>mappedReduce</a:t>
-            </a:r>
-            <a:endParaRPr lang="fr-CH" sz="2800" dirty="0" smtClean="0"/>
-          </a:p>
-          <a:p>
-            <a:pPr lvl="1"/>
-            <a:r>
-              <a:rPr lang="fr-CH" sz="2800" dirty="0" err="1" smtClean="0"/>
-              <a:t>QFuture</a:t>
-            </a:r>
-            <a:endParaRPr lang="fr-CH" sz="2800" dirty="0" smtClean="0"/>
-          </a:p>
-          <a:p>
-            <a:pPr lvl="1"/>
-            <a:r>
-              <a:rPr lang="fr-CH" sz="2800" dirty="0" err="1" smtClean="0"/>
-              <a:t>QFutureWatcher</a:t>
-            </a:r>
-            <a:endParaRPr lang="fr-CH" sz="2800" dirty="0" smtClean="0"/>
-          </a:p>
-          <a:p>
-            <a:pPr lvl="1"/>
-            <a:r>
-              <a:rPr lang="fr-CH" sz="2800" dirty="0" err="1" smtClean="0"/>
-              <a:t>QThread</a:t>
-            </a:r>
-            <a:endParaRPr lang="fr-CH" sz="2800" dirty="0" smtClean="0"/>
-          </a:p>
-          <a:p>
-            <a:pPr lvl="1"/>
-            <a:endParaRPr lang="fr-CH" sz="2800" dirty="0"/>
+          <a:bodyPr/>
+          <a:lstStyle/>
+          <a:p>
+            <a:fld id="{D57F1E4F-1CFF-5643-939E-217C01CDF565}" type="slidenum">
+              <a:rPr lang="en-US" smtClean="0"/>
+              <a:pPr/>
+              <a:t>3</a:t>
+            </a:fld>
+            <a:endParaRPr lang="en-US" dirty="0"/>
           </a:p>
         </p:txBody>
       </p:sp>
@@ -6589,6 +8815,13 @@
   <p:clrMapOvr>
     <a:masterClrMapping/>
   </p:clrMapOvr>
+  <p:timing>
+    <p:tnLst>
+      <p:par>
+        <p:cTn id="1" dur="indefinite" restart="never" nodeType="tmRoot"/>
+      </p:par>
+    </p:tnLst>
+  </p:timing>
 </p:sld>
 </file>
 
@@ -6611,7 +8844,7 @@
       </p:grpSpPr>
       <p:sp>
         <p:nvSpPr>
-          <p:cNvPr id="2" name="Title 1"/>
+          <p:cNvPr id="2" name="Titre 1"/>
           <p:cNvSpPr>
             <a:spLocks noGrp="1"/>
           </p:cNvSpPr>
@@ -6621,118 +8854,92 @@
         </p:nvSpPr>
         <p:spPr/>
         <p:txBody>
-          <a:bodyPr>
-            <a:normAutofit/>
-          </a:bodyPr>
-          <a:lstStyle/>
-          <a:p>
-            <a:r>
-              <a:rPr lang="fr-CH" sz="4000" dirty="0" err="1" smtClean="0"/>
-              <a:t>QThread</a:t>
-            </a:r>
-            <a:r>
-              <a:rPr lang="fr-CH" sz="4000" dirty="0" smtClean="0"/>
-              <a:t>: présentation</a:t>
-            </a:r>
-            <a:endParaRPr lang="fr-CH" sz="4000" dirty="0"/>
-          </a:p>
-        </p:txBody>
-      </p:sp>
-      <p:sp>
-        <p:nvSpPr>
-          <p:cNvPr id="3" name="Content Placeholder 2"/>
-          <p:cNvSpPr>
-            <a:spLocks noGrp="1"/>
-          </p:cNvSpPr>
+          <a:bodyPr/>
+          <a:lstStyle/>
+          <a:p>
+            <a:r>
+              <a:rPr lang="en-US" dirty="0" err="1" smtClean="0"/>
+              <a:t>QConcurrent</a:t>
+            </a:r>
+            <a:r>
+              <a:rPr lang="en-US" dirty="0" smtClean="0"/>
+              <a:t>::run() &amp; Future&lt;T&gt; </a:t>
+            </a:r>
+            <a:r>
+              <a:rPr lang="en-US" dirty="0" err="1" smtClean="0"/>
+              <a:t>Exemple</a:t>
+            </a:r>
+            <a:endParaRPr lang="fr-CH" dirty="0"/>
+          </a:p>
+        </p:txBody>
+      </p:sp>
+      <p:pic>
+        <p:nvPicPr>
+          <p:cNvPr id="4" name="Espace réservé du contenu 3"/>
+          <p:cNvPicPr>
+            <a:picLocks noGrp="1" noChangeAspect="1"/>
+          </p:cNvPicPr>
           <p:nvPr>
             <p:ph idx="1"/>
           </p:nvPr>
+        </p:nvPicPr>
+        <p:blipFill>
+          <a:blip r:embed="rId2"/>
+          <a:stretch>
+            <a:fillRect/>
+          </a:stretch>
+        </p:blipFill>
+        <p:spPr>
+          <a:xfrm>
+            <a:off x="2869185" y="2160588"/>
+            <a:ext cx="4213668" cy="3881437"/>
+          </a:xfrm>
+          <a:prstGeom prst="rect">
+            <a:avLst/>
+          </a:prstGeom>
+        </p:spPr>
+      </p:pic>
+      <p:sp>
+        <p:nvSpPr>
+          <p:cNvPr id="5" name="Espace réservé du numéro de diapositive 4"/>
+          <p:cNvSpPr>
+            <a:spLocks noGrp="1"/>
+          </p:cNvSpPr>
+          <p:nvPr>
+            <p:ph type="sldNum" sz="quarter" idx="12"/>
+          </p:nvPr>
         </p:nvSpPr>
         <p:spPr/>
         <p:txBody>
-          <a:bodyPr>
-            <a:normAutofit/>
-          </a:bodyPr>
-          <a:lstStyle/>
-          <a:p>
-            <a:r>
-              <a:rPr lang="fr-CH" sz="2800" dirty="0" smtClean="0"/>
-              <a:t>Indépendant de la plateforme</a:t>
-            </a:r>
-          </a:p>
-          <a:p>
-            <a:r>
-              <a:rPr lang="fr-CH" sz="2800" dirty="0" smtClean="0"/>
-              <a:t>Chaque objet </a:t>
-            </a:r>
-            <a:r>
-              <a:rPr lang="fr-CH" sz="2800" dirty="0" err="1" smtClean="0"/>
-              <a:t>QThread</a:t>
-            </a:r>
-            <a:r>
-              <a:rPr lang="fr-CH" sz="2800" dirty="0" smtClean="0"/>
-              <a:t> gère un unique thread</a:t>
-            </a:r>
-          </a:p>
-          <a:p>
-            <a:r>
-              <a:rPr lang="fr-CH" sz="2800" dirty="0" smtClean="0"/>
-              <a:t>Contient un </a:t>
-            </a:r>
-            <a:r>
-              <a:rPr lang="fr-CH" sz="2800" dirty="0" err="1" smtClean="0"/>
-              <a:t>Qt</a:t>
-            </a:r>
-            <a:r>
-              <a:rPr lang="fr-CH" sz="2800" dirty="0" smtClean="0"/>
-              <a:t> </a:t>
-            </a:r>
-            <a:r>
-              <a:rPr lang="fr-CH" sz="2800" dirty="0" err="1" smtClean="0"/>
-              <a:t>event</a:t>
-            </a:r>
-            <a:r>
-              <a:rPr lang="fr-CH" sz="2800" dirty="0" smtClean="0"/>
-              <a:t> </a:t>
-            </a:r>
-            <a:r>
-              <a:rPr lang="fr-CH" sz="2800" dirty="0" err="1" smtClean="0"/>
-              <a:t>loop</a:t>
-            </a:r>
-            <a:endParaRPr lang="fr-CH" sz="2800" dirty="0" smtClean="0"/>
-          </a:p>
-          <a:p>
-            <a:r>
-              <a:rPr lang="fr-CH" sz="2800" dirty="0" smtClean="0"/>
-              <a:t>Lancé avec </a:t>
-            </a:r>
-            <a:r>
-              <a:rPr lang="fr-CH" sz="2800" dirty="0" err="1" smtClean="0"/>
-              <a:t>run</a:t>
-            </a:r>
-            <a:r>
-              <a:rPr lang="fr-CH" sz="2800" dirty="0" smtClean="0"/>
-              <a:t>()</a:t>
-            </a:r>
-          </a:p>
-          <a:p>
-            <a:r>
-              <a:rPr lang="fr-CH" sz="2800" dirty="0" smtClean="0"/>
-              <a:t>2 méthodes d’implémentation</a:t>
-            </a:r>
+          <a:bodyPr/>
+          <a:lstStyle/>
+          <a:p>
+            <a:fld id="{D57F1E4F-1CFF-5643-939E-217C01CDF565}" type="slidenum">
+              <a:rPr lang="en-US" smtClean="0"/>
+              <a:pPr/>
+              <a:t>4</a:t>
+            </a:fld>
+            <a:endParaRPr lang="en-US" dirty="0"/>
           </a:p>
         </p:txBody>
       </p:sp>
     </p:spTree>
     <p:extLst>
       <p:ext uri="{BB962C8B-B14F-4D97-AF65-F5344CB8AC3E}">
-        <p14:creationId xmlns:p14="http://schemas.microsoft.com/office/powerpoint/2010/main" val="2228199574"/>
+        <p14:creationId xmlns:p14="http://schemas.microsoft.com/office/powerpoint/2010/main" val="1709247729"/>
       </p:ext>
     </p:extLst>
   </p:cSld>
   <p:clrMapOvr>
     <a:masterClrMapping/>
   </p:clrMapOvr>
+  <p:timing>
+    <p:tnLst>
+      <p:par>
+        <p:cTn id="1" dur="indefinite" restart="never" nodeType="tmRoot"/>
+      </p:par>
+    </p:tnLst>
+  </p:timing>
 </p:sld>
 </file>
 
@@ -6763,12 +8970,7 @@
             <p:ph type="title"/>
           </p:nvPr>
         </p:nvSpPr>
-        <p:spPr>
-          <a:xfrm>
-            <a:off x="677334" y="609600"/>
-            <a:ext cx="8771466" cy="1320800"/>
-          </a:xfrm>
-        </p:spPr>
+        <p:spPr/>
         <p:txBody>
           <a:bodyPr>
             <a:normAutofit/>
@@ -6776,16 +8978,12 @@
           <a:lstStyle/>
           <a:p>
             <a:r>
-              <a:rPr lang="fr-CH" sz="4000" dirty="0" err="1"/>
+              <a:rPr lang="fr-CH" sz="4000" dirty="0" err="1" smtClean="0"/>
               <a:t>QThread</a:t>
             </a:r>
             <a:r>
-              <a:rPr lang="fr-CH" sz="4000" dirty="0"/>
-              <a:t>: Implémentation Méthode </a:t>
-            </a:r>
-            <a:r>
               <a:rPr lang="fr-CH" sz="4000" dirty="0" smtClean="0"/>
-              <a:t>1</a:t>
+              <a:t>: présentation</a:t>
             </a:r>
             <a:endParaRPr lang="fr-CH" sz="4000" dirty="0"/>
           </a:p>
@@ -6810,32 +9008,113 @@
           <a:p>
             <a:r>
               <a:rPr lang="fr-CH" sz="2800" dirty="0" smtClean="0"/>
-              <a:t>Un objet qui contient le code à effectuer dans un thread</a:t>
+              <a:t>Indépendant de la plateforme</a:t>
             </a:r>
           </a:p>
           <a:p>
             <a:r>
               <a:rPr lang="fr-CH" sz="2800" dirty="0" smtClean="0"/>
-              <a:t>Cet objet est instancié puis déplacé dans un objet </a:t>
+              <a:t>Chaque objet </a:t>
             </a:r>
             <a:r>
               <a:rPr lang="fr-CH" sz="2800" dirty="0" err="1" smtClean="0"/>
               <a:t>QThread</a:t>
             </a:r>
-            <a:endParaRPr lang="fr-CH" sz="2800" dirty="0"/>
+            <a:r>
+              <a:rPr lang="fr-CH" sz="2800" dirty="0" smtClean="0"/>
+              <a:t> gère un unique thread</a:t>
+            </a:r>
+          </a:p>
+          <a:p>
+            <a:r>
+              <a:rPr lang="fr-CH" sz="2800" dirty="0" smtClean="0"/>
+              <a:t>Contient un </a:t>
+            </a:r>
+            <a:r>
+              <a:rPr lang="fr-CH" sz="2800" dirty="0" err="1" smtClean="0"/>
+              <a:t>Qt</a:t>
+            </a:r>
+            <a:r>
+              <a:rPr lang="fr-CH" sz="2800" dirty="0" smtClean="0"/>
+              <a:t> </a:t>
+            </a:r>
+            <a:r>
+              <a:rPr lang="fr-CH" sz="2800" dirty="0" err="1" smtClean="0"/>
+              <a:t>event</a:t>
+            </a:r>
+            <a:r>
+              <a:rPr lang="fr-CH" sz="2800" dirty="0" smtClean="0"/>
+              <a:t> </a:t>
+            </a:r>
+            <a:r>
+              <a:rPr lang="fr-CH" sz="2800" dirty="0" err="1" smtClean="0"/>
+              <a:t>loop</a:t>
+            </a:r>
+            <a:endParaRPr lang="fr-CH" sz="2800" dirty="0" smtClean="0"/>
+          </a:p>
+          <a:p>
+            <a:r>
+              <a:rPr lang="fr-CH" sz="2800" dirty="0" smtClean="0"/>
+              <a:t>Lancé avec </a:t>
+            </a:r>
+            <a:r>
+              <a:rPr lang="fr-CH" sz="2800" dirty="0" err="1" smtClean="0"/>
+              <a:t>run</a:t>
+            </a:r>
+            <a:r>
+              <a:rPr lang="fr-CH" sz="2800" dirty="0" smtClean="0"/>
+              <a:t>()</a:t>
+            </a:r>
+          </a:p>
+          <a:p>
+            <a:r>
+              <a:rPr lang="fr-CH" sz="2800" dirty="0" smtClean="0"/>
+              <a:t>2 méthodes d’implémentation</a:t>
+            </a:r>
+          </a:p>
+        </p:txBody>
+      </p:sp>
+      <p:sp>
+        <p:nvSpPr>
+          <p:cNvPr id="4" name="Espace réservé du numéro de diapositive 3"/>
+          <p:cNvSpPr>
+            <a:spLocks noGrp="1"/>
+          </p:cNvSpPr>
+          <p:nvPr>
+            <p:ph type="sldNum" sz="quarter" idx="12"/>
+          </p:nvPr>
+        </p:nvSpPr>
+        <p:spPr/>
+        <p:txBody>
+          <a:bodyPr/>
+          <a:lstStyle/>
+          <a:p>
+            <a:fld id="{D57F1E4F-1CFF-5643-939E-217C01CDF565}" type="slidenum">
+              <a:rPr lang="en-US" smtClean="0"/>
+              <a:pPr/>
+              <a:t>5</a:t>
+            </a:fld>
+            <a:endParaRPr lang="en-US" dirty="0"/>
           </a:p>
         </p:txBody>
       </p:sp>
     </p:spTree>
     <p:extLst>
       <p:ext uri="{BB962C8B-B14F-4D97-AF65-F5344CB8AC3E}">
-        <p14:creationId xmlns:p14="http://schemas.microsoft.com/office/powerpoint/2010/main" val="383313939"/>
+        <p14:creationId xmlns:p14="http://schemas.microsoft.com/office/powerpoint/2010/main" val="2228199574"/>
       </p:ext>
     </p:extLst>
   </p:cSld>
   <p:clrMapOvr>
     <a:masterClrMapping/>
   </p:clrMapOvr>
+  <p:timing>
+    <p:tnLst>
+      <p:par>
+        <p:cTn id="1" dur="indefinite" restart="never" nodeType="tmRoot"/>
+      </p:par>
+    </p:tnLst>
+  </p:timing>
 </p:sld>
 </file>
 
@@ -6868,8 +9147,8 @@
         </p:nvSpPr>
         <p:spPr>
           <a:xfrm>
-            <a:off x="677333" y="609600"/>
-            <a:ext cx="8722039" cy="1320800"/>
+            <a:off x="677334" y="609600"/>
+            <a:ext cx="8771466" cy="1320800"/>
           </a:xfrm>
         </p:spPr>
         <p:txBody>
@@ -6879,12 +9158,16 @@
           <a:lstStyle/>
           <a:p>
             <a:r>
-              <a:rPr lang="fr-CH" sz="4000" dirty="0" err="1" smtClean="0"/>
+              <a:rPr lang="fr-CH" sz="4000" dirty="0" err="1"/>
               <a:t>QThread</a:t>
             </a:r>
             <a:r>
+              <a:rPr lang="fr-CH" sz="4000" dirty="0"/>
+              <a:t>: Implémentation Méthode </a:t>
+            </a:r>
+            <a:r>
               <a:rPr lang="fr-CH" sz="4000" dirty="0" smtClean="0"/>
-              <a:t>: Implémentation Méthode 1</a:t>
+              <a:t>1</a:t>
             </a:r>
             <a:endParaRPr lang="fr-CH" sz="4000" dirty="0"/>
           </a:p>
@@ -6900,503 +9183,72 @@
             <p:ph idx="1"/>
           </p:nvPr>
         </p:nvSpPr>
-        <p:spPr>
-          <a:xfrm>
-            <a:off x="677333" y="1485086"/>
-            <a:ext cx="8596668" cy="5228752"/>
-          </a:xfrm>
-        </p:spPr>
+        <p:spPr/>
         <p:txBody>
           <a:bodyPr>
-            <a:noAutofit/>
+            <a:normAutofit/>
           </a:bodyPr>
           <a:lstStyle/>
           <a:p>
-            <a:pPr marL="0" indent="0">
-              <a:buNone/>
-            </a:pPr>
-            <a:r>
-              <a:rPr lang="fr-CH" sz="1600" dirty="0">
-                <a:latin typeface="Courier New" panose="02070309020205020404" pitchFamily="49" charset="0"/>
-                <a:cs typeface="Courier New" panose="02070309020205020404" pitchFamily="49" charset="0"/>
-              </a:rPr>
-              <a:t>class </a:t>
-            </a:r>
-            <a:r>
-              <a:rPr lang="fr-CH" sz="1600" dirty="0" err="1">
-                <a:latin typeface="Courier New" panose="02070309020205020404" pitchFamily="49" charset="0"/>
-                <a:cs typeface="Courier New" panose="02070309020205020404" pitchFamily="49" charset="0"/>
-              </a:rPr>
-              <a:t>Worker</a:t>
-            </a:r>
-            <a:r>
-              <a:rPr lang="fr-CH" sz="1600" dirty="0">
-                <a:latin typeface="Courier New" panose="02070309020205020404" pitchFamily="49" charset="0"/>
-                <a:cs typeface="Courier New" panose="02070309020205020404" pitchFamily="49" charset="0"/>
-              </a:rPr>
-              <a:t> : public </a:t>
-            </a:r>
-            <a:r>
-              <a:rPr lang="fr-CH" sz="1600" dirty="0" err="1">
-                <a:latin typeface="Courier New" panose="02070309020205020404" pitchFamily="49" charset="0"/>
-                <a:cs typeface="Courier New" panose="02070309020205020404" pitchFamily="49" charset="0"/>
-              </a:rPr>
-              <a:t>QObject</a:t>
-            </a:r>
-            <a:endParaRPr lang="fr-CH" sz="1600" dirty="0">
-              <a:latin typeface="Courier New" panose="02070309020205020404" pitchFamily="49" charset="0"/>
-              <a:cs typeface="Courier New" panose="02070309020205020404" pitchFamily="49" charset="0"/>
-            </a:endParaRPr>
-          </a:p>
-          <a:p>
-            <a:pPr marL="0" indent="0">
-              <a:buNone/>
-            </a:pPr>
-            <a:r>
-              <a:rPr lang="fr-CH" sz="1600" dirty="0">
-                <a:latin typeface="Courier New" panose="02070309020205020404" pitchFamily="49" charset="0"/>
-                <a:cs typeface="Courier New" panose="02070309020205020404" pitchFamily="49" charset="0"/>
-              </a:rPr>
-              <a:t>{</a:t>
-            </a:r>
-          </a:p>
-          <a:p>
-            <a:pPr marL="0" indent="0">
-              <a:buNone/>
-            </a:pPr>
-            <a:r>
-              <a:rPr lang="fr-CH" sz="1600" dirty="0">
-                <a:latin typeface="Courier New" panose="02070309020205020404" pitchFamily="49" charset="0"/>
-                <a:cs typeface="Courier New" panose="02070309020205020404" pitchFamily="49" charset="0"/>
-              </a:rPr>
-              <a:t>    Q_OBJECT</a:t>
-            </a:r>
-          </a:p>
-          <a:p>
-            <a:pPr marL="0" indent="0">
-              <a:buNone/>
-            </a:pPr>
-            <a:endParaRPr lang="fr-CH" sz="1600" dirty="0">
-              <a:latin typeface="Courier New" panose="02070309020205020404" pitchFamily="49" charset="0"/>
-              <a:cs typeface="Courier New" panose="02070309020205020404" pitchFamily="49" charset="0"/>
-            </a:endParaRPr>
-          </a:p>
-          <a:p>
-            <a:pPr marL="0" indent="0">
-              <a:buNone/>
-            </a:pPr>
-            <a:r>
-              <a:rPr lang="fr-CH" sz="1600" dirty="0">
-                <a:latin typeface="Courier New" panose="02070309020205020404" pitchFamily="49" charset="0"/>
-                <a:cs typeface="Courier New" panose="02070309020205020404" pitchFamily="49" charset="0"/>
-              </a:rPr>
-              <a:t>public slots:</a:t>
-            </a:r>
-          </a:p>
-          <a:p>
-            <a:pPr marL="0" indent="0">
-              <a:buNone/>
-            </a:pPr>
-            <a:r>
-              <a:rPr lang="fr-CH" sz="1600" dirty="0">
-                <a:latin typeface="Courier New" panose="02070309020205020404" pitchFamily="49" charset="0"/>
-                <a:cs typeface="Courier New" panose="02070309020205020404" pitchFamily="49" charset="0"/>
-              </a:rPr>
-              <a:t>    </a:t>
-            </a:r>
-            <a:r>
-              <a:rPr lang="fr-CH" sz="1600" dirty="0" err="1">
-                <a:latin typeface="Courier New" panose="02070309020205020404" pitchFamily="49" charset="0"/>
-                <a:cs typeface="Courier New" panose="02070309020205020404" pitchFamily="49" charset="0"/>
-              </a:rPr>
-              <a:t>void</a:t>
-            </a:r>
-            <a:r>
-              <a:rPr lang="fr-CH" sz="1600" dirty="0">
-                <a:latin typeface="Courier New" panose="02070309020205020404" pitchFamily="49" charset="0"/>
-                <a:cs typeface="Courier New" panose="02070309020205020404" pitchFamily="49" charset="0"/>
-              </a:rPr>
-              <a:t> </a:t>
-            </a:r>
-            <a:r>
-              <a:rPr lang="fr-CH" sz="1600" dirty="0" err="1">
-                <a:latin typeface="Courier New" panose="02070309020205020404" pitchFamily="49" charset="0"/>
-                <a:cs typeface="Courier New" panose="02070309020205020404" pitchFamily="49" charset="0"/>
-              </a:rPr>
-              <a:t>doWork</a:t>
-            </a:r>
-            <a:r>
-              <a:rPr lang="fr-CH" sz="1600" dirty="0">
-                <a:latin typeface="Courier New" panose="02070309020205020404" pitchFamily="49" charset="0"/>
-                <a:cs typeface="Courier New" panose="02070309020205020404" pitchFamily="49" charset="0"/>
-              </a:rPr>
-              <a:t>(</a:t>
-            </a:r>
-            <a:r>
-              <a:rPr lang="fr-CH" sz="1600" dirty="0" err="1">
-                <a:latin typeface="Courier New" panose="02070309020205020404" pitchFamily="49" charset="0"/>
-                <a:cs typeface="Courier New" panose="02070309020205020404" pitchFamily="49" charset="0"/>
-              </a:rPr>
-              <a:t>const</a:t>
-            </a:r>
-            <a:r>
-              <a:rPr lang="fr-CH" sz="1600" dirty="0">
-                <a:latin typeface="Courier New" panose="02070309020205020404" pitchFamily="49" charset="0"/>
-                <a:cs typeface="Courier New" panose="02070309020205020404" pitchFamily="49" charset="0"/>
-              </a:rPr>
-              <a:t> </a:t>
-            </a:r>
-            <a:r>
-              <a:rPr lang="fr-CH" sz="1600" dirty="0" err="1">
-                <a:latin typeface="Courier New" panose="02070309020205020404" pitchFamily="49" charset="0"/>
-                <a:cs typeface="Courier New" panose="02070309020205020404" pitchFamily="49" charset="0"/>
-              </a:rPr>
-              <a:t>QString</a:t>
-            </a:r>
-            <a:r>
-              <a:rPr lang="fr-CH" sz="1600" dirty="0">
-                <a:latin typeface="Courier New" panose="02070309020205020404" pitchFamily="49" charset="0"/>
-                <a:cs typeface="Courier New" panose="02070309020205020404" pitchFamily="49" charset="0"/>
-              </a:rPr>
-              <a:t> &amp;</a:t>
-            </a:r>
-            <a:r>
-              <a:rPr lang="fr-CH" sz="1600" dirty="0" err="1">
-                <a:latin typeface="Courier New" panose="02070309020205020404" pitchFamily="49" charset="0"/>
-                <a:cs typeface="Courier New" panose="02070309020205020404" pitchFamily="49" charset="0"/>
-              </a:rPr>
-              <a:t>parameter</a:t>
-            </a:r>
-            <a:r>
-              <a:rPr lang="fr-CH" sz="1600" dirty="0">
-                <a:latin typeface="Courier New" panose="02070309020205020404" pitchFamily="49" charset="0"/>
-                <a:cs typeface="Courier New" panose="02070309020205020404" pitchFamily="49" charset="0"/>
-              </a:rPr>
-              <a:t>) {</a:t>
-            </a:r>
-          </a:p>
-          <a:p>
-            <a:pPr marL="0" indent="0">
-              <a:buNone/>
-            </a:pPr>
-            <a:r>
-              <a:rPr lang="fr-CH" sz="1600" dirty="0">
-                <a:latin typeface="Courier New" panose="02070309020205020404" pitchFamily="49" charset="0"/>
-                <a:cs typeface="Courier New" panose="02070309020205020404" pitchFamily="49" charset="0"/>
-              </a:rPr>
-              <a:t>        </a:t>
-            </a:r>
-            <a:r>
-              <a:rPr lang="fr-CH" sz="1600" dirty="0" err="1">
-                <a:latin typeface="Courier New" panose="02070309020205020404" pitchFamily="49" charset="0"/>
-                <a:cs typeface="Courier New" panose="02070309020205020404" pitchFamily="49" charset="0"/>
-              </a:rPr>
-              <a:t>QString</a:t>
-            </a:r>
-            <a:r>
-              <a:rPr lang="fr-CH" sz="1600" dirty="0">
-                <a:latin typeface="Courier New" panose="02070309020205020404" pitchFamily="49" charset="0"/>
-                <a:cs typeface="Courier New" panose="02070309020205020404" pitchFamily="49" charset="0"/>
-              </a:rPr>
-              <a:t> </a:t>
-            </a:r>
-            <a:r>
-              <a:rPr lang="fr-CH" sz="1600" dirty="0" err="1">
-                <a:latin typeface="Courier New" panose="02070309020205020404" pitchFamily="49" charset="0"/>
-                <a:cs typeface="Courier New" panose="02070309020205020404" pitchFamily="49" charset="0"/>
-              </a:rPr>
-              <a:t>result</a:t>
-            </a:r>
-            <a:r>
-              <a:rPr lang="fr-CH" sz="1600" dirty="0">
-                <a:latin typeface="Courier New" panose="02070309020205020404" pitchFamily="49" charset="0"/>
-                <a:cs typeface="Courier New" panose="02070309020205020404" pitchFamily="49" charset="0"/>
-              </a:rPr>
-              <a:t>;</a:t>
-            </a:r>
-          </a:p>
-          <a:p>
-            <a:pPr marL="0" indent="0">
-              <a:buNone/>
-            </a:pPr>
-            <a:r>
-              <a:rPr lang="fr-CH" sz="1600" dirty="0">
-                <a:latin typeface="Courier New" panose="02070309020205020404" pitchFamily="49" charset="0"/>
-                <a:cs typeface="Courier New" panose="02070309020205020404" pitchFamily="49" charset="0"/>
-              </a:rPr>
-              <a:t>        /* ... </a:t>
-            </a:r>
-            <a:r>
-              <a:rPr lang="fr-CH" sz="1600" dirty="0" err="1">
-                <a:latin typeface="Courier New" panose="02070309020205020404" pitchFamily="49" charset="0"/>
-                <a:cs typeface="Courier New" panose="02070309020205020404" pitchFamily="49" charset="0"/>
-              </a:rPr>
-              <a:t>here</a:t>
-            </a:r>
-            <a:r>
-              <a:rPr lang="fr-CH" sz="1600" dirty="0">
-                <a:latin typeface="Courier New" panose="02070309020205020404" pitchFamily="49" charset="0"/>
-                <a:cs typeface="Courier New" panose="02070309020205020404" pitchFamily="49" charset="0"/>
-              </a:rPr>
-              <a:t> </a:t>
-            </a:r>
-            <a:r>
-              <a:rPr lang="fr-CH" sz="1600" dirty="0" err="1">
-                <a:latin typeface="Courier New" panose="02070309020205020404" pitchFamily="49" charset="0"/>
-                <a:cs typeface="Courier New" panose="02070309020205020404" pitchFamily="49" charset="0"/>
-              </a:rPr>
-              <a:t>is</a:t>
-            </a:r>
-            <a:r>
-              <a:rPr lang="fr-CH" sz="1600" dirty="0">
-                <a:latin typeface="Courier New" panose="02070309020205020404" pitchFamily="49" charset="0"/>
-                <a:cs typeface="Courier New" panose="02070309020205020404" pitchFamily="49" charset="0"/>
-              </a:rPr>
-              <a:t> the </a:t>
-            </a:r>
-            <a:r>
-              <a:rPr lang="fr-CH" sz="1600" dirty="0" err="1">
-                <a:latin typeface="Courier New" panose="02070309020205020404" pitchFamily="49" charset="0"/>
-                <a:cs typeface="Courier New" panose="02070309020205020404" pitchFamily="49" charset="0"/>
-              </a:rPr>
-              <a:t>expensive</a:t>
-            </a:r>
-            <a:r>
-              <a:rPr lang="fr-CH" sz="1600" dirty="0">
-                <a:latin typeface="Courier New" panose="02070309020205020404" pitchFamily="49" charset="0"/>
-                <a:cs typeface="Courier New" panose="02070309020205020404" pitchFamily="49" charset="0"/>
-              </a:rPr>
-              <a:t> or </a:t>
-            </a:r>
-            <a:r>
-              <a:rPr lang="fr-CH" sz="1600" dirty="0" err="1">
-                <a:latin typeface="Courier New" panose="02070309020205020404" pitchFamily="49" charset="0"/>
-                <a:cs typeface="Courier New" panose="02070309020205020404" pitchFamily="49" charset="0"/>
-              </a:rPr>
-              <a:t>blocking</a:t>
-            </a:r>
-            <a:r>
-              <a:rPr lang="fr-CH" sz="1600" dirty="0">
-                <a:latin typeface="Courier New" panose="02070309020205020404" pitchFamily="49" charset="0"/>
-                <a:cs typeface="Courier New" panose="02070309020205020404" pitchFamily="49" charset="0"/>
-              </a:rPr>
-              <a:t> </a:t>
-            </a:r>
-            <a:r>
-              <a:rPr lang="fr-CH" sz="1600" dirty="0" err="1">
-                <a:latin typeface="Courier New" panose="02070309020205020404" pitchFamily="49" charset="0"/>
-                <a:cs typeface="Courier New" panose="02070309020205020404" pitchFamily="49" charset="0"/>
-              </a:rPr>
-              <a:t>operation</a:t>
-            </a:r>
-            <a:r>
-              <a:rPr lang="fr-CH" sz="1600" dirty="0">
-                <a:latin typeface="Courier New" panose="02070309020205020404" pitchFamily="49" charset="0"/>
-                <a:cs typeface="Courier New" panose="02070309020205020404" pitchFamily="49" charset="0"/>
-              </a:rPr>
-              <a:t> ... */</a:t>
-            </a:r>
-          </a:p>
-          <a:p>
-            <a:pPr marL="0" indent="0">
-              <a:buNone/>
-            </a:pPr>
-            <a:r>
-              <a:rPr lang="fr-CH" sz="1600" dirty="0">
-                <a:latin typeface="Courier New" panose="02070309020205020404" pitchFamily="49" charset="0"/>
-                <a:cs typeface="Courier New" panose="02070309020205020404" pitchFamily="49" charset="0"/>
-              </a:rPr>
-              <a:t>        </a:t>
-            </a:r>
-            <a:r>
-              <a:rPr lang="fr-CH" sz="1600" dirty="0" err="1">
-                <a:latin typeface="Courier New" panose="02070309020205020404" pitchFamily="49" charset="0"/>
-                <a:cs typeface="Courier New" panose="02070309020205020404" pitchFamily="49" charset="0"/>
-              </a:rPr>
-              <a:t>emit</a:t>
-            </a:r>
-            <a:r>
-              <a:rPr lang="fr-CH" sz="1600" dirty="0">
-                <a:latin typeface="Courier New" panose="02070309020205020404" pitchFamily="49" charset="0"/>
-                <a:cs typeface="Courier New" panose="02070309020205020404" pitchFamily="49" charset="0"/>
-              </a:rPr>
-              <a:t> </a:t>
-            </a:r>
-            <a:r>
-              <a:rPr lang="fr-CH" sz="1600" dirty="0" err="1">
-                <a:latin typeface="Courier New" panose="02070309020205020404" pitchFamily="49" charset="0"/>
-                <a:cs typeface="Courier New" panose="02070309020205020404" pitchFamily="49" charset="0"/>
-              </a:rPr>
-              <a:t>resultReady</a:t>
-            </a:r>
-            <a:r>
-              <a:rPr lang="fr-CH" sz="1600" dirty="0">
-                <a:latin typeface="Courier New" panose="02070309020205020404" pitchFamily="49" charset="0"/>
-                <a:cs typeface="Courier New" panose="02070309020205020404" pitchFamily="49" charset="0"/>
-              </a:rPr>
-              <a:t>(</a:t>
-            </a:r>
-            <a:r>
-              <a:rPr lang="fr-CH" sz="1600" dirty="0" err="1">
-                <a:latin typeface="Courier New" panose="02070309020205020404" pitchFamily="49" charset="0"/>
-                <a:cs typeface="Courier New" panose="02070309020205020404" pitchFamily="49" charset="0"/>
-              </a:rPr>
-              <a:t>result</a:t>
-            </a:r>
-            <a:r>
-              <a:rPr lang="fr-CH" sz="1600" dirty="0">
-                <a:latin typeface="Courier New" panose="02070309020205020404" pitchFamily="49" charset="0"/>
-                <a:cs typeface="Courier New" panose="02070309020205020404" pitchFamily="49" charset="0"/>
-              </a:rPr>
-              <a:t>);</a:t>
-            </a:r>
-          </a:p>
-          <a:p>
-            <a:pPr marL="0" indent="0">
-              <a:buNone/>
-            </a:pPr>
-            <a:r>
-              <a:rPr lang="fr-CH" sz="1600" dirty="0">
-                <a:latin typeface="Courier New" panose="02070309020205020404" pitchFamily="49" charset="0"/>
-                <a:cs typeface="Courier New" panose="02070309020205020404" pitchFamily="49" charset="0"/>
-              </a:rPr>
-              <a:t>    }</a:t>
-            </a:r>
-          </a:p>
-          <a:p>
-            <a:pPr marL="0" indent="0">
-              <a:buNone/>
-            </a:pPr>
-            <a:endParaRPr lang="fr-CH" sz="1600" dirty="0">
-              <a:latin typeface="Courier New" panose="02070309020205020404" pitchFamily="49" charset="0"/>
-              <a:cs typeface="Courier New" panose="02070309020205020404" pitchFamily="49" charset="0"/>
-            </a:endParaRPr>
-          </a:p>
-          <a:p>
-            <a:pPr marL="0" indent="0">
-              <a:buNone/>
-            </a:pPr>
-            <a:r>
-              <a:rPr lang="fr-CH" sz="1600" dirty="0" err="1">
-                <a:latin typeface="Courier New" panose="02070309020205020404" pitchFamily="49" charset="0"/>
-                <a:cs typeface="Courier New" panose="02070309020205020404" pitchFamily="49" charset="0"/>
-              </a:rPr>
-              <a:t>signals</a:t>
-            </a:r>
-            <a:r>
-              <a:rPr lang="fr-CH" sz="1600" dirty="0">
-                <a:latin typeface="Courier New" panose="02070309020205020404" pitchFamily="49" charset="0"/>
-                <a:cs typeface="Courier New" panose="02070309020205020404" pitchFamily="49" charset="0"/>
-              </a:rPr>
-              <a:t>:</a:t>
-            </a:r>
-          </a:p>
-          <a:p>
-            <a:pPr marL="0" indent="0">
-              <a:buNone/>
-            </a:pPr>
-            <a:r>
-              <a:rPr lang="fr-CH" sz="1600" dirty="0">
-                <a:latin typeface="Courier New" panose="02070309020205020404" pitchFamily="49" charset="0"/>
-                <a:cs typeface="Courier New" panose="02070309020205020404" pitchFamily="49" charset="0"/>
-              </a:rPr>
-              <a:t>    </a:t>
-            </a:r>
-            <a:r>
-              <a:rPr lang="fr-CH" sz="1600" dirty="0" err="1">
-                <a:latin typeface="Courier New" panose="02070309020205020404" pitchFamily="49" charset="0"/>
-                <a:cs typeface="Courier New" panose="02070309020205020404" pitchFamily="49" charset="0"/>
-              </a:rPr>
-              <a:t>void</a:t>
-            </a:r>
-            <a:r>
-              <a:rPr lang="fr-CH" sz="1600" dirty="0">
-                <a:latin typeface="Courier New" panose="02070309020205020404" pitchFamily="49" charset="0"/>
-                <a:cs typeface="Courier New" panose="02070309020205020404" pitchFamily="49" charset="0"/>
-              </a:rPr>
-              <a:t> </a:t>
-            </a:r>
-            <a:r>
-              <a:rPr lang="fr-CH" sz="1600" dirty="0" err="1">
-                <a:latin typeface="Courier New" panose="02070309020205020404" pitchFamily="49" charset="0"/>
-                <a:cs typeface="Courier New" panose="02070309020205020404" pitchFamily="49" charset="0"/>
-              </a:rPr>
-              <a:t>resultReady</a:t>
-            </a:r>
-            <a:r>
-              <a:rPr lang="fr-CH" sz="1600" dirty="0">
-                <a:latin typeface="Courier New" panose="02070309020205020404" pitchFamily="49" charset="0"/>
-                <a:cs typeface="Courier New" panose="02070309020205020404" pitchFamily="49" charset="0"/>
-              </a:rPr>
-              <a:t>(</a:t>
-            </a:r>
-            <a:r>
-              <a:rPr lang="fr-CH" sz="1600" dirty="0" err="1">
-                <a:latin typeface="Courier New" panose="02070309020205020404" pitchFamily="49" charset="0"/>
-                <a:cs typeface="Courier New" panose="02070309020205020404" pitchFamily="49" charset="0"/>
-              </a:rPr>
-              <a:t>const</a:t>
-            </a:r>
-            <a:r>
-              <a:rPr lang="fr-CH" sz="1600" dirty="0">
-                <a:latin typeface="Courier New" panose="02070309020205020404" pitchFamily="49" charset="0"/>
-                <a:cs typeface="Courier New" panose="02070309020205020404" pitchFamily="49" charset="0"/>
-              </a:rPr>
-              <a:t> </a:t>
-            </a:r>
-            <a:r>
-              <a:rPr lang="fr-CH" sz="1600" dirty="0" err="1">
-                <a:latin typeface="Courier New" panose="02070309020205020404" pitchFamily="49" charset="0"/>
-                <a:cs typeface="Courier New" panose="02070309020205020404" pitchFamily="49" charset="0"/>
-              </a:rPr>
-              <a:t>QString</a:t>
-            </a:r>
-            <a:r>
-              <a:rPr lang="fr-CH" sz="1600" dirty="0">
-                <a:latin typeface="Courier New" panose="02070309020205020404" pitchFamily="49" charset="0"/>
-                <a:cs typeface="Courier New" panose="02070309020205020404" pitchFamily="49" charset="0"/>
-              </a:rPr>
-              <a:t> &amp;</a:t>
-            </a:r>
-            <a:r>
-              <a:rPr lang="fr-CH" sz="1600" dirty="0" err="1">
-                <a:latin typeface="Courier New" panose="02070309020205020404" pitchFamily="49" charset="0"/>
-                <a:cs typeface="Courier New" panose="02070309020205020404" pitchFamily="49" charset="0"/>
-              </a:rPr>
-              <a:t>result</a:t>
-            </a:r>
-            <a:r>
-              <a:rPr lang="fr-CH" sz="1600" dirty="0">
-                <a:latin typeface="Courier New" panose="02070309020205020404" pitchFamily="49" charset="0"/>
-                <a:cs typeface="Courier New" panose="02070309020205020404" pitchFamily="49" charset="0"/>
-              </a:rPr>
-              <a:t>);</a:t>
-            </a:r>
-          </a:p>
-          <a:p>
-            <a:pPr marL="0" indent="0">
-              <a:buNone/>
-            </a:pPr>
-            <a:r>
-              <a:rPr lang="fr-CH" sz="1600" dirty="0">
-                <a:latin typeface="Courier New" panose="02070309020205020404" pitchFamily="49" charset="0"/>
-                <a:cs typeface="Courier New" panose="02070309020205020404" pitchFamily="49" charset="0"/>
-              </a:rPr>
-              <a:t>};</a:t>
-            </a:r>
+            <a:r>
+              <a:rPr lang="fr-CH" sz="2800" dirty="0" smtClean="0"/>
+              <a:t>Un objet qui contient le code à effectuer dans un thread</a:t>
+            </a:r>
+          </a:p>
+          <a:p>
+            <a:r>
+              <a:rPr lang="fr-CH" sz="2800" dirty="0" smtClean="0"/>
+              <a:t>Cet objet est instancié puis déplacé dans un objet </a:t>
+            </a:r>
+            <a:r>
+              <a:rPr lang="fr-CH" sz="2800" dirty="0" err="1" smtClean="0"/>
+              <a:t>QThread</a:t>
+            </a:r>
+            <a:endParaRPr lang="fr-CH" sz="2800" dirty="0"/>
+          </a:p>
+        </p:txBody>
+      </p:sp>
+      <p:sp>
+        <p:nvSpPr>
+          <p:cNvPr id="4" name="Espace réservé du numéro de diapositive 3"/>
+          <p:cNvSpPr>
+            <a:spLocks noGrp="1"/>
+          </p:cNvSpPr>
+          <p:nvPr>
+            <p:ph type="sldNum" sz="quarter" idx="12"/>
+          </p:nvPr>
+        </p:nvSpPr>
+        <p:spPr/>
+        <p:txBody>
+          <a:bodyPr/>
+          <a:lstStyle/>
+          <a:p>
+            <a:fld id="{D57F1E4F-1CFF-5643-939E-217C01CDF565}" type="slidenum">
+              <a:rPr lang="en-US" smtClean="0"/>
+              <a:pPr/>
+              <a:t>6</a:t>
+            </a:fld>
+            <a:endParaRPr lang="en-US" dirty="0"/>
           </a:p>
         </p:txBody>
       </p:sp>
     </p:spTree>
     <p:extLst>
       <p:ext uri="{BB962C8B-B14F-4D97-AF65-F5344CB8AC3E}">
-        <p14:creationId xmlns:p14="http://schemas.microsoft.com/office/powerpoint/2010/main" val="2231396815"/>
+        <p14:creationId xmlns:p14="http://schemas.microsoft.com/office/powerpoint/2010/main" val="383313939"/>
       </p:ext>
     </p:extLst>
   </p:cSld>
   <p:clrMapOvr>
     <a:masterClrMapping/>
   </p:clrMapOvr>
+  <p:timing>
+    <p:tnLst>
+      <p:par>
+        <p:cTn id="1" dur="indefinite" restart="never" nodeType="tmRoot"/>
+      </p:par>
+    </p:tnLst>
+  </p:timing>
 </p:sld>
 </file>
 
@@ -7464,7 +9316,7 @@
         <p:spPr>
           <a:xfrm>
             <a:off x="677333" y="1485086"/>
-            <a:ext cx="10031856" cy="5228752"/>
+            <a:ext cx="8596668" cy="5228752"/>
           </a:xfrm>
         </p:spPr>
         <p:txBody>
@@ -7477,20 +9329,34 @@
               <a:buNone/>
             </a:pPr>
             <a:r>
-              <a:rPr lang="en-US" sz="1200" dirty="0">
-                <a:latin typeface="Courier New" panose="02070309020205020404" pitchFamily="49" charset="0"/>
-                <a:cs typeface="Courier New" panose="02070309020205020404" pitchFamily="49" charset="0"/>
-              </a:rPr>
-              <a:t>class Controller : public </a:t>
-            </a:r>
-            <a:r>
-              <a:rPr lang="en-US" sz="1200" dirty="0" err="1">
+              <a:rPr lang="fr-CH" sz="1600" dirty="0">
+                <a:latin typeface="Courier New" panose="02070309020205020404" pitchFamily="49" charset="0"/>
+                <a:cs typeface="Courier New" panose="02070309020205020404" pitchFamily="49" charset="0"/>
+              </a:rPr>
+              <a:t>class </a:t>
+            </a:r>
+            <a:r>
+              <a:rPr lang="fr-CH" sz="1600" dirty="0" err="1">
+                <a:latin typeface="Courier New" panose="02070309020205020404" pitchFamily="49" charset="0"/>
+                <a:cs typeface="Courier New" panose="02070309020205020404" pitchFamily="49" charset="0"/>
+              </a:rPr>
+              <a:t>Worker</a:t>
+            </a:r>
+            <a:r>
+              <a:rPr lang="fr-CH" sz="1600" dirty="0">
+                <a:latin typeface="Courier New" panose="02070309020205020404" pitchFamily="49" charset="0"/>
+                <a:cs typeface="Courier New" panose="02070309020205020404" pitchFamily="49" charset="0"/>
+              </a:rPr>
+              <a:t> : public </a:t>
+            </a:r>
+            <a:r>
+              <a:rPr lang="fr-CH" sz="1600" dirty="0" err="1">
                 <a:latin typeface="Courier New" panose="02070309020205020404" pitchFamily="49" charset="0"/>
                 <a:cs typeface="Courier New" panose="02070309020205020404" pitchFamily="49" charset="0"/>
               </a:rPr>
               <a:t>QObject</a:t>
             </a:r>
-            <a:endParaRPr lang="en-US" sz="1200" dirty="0">
+            <a:endParaRPr lang="fr-CH" sz="1600" dirty="0">
               <a:latin typeface="Courier New" panose="02070309020205020404" pitchFamily="49" charset="0"/>
               <a:cs typeface="Courier New" panose="02070309020205020404" pitchFamily="49" charset="0"/>
             </a:endParaRPr>
@@ -7500,7 +9366,7 @@
               <a:buNone/>
             </a:pPr>
             <a:r>
-              <a:rPr lang="en-US" sz="1200" dirty="0">
+              <a:rPr lang="fr-CH" sz="1600" dirty="0">
                 <a:latin typeface="Courier New" panose="02070309020205020404" pitchFamily="49" charset="0"/>
                 <a:cs typeface="Courier New" panose="02070309020205020404" pitchFamily="49" charset="0"/>
               </a:rPr>
@@ -7512,7 +9378,7 @@
               <a:buNone/>
             </a:pPr>
             <a:r>
-              <a:rPr lang="en-US" sz="1200" dirty="0">
+              <a:rPr lang="fr-CH" sz="1600" dirty="0">
                 <a:latin typeface="Courier New" panose="02070309020205020404" pitchFamily="49" charset="0"/>
                 <a:cs typeface="Courier New" panose="02070309020205020404" pitchFamily="49" charset="0"/>
               </a:rPr>
@@ -7523,36 +9389,139 @@
             <a:pPr marL="0" indent="0">
               <a:buNone/>
             </a:pPr>
-            <a:r>
-              <a:rPr lang="en-US" sz="1200" dirty="0">
+            <a:endParaRPr lang="fr-CH" sz="1600" dirty="0">
+              <a:latin typeface="Courier New" panose="02070309020205020404" pitchFamily="49" charset="0"/>
+              <a:cs typeface="Courier New" panose="02070309020205020404" pitchFamily="49" charset="0"/>
+            </a:endParaRPr>
+          </a:p>
+          <a:p>
+            <a:pPr marL="0" indent="0">
+              <a:buNone/>
+            </a:pPr>
+            <a:r>
+              <a:rPr lang="fr-CH" sz="1600" dirty="0">
+                <a:latin typeface="Courier New" panose="02070309020205020404" pitchFamily="49" charset="0"/>
+                <a:cs typeface="Courier New" panose="02070309020205020404" pitchFamily="49" charset="0"/>
+              </a:rPr>
+              <a:t>public slots:</a:t>
+            </a:r>
+          </a:p>
+          <a:p>
+            <a:pPr marL="0" indent="0">
+              <a:buNone/>
+            </a:pPr>
+            <a:r>
+              <a:rPr lang="fr-CH" sz="1600" dirty="0">
                 <a:latin typeface="Courier New" panose="02070309020205020404" pitchFamily="49" charset="0"/>
                 <a:cs typeface="Courier New" panose="02070309020205020404" pitchFamily="49" charset="0"/>
               </a:rPr>
               <a:t>    </a:t>
             </a:r>
             <a:r>
-              <a:rPr lang="en-US" sz="1200" dirty="0" err="1">
-                <a:latin typeface="Courier New" panose="02070309020205020404" pitchFamily="49" charset="0"/>
-                <a:cs typeface="Courier New" panose="02070309020205020404" pitchFamily="49" charset="0"/>
-              </a:rPr>
-              <a:t>QThread</a:t>
-            </a:r>
-            <a:r>
-              <a:rPr lang="en-US" sz="1200" dirty="0">
+              <a:rPr lang="fr-CH" sz="1600" dirty="0" err="1">
+                <a:latin typeface="Courier New" panose="02070309020205020404" pitchFamily="49" charset="0"/>
+                <a:cs typeface="Courier New" panose="02070309020205020404" pitchFamily="49" charset="0"/>
+              </a:rPr>
+              <a:t>void</a:t>
+            </a:r>
+            <a:r>
+              <a:rPr lang="fr-CH" sz="1600" dirty="0">
                 <a:latin typeface="Courier New" panose="02070309020205020404" pitchFamily="49" charset="0"/>
                 <a:cs typeface="Courier New" panose="02070309020205020404" pitchFamily="49" charset="0"/>
               </a:rPr>
               <a:t> </a:t>
             </a:r>
             <a:r>
-              <a:rPr lang="en-US" sz="1200" dirty="0" err="1">
-                <a:latin typeface="Courier New" panose="02070309020205020404" pitchFamily="49" charset="0"/>
-                <a:cs typeface="Courier New" panose="02070309020205020404" pitchFamily="49" charset="0"/>
-              </a:rPr>
-              <a:t>workerThread</a:t>
-            </a:r>
-            <a:r>
-              <a:rPr lang="en-US" sz="1200" dirty="0">
+              <a:rPr lang="fr-CH" sz="1600" dirty="0" err="1">
+                <a:latin typeface="Courier New" panose="02070309020205020404" pitchFamily="49" charset="0"/>
+                <a:cs typeface="Courier New" panose="02070309020205020404" pitchFamily="49" charset="0"/>
+              </a:rPr>
+              <a:t>doWork</a:t>
+            </a:r>
+            <a:r>
+              <a:rPr lang="fr-CH" sz="1600" dirty="0">
+                <a:latin typeface="Courier New" panose="02070309020205020404" pitchFamily="49" charset="0"/>
+                <a:cs typeface="Courier New" panose="02070309020205020404" pitchFamily="49" charset="0"/>
+              </a:rPr>
+              <a:t>(</a:t>
+            </a:r>
+            <a:r>
+              <a:rPr lang="fr-CH" sz="1600" dirty="0" err="1">
+                <a:latin typeface="Courier New" panose="02070309020205020404" pitchFamily="49" charset="0"/>
+                <a:cs typeface="Courier New" panose="02070309020205020404" pitchFamily="49" charset="0"/>
+              </a:rPr>
+              <a:t>const</a:t>
+            </a:r>
+            <a:r>
+              <a:rPr lang="fr-CH" sz="1600" dirty="0">
+                <a:latin typeface="Courier New" panose="02070309020205020404" pitchFamily="49" charset="0"/>
+                <a:cs typeface="Courier New" panose="02070309020205020404" pitchFamily="49" charset="0"/>
+              </a:rPr>
+              <a:t> </a:t>
+            </a:r>
+            <a:r>
+              <a:rPr lang="fr-CH" sz="1600" dirty="0" err="1">
+                <a:latin typeface="Courier New" panose="02070309020205020404" pitchFamily="49" charset="0"/>
+                <a:cs typeface="Courier New" panose="02070309020205020404" pitchFamily="49" charset="0"/>
+              </a:rPr>
+              <a:t>QString</a:t>
+            </a:r>
+            <a:r>
+              <a:rPr lang="fr-CH" sz="1600" dirty="0">
+                <a:latin typeface="Courier New" panose="02070309020205020404" pitchFamily="49" charset="0"/>
+                <a:cs typeface="Courier New" panose="02070309020205020404" pitchFamily="49" charset="0"/>
+              </a:rPr>
+              <a:t> &amp;</a:t>
+            </a:r>
+            <a:r>
+              <a:rPr lang="fr-CH" sz="1600" dirty="0" err="1">
+                <a:latin typeface="Courier New" panose="02070309020205020404" pitchFamily="49" charset="0"/>
+                <a:cs typeface="Courier New" panose="02070309020205020404" pitchFamily="49" charset="0"/>
+              </a:rPr>
+              <a:t>parameter</a:t>
+            </a:r>
+            <a:r>
+              <a:rPr lang="fr-CH" sz="1600" dirty="0">
+                <a:latin typeface="Courier New" panose="02070309020205020404" pitchFamily="49" charset="0"/>
+                <a:cs typeface="Courier New" panose="02070309020205020404" pitchFamily="49" charset="0"/>
+              </a:rPr>
+              <a:t>) {</a:t>
+            </a:r>
+          </a:p>
+          <a:p>
+            <a:pPr marL="0" indent="0">
+              <a:buNone/>
+            </a:pPr>
+            <a:r>
+              <a:rPr lang="fr-CH" sz="1600" dirty="0">
+                <a:latin typeface="Courier New" panose="02070309020205020404" pitchFamily="49" charset="0"/>
+                <a:cs typeface="Courier New" panose="02070309020205020404" pitchFamily="49" charset="0"/>
+              </a:rPr>
+              <a:t>        </a:t>
+            </a:r>
+            <a:r>
+              <a:rPr lang="fr-CH" sz="1600" dirty="0" err="1">
+                <a:latin typeface="Courier New" panose="02070309020205020404" pitchFamily="49" charset="0"/>
+                <a:cs typeface="Courier New" panose="02070309020205020404" pitchFamily="49" charset="0"/>
+              </a:rPr>
+              <a:t>QString</a:t>
+            </a:r>
+            <a:r>
+              <a:rPr lang="fr-CH" sz="1600" dirty="0">
+                <a:latin typeface="Courier New" panose="02070309020205020404" pitchFamily="49" charset="0"/>
+                <a:cs typeface="Courier New" panose="02070309020205020404" pitchFamily="49" charset="0"/>
+              </a:rPr>
+              <a:t> </a:t>
+            </a:r>
+            <a:r>
+              <a:rPr lang="fr-CH" sz="1600" dirty="0" err="1">
+                <a:latin typeface="Courier New" panose="02070309020205020404" pitchFamily="49" charset="0"/>
+                <a:cs typeface="Courier New" panose="02070309020205020404" pitchFamily="49" charset="0"/>
+              </a:rPr>
+              <a:t>result</a:t>
+            </a:r>
+            <a:r>
+              <a:rPr lang="fr-CH" sz="1600" dirty="0">
                 <a:latin typeface="Courier New" panose="02070309020205020404" pitchFamily="49" charset="0"/>
                 <a:cs typeface="Courier New" panose="02070309020205020404" pitchFamily="49" charset="0"/>
               </a:rPr>
@@ -7564,11 +9533,81 @@
               <a:buNone/>
             </a:pPr>
             <a:r>
-              <a:rPr lang="en-US" sz="1200" dirty="0">
-                <a:latin typeface="Courier New" panose="02070309020205020404" pitchFamily="49" charset="0"/>
-                <a:cs typeface="Courier New" panose="02070309020205020404" pitchFamily="49" charset="0"/>
-              </a:rPr>
-              <a:t>public:</a:t>
+              <a:rPr lang="fr-CH" sz="1600" dirty="0">
+                <a:latin typeface="Courier New" panose="02070309020205020404" pitchFamily="49" charset="0"/>
+                <a:cs typeface="Courier New" panose="02070309020205020404" pitchFamily="49" charset="0"/>
+              </a:rPr>
+              <a:t>        /* ... </a:t>
+            </a:r>
+            <a:r>
+              <a:rPr lang="fr-CH" sz="1600" dirty="0" err="1">
+                <a:latin typeface="Courier New" panose="02070309020205020404" pitchFamily="49" charset="0"/>
+                <a:cs typeface="Courier New" panose="02070309020205020404" pitchFamily="49" charset="0"/>
+              </a:rPr>
+              <a:t>here</a:t>
+            </a:r>
+            <a:r>
+              <a:rPr lang="fr-CH" sz="1600" dirty="0">
+                <a:latin typeface="Courier New" panose="02070309020205020404" pitchFamily="49" charset="0"/>
+                <a:cs typeface="Courier New" panose="02070309020205020404" pitchFamily="49" charset="0"/>
+              </a:rPr>
+              <a:t> </a:t>
+            </a:r>
+            <a:r>
+              <a:rPr lang="fr-CH" sz="1600" dirty="0" err="1">
+                <a:latin typeface="Courier New" panose="02070309020205020404" pitchFamily="49" charset="0"/>
+                <a:cs typeface="Courier New" panose="02070309020205020404" pitchFamily="49" charset="0"/>
+              </a:rPr>
+              <a:t>is</a:t>
+            </a:r>
+            <a:r>
+              <a:rPr lang="fr-CH" sz="1600" dirty="0">
+                <a:latin typeface="Courier New" panose="02070309020205020404" pitchFamily="49" charset="0"/>
+                <a:cs typeface="Courier New" panose="02070309020205020404" pitchFamily="49" charset="0"/>
+              </a:rPr>
+              <a:t> the </a:t>
+            </a:r>
+            <a:r>
+              <a:rPr lang="fr-CH" sz="1600" dirty="0" err="1">
+                <a:latin typeface="Courier New" panose="02070309020205020404" pitchFamily="49" charset="0"/>
+                <a:cs typeface="Courier New" panose="02070309020205020404" pitchFamily="49" charset="0"/>
+              </a:rPr>
+              <a:t>expensive</a:t>
+            </a:r>
+            <a:r>
+              <a:rPr lang="fr-CH" sz="1600" dirty="0">
+                <a:latin typeface="Courier New" panose="02070309020205020404" pitchFamily="49" charset="0"/>
+                <a:cs typeface="Courier New" panose="02070309020205020404" pitchFamily="49" charset="0"/>
+              </a:rPr>
+              <a:t> or </a:t>
+            </a:r>
+            <a:r>
+              <a:rPr lang="fr-CH" sz="1600" dirty="0" err="1">
+                <a:latin typeface="Courier New" panose="02070309020205020404" pitchFamily="49" charset="0"/>
+                <a:cs typeface="Courier New" panose="02070309020205020404" pitchFamily="49" charset="0"/>
+              </a:rPr>
+              <a:t>blocking</a:t>
+            </a:r>
+            <a:r>
+              <a:rPr lang="fr-CH" sz="1600" dirty="0">
+                <a:latin typeface="Courier New" panose="02070309020205020404" pitchFamily="49" charset="0"/>
+                <a:cs typeface="Courier New" panose="02070309020205020404" pitchFamily="49" charset="0"/>
+              </a:rPr>
+              <a:t> </a:t>
+            </a:r>
+            <a:r>
+              <a:rPr lang="fr-CH" sz="1600" dirty="0" err="1">
+                <a:latin typeface="Courier New" panose="02070309020205020404" pitchFamily="49" charset="0"/>
+                <a:cs typeface="Courier New" panose="02070309020205020404" pitchFamily="49" charset="0"/>
+              </a:rPr>
+              <a:t>operation</a:t>
+            </a:r>
+            <a:r>
+              <a:rPr lang="fr-CH" sz="1600" dirty="0">
+                <a:latin typeface="Courier New" panose="02070309020205020404" pitchFamily="49" charset="0"/>
+                <a:cs typeface="Courier New" panose="02070309020205020404" pitchFamily="49" charset="0"/>
+              </a:rPr>
+              <a:t> ... */</a:t>
             </a:r>
           </a:p>
           <a:p>
@@ -7576,11 +9615,53 @@
               <a:buNone/>
             </a:pPr>
             <a:r>
-              <a:rPr lang="en-US" sz="1200" dirty="0">
-                <a:latin typeface="Courier New" panose="02070309020205020404" pitchFamily="49" charset="0"/>
-                <a:cs typeface="Courier New" panose="02070309020205020404" pitchFamily="49" charset="0"/>
-              </a:rPr>
-              <a:t>    Controller() {</a:t>
+              <a:rPr lang="fr-CH" sz="1600" dirty="0">
+                <a:latin typeface="Courier New" panose="02070309020205020404" pitchFamily="49" charset="0"/>
+                <a:cs typeface="Courier New" panose="02070309020205020404" pitchFamily="49" charset="0"/>
+              </a:rPr>
+              <a:t>        </a:t>
+            </a:r>
+            <a:r>
+              <a:rPr lang="fr-CH" sz="1600" dirty="0" err="1">
+                <a:latin typeface="Courier New" panose="02070309020205020404" pitchFamily="49" charset="0"/>
+                <a:cs typeface="Courier New" panose="02070309020205020404" pitchFamily="49" charset="0"/>
+              </a:rPr>
+              <a:t>emit</a:t>
+            </a:r>
+            <a:r>
+              <a:rPr lang="fr-CH" sz="1600" dirty="0">
+                <a:latin typeface="Courier New" panose="02070309020205020404" pitchFamily="49" charset="0"/>
+                <a:cs typeface="Courier New" panose="02070309020205020404" pitchFamily="49" charset="0"/>
+              </a:rPr>
+              <a:t> </a:t>
+            </a:r>
+            <a:r>
+              <a:rPr lang="fr-CH" sz="1600" dirty="0" err="1">
+                <a:latin typeface="Courier New" panose="02070309020205020404" pitchFamily="49" charset="0"/>
+                <a:cs typeface="Courier New" panose="02070309020205020404" pitchFamily="49" charset="0"/>
+              </a:rPr>
+              <a:t>resultReady</a:t>
+            </a:r>
+            <a:r>
+              <a:rPr lang="fr-CH" sz="1600" dirty="0">
+                <a:latin typeface="Courier New" panose="02070309020205020404" pitchFamily="49" charset="0"/>
+                <a:cs typeface="Courier New" panose="02070309020205020404" pitchFamily="49" charset="0"/>
+              </a:rPr>
+              <a:t>(</a:t>
+            </a:r>
+            <a:r>
+              <a:rPr lang="fr-CH" sz="1600" dirty="0" err="1">
+                <a:latin typeface="Courier New" panose="02070309020205020404" pitchFamily="49" charset="0"/>
+                <a:cs typeface="Courier New" panose="02070309020205020404" pitchFamily="49" charset="0"/>
+              </a:rPr>
+              <a:t>result</a:t>
+            </a:r>
+            <a:r>
+              <a:rPr lang="fr-CH" sz="1600" dirty="0">
+                <a:latin typeface="Courier New" panose="02070309020205020404" pitchFamily="49" charset="0"/>
+                <a:cs typeface="Courier New" panose="02070309020205020404" pitchFamily="49" charset="0"/>
+              </a:rPr>
+              <a:t>);</a:t>
             </a:r>
           </a:p>
           <a:p>
@@ -7588,47 +9669,117 @@
               <a:buNone/>
             </a:pPr>
             <a:r>
-              <a:rPr lang="en-US" sz="1200" dirty="0">
-                <a:latin typeface="Courier New" panose="02070309020205020404" pitchFamily="49" charset="0"/>
-                <a:cs typeface="Courier New" panose="02070309020205020404" pitchFamily="49" charset="0"/>
-              </a:rPr>
-              <a:t>        Worker *worker = new Worker;</a:t>
+              <a:rPr lang="fr-CH" sz="1600" dirty="0">
+                <a:latin typeface="Courier New" panose="02070309020205020404" pitchFamily="49" charset="0"/>
+                <a:cs typeface="Courier New" panose="02070309020205020404" pitchFamily="49" charset="0"/>
+              </a:rPr>
+              <a:t>    }</a:t>
             </a:r>
           </a:p>
           <a:p>
             <a:pPr marL="0" indent="0">
               <a:buNone/>
             </a:pPr>
-            <a:r>
-              <a:rPr lang="en-US" sz="1200" dirty="0">
-                <a:latin typeface="Courier New" panose="02070309020205020404" pitchFamily="49" charset="0"/>
-                <a:cs typeface="Courier New" panose="02070309020205020404" pitchFamily="49" charset="0"/>
-              </a:rPr>
-              <a:t>        worker-&gt;</a:t>
-            </a:r>
-            <a:r>
-              <a:rPr lang="en-US" sz="1200" dirty="0" err="1">
-                <a:latin typeface="Courier New" panose="02070309020205020404" pitchFamily="49" charset="0"/>
-                <a:cs typeface="Courier New" panose="02070309020205020404" pitchFamily="49" charset="0"/>
-              </a:rPr>
-              <a:t>moveToThread</a:t>
-            </a:r>
-            <a:r>
-              <a:rPr lang="en-US" sz="1200" dirty="0">
-                <a:latin typeface="Courier New" panose="02070309020205020404" pitchFamily="49" charset="0"/>
-                <a:cs typeface="Courier New" panose="02070309020205020404" pitchFamily="49" charset="0"/>
-              </a:rPr>
-              <a:t>(&amp;</a:t>
-            </a:r>
-            <a:r>
-              <a:rPr lang="en-US" sz="1200" dirty="0" err="1">
-                <a:latin typeface="Courier New" panose="02070309020205020404" pitchFamily="49" charset="0"/>
-                <a:cs typeface="Courier New" panose="02070309020205020404" pitchFamily="49" charset="0"/>
-              </a:rPr>
-              <a:t>workerThread</a:t>
-            </a:r>
-            <a:r>
-              <a:rPr lang="en-US" sz="1200" dirty="0">
+            <a:endParaRPr lang="fr-CH" sz="1600" dirty="0">
+              <a:latin typeface="Courier New" panose="02070309020205020404" pitchFamily="49" charset="0"/>
+              <a:cs typeface="Courier New" panose="02070309020205020404" pitchFamily="49" charset="0"/>
+            </a:endParaRPr>
+          </a:p>
+          <a:p>
+            <a:pPr marL="0" indent="0">
+              <a:buNone/>
+            </a:pPr>
+            <a:r>
+              <a:rPr lang="fr-CH" sz="1600" dirty="0" err="1">
+                <a:latin typeface="Courier New" panose="02070309020205020404" pitchFamily="49" charset="0"/>
+                <a:cs typeface="Courier New" panose="02070309020205020404" pitchFamily="49" charset="0"/>
+              </a:rPr>
+              <a:t>signals</a:t>
+            </a:r>
+            <a:r>
+              <a:rPr lang="fr-CH" sz="1600" dirty="0">
+                <a:latin typeface="Courier New" panose="02070309020205020404" pitchFamily="49" charset="0"/>
+                <a:cs typeface="Courier New" panose="02070309020205020404" pitchFamily="49" charset="0"/>
+              </a:rPr>
+              <a:t>:</a:t>
+            </a:r>
+          </a:p>
+          <a:p>
+            <a:pPr marL="0" indent="0">
+              <a:buNone/>
+            </a:pPr>
+            <a:r>
+              <a:rPr lang="fr-CH" sz="1600" dirty="0">
+                <a:latin typeface="Courier New" panose="02070309020205020404" pitchFamily="49" charset="0"/>
+                <a:cs typeface="Courier New" panose="02070309020205020404" pitchFamily="49" charset="0"/>
+              </a:rPr>
+              <a:t>    </a:t>
+            </a:r>
+            <a:r>
+              <a:rPr lang="fr-CH" sz="1600" dirty="0" err="1">
+                <a:latin typeface="Courier New" panose="02070309020205020404" pitchFamily="49" charset="0"/>
+                <a:cs typeface="Courier New" panose="02070309020205020404" pitchFamily="49" charset="0"/>
+              </a:rPr>
+              <a:t>void</a:t>
+            </a:r>
+            <a:r>
+              <a:rPr lang="fr-CH" sz="1600" dirty="0">
+                <a:latin typeface="Courier New" panose="02070309020205020404" pitchFamily="49" charset="0"/>
+                <a:cs typeface="Courier New" panose="02070309020205020404" pitchFamily="49" charset="0"/>
+              </a:rPr>
+              <a:t> </a:t>
+            </a:r>
+            <a:r>
+              <a:rPr lang="fr-CH" sz="1600" dirty="0" err="1">
+                <a:latin typeface="Courier New" panose="02070309020205020404" pitchFamily="49" charset="0"/>
+                <a:cs typeface="Courier New" panose="02070309020205020404" pitchFamily="49" charset="0"/>
+              </a:rPr>
+              <a:t>resultReady</a:t>
+            </a:r>
+            <a:r>
+              <a:rPr lang="fr-CH" sz="1600" dirty="0">
+                <a:latin typeface="Courier New" panose="02070309020205020404" pitchFamily="49" charset="0"/>
+                <a:cs typeface="Courier New" panose="02070309020205020404" pitchFamily="49" charset="0"/>
+              </a:rPr>
+              <a:t>(</a:t>
+            </a:r>
+            <a:r>
+              <a:rPr lang="fr-CH" sz="1600" dirty="0" err="1">
+                <a:latin typeface="Courier New" panose="02070309020205020404" pitchFamily="49" charset="0"/>
+                <a:cs typeface="Courier New" panose="02070309020205020404" pitchFamily="49" charset="0"/>
+              </a:rPr>
+              <a:t>const</a:t>
+            </a:r>
+            <a:r>
+              <a:rPr lang="fr-CH" sz="1600" dirty="0">
+                <a:latin typeface="Courier New" panose="02070309020205020404" pitchFamily="49" charset="0"/>
+                <a:cs typeface="Courier New" panose="02070309020205020404" pitchFamily="49" charset="0"/>
+              </a:rPr>
+              <a:t> </a:t>
+            </a:r>
+            <a:r>
+              <a:rPr lang="fr-CH" sz="1600" dirty="0" err="1">
+                <a:latin typeface="Courier New" panose="02070309020205020404" pitchFamily="49" charset="0"/>
+                <a:cs typeface="Courier New" panose="02070309020205020404" pitchFamily="49" charset="0"/>
+              </a:rPr>
+              <a:t>QString</a:t>
+            </a:r>
+            <a:r>
+              <a:rPr lang="fr-CH" sz="1600" dirty="0">
+                <a:latin typeface="Courier New" panose="02070309020205020404" pitchFamily="49" charset="0"/>
+                <a:cs typeface="Courier New" panose="02070309020205020404" pitchFamily="49" charset="0"/>
+              </a:rPr>
+              <a:t> &amp;</a:t>
+            </a:r>
+            <a:r>
+              <a:rPr lang="fr-CH" sz="1600" dirty="0" err="1">
+                <a:latin typeface="Courier New" panose="02070309020205020404" pitchFamily="49" charset="0"/>
+                <a:cs typeface="Courier New" panose="02070309020205020404" pitchFamily="49" charset="0"/>
+              </a:rPr>
+              <a:t>result</a:t>
+            </a:r>
+            <a:r>
+              <a:rPr lang="fr-CH" sz="1600" dirty="0">
                 <a:latin typeface="Courier New" panose="02070309020205020404" pitchFamily="49" charset="0"/>
                 <a:cs typeface="Courier New" panose="02070309020205020404" pitchFamily="49" charset="0"/>
               </a:rPr>
@@ -7640,282 +9791,56 @@
               <a:buNone/>
             </a:pPr>
             <a:r>
-              <a:rPr lang="en-US" sz="1200" dirty="0">
-                <a:latin typeface="Courier New" panose="02070309020205020404" pitchFamily="49" charset="0"/>
-                <a:cs typeface="Courier New" panose="02070309020205020404" pitchFamily="49" charset="0"/>
-              </a:rPr>
-              <a:t>        connect(&amp;</a:t>
-            </a:r>
-            <a:r>
-              <a:rPr lang="en-US" sz="1200" dirty="0" err="1">
-                <a:latin typeface="Courier New" panose="02070309020205020404" pitchFamily="49" charset="0"/>
-                <a:cs typeface="Courier New" panose="02070309020205020404" pitchFamily="49" charset="0"/>
-              </a:rPr>
-              <a:t>workerThread</a:t>
-            </a:r>
-            <a:r>
-              <a:rPr lang="en-US" sz="1200" dirty="0">
-                <a:latin typeface="Courier New" panose="02070309020205020404" pitchFamily="49" charset="0"/>
-                <a:cs typeface="Courier New" panose="02070309020205020404" pitchFamily="49" charset="0"/>
-              </a:rPr>
-              <a:t>, &amp;</a:t>
-            </a:r>
-            <a:r>
-              <a:rPr lang="en-US" sz="1200" dirty="0" err="1">
-                <a:latin typeface="Courier New" panose="02070309020205020404" pitchFamily="49" charset="0"/>
-                <a:cs typeface="Courier New" panose="02070309020205020404" pitchFamily="49" charset="0"/>
-              </a:rPr>
-              <a:t>QThread</a:t>
-            </a:r>
-            <a:r>
-              <a:rPr lang="en-US" sz="1200" dirty="0">
-                <a:latin typeface="Courier New" panose="02070309020205020404" pitchFamily="49" charset="0"/>
-                <a:cs typeface="Courier New" panose="02070309020205020404" pitchFamily="49" charset="0"/>
-              </a:rPr>
-              <a:t>::finished, </a:t>
-            </a:r>
-            <a:r>
-              <a:rPr lang="en-US" sz="1200" dirty="0" smtClean="0">
-                <a:latin typeface="Courier New" panose="02070309020205020404" pitchFamily="49" charset="0"/>
-                <a:cs typeface="Courier New" panose="02070309020205020404" pitchFamily="49" charset="0"/>
-              </a:rPr>
-              <a:t>worker, </a:t>
-            </a:r>
-            <a:r>
-              <a:rPr lang="en-US" sz="1200" dirty="0" err="1" smtClean="0">
-                <a:latin typeface="Courier New" panose="02070309020205020404" pitchFamily="49" charset="0"/>
-                <a:cs typeface="Courier New" panose="02070309020205020404" pitchFamily="49" charset="0"/>
-              </a:rPr>
-              <a:t>QObject</a:t>
-            </a:r>
-            <a:r>
-              <a:rPr lang="en-US" sz="1200" dirty="0">
-                <a:latin typeface="Courier New" panose="02070309020205020404" pitchFamily="49" charset="0"/>
-                <a:cs typeface="Courier New" panose="02070309020205020404" pitchFamily="49" charset="0"/>
-              </a:rPr>
-              <a:t>::</a:t>
-            </a:r>
-            <a:r>
-              <a:rPr lang="en-US" sz="1200" dirty="0" err="1">
-                <a:latin typeface="Courier New" panose="02070309020205020404" pitchFamily="49" charset="0"/>
-                <a:cs typeface="Courier New" panose="02070309020205020404" pitchFamily="49" charset="0"/>
-              </a:rPr>
-              <a:t>deleteLater</a:t>
-            </a:r>
-            <a:r>
-              <a:rPr lang="en-US" sz="1200" dirty="0">
-                <a:latin typeface="Courier New" panose="02070309020205020404" pitchFamily="49" charset="0"/>
-                <a:cs typeface="Courier New" panose="02070309020205020404" pitchFamily="49" charset="0"/>
-              </a:rPr>
-              <a:t>);</a:t>
-            </a:r>
-          </a:p>
-          <a:p>
-            <a:pPr marL="0" indent="0">
-              <a:buNone/>
-            </a:pPr>
-            <a:r>
-              <a:rPr lang="en-US" sz="1200" dirty="0">
-                <a:latin typeface="Courier New" panose="02070309020205020404" pitchFamily="49" charset="0"/>
-                <a:cs typeface="Courier New" panose="02070309020205020404" pitchFamily="49" charset="0"/>
-              </a:rPr>
-              <a:t>        connect(this, &amp;Controller::operate, worker, &amp;Worker::</a:t>
-            </a:r>
-            <a:r>
-              <a:rPr lang="en-US" sz="1200" dirty="0" err="1">
-                <a:latin typeface="Courier New" panose="02070309020205020404" pitchFamily="49" charset="0"/>
-                <a:cs typeface="Courier New" panose="02070309020205020404" pitchFamily="49" charset="0"/>
-              </a:rPr>
-              <a:t>doWork</a:t>
-            </a:r>
-            <a:r>
-              <a:rPr lang="en-US" sz="1200" dirty="0">
-                <a:latin typeface="Courier New" panose="02070309020205020404" pitchFamily="49" charset="0"/>
-                <a:cs typeface="Courier New" panose="02070309020205020404" pitchFamily="49" charset="0"/>
-              </a:rPr>
-              <a:t>);</a:t>
-            </a:r>
-          </a:p>
-          <a:p>
-            <a:pPr marL="0" indent="0">
-              <a:buNone/>
-            </a:pPr>
-            <a:r>
-              <a:rPr lang="en-US" sz="1200" dirty="0">
-                <a:latin typeface="Courier New" panose="02070309020205020404" pitchFamily="49" charset="0"/>
-                <a:cs typeface="Courier New" panose="02070309020205020404" pitchFamily="49" charset="0"/>
-              </a:rPr>
-              <a:t>        connect(worker, &amp;Worker::</a:t>
-            </a:r>
-            <a:r>
-              <a:rPr lang="en-US" sz="1200" dirty="0" err="1">
-                <a:latin typeface="Courier New" panose="02070309020205020404" pitchFamily="49" charset="0"/>
-                <a:cs typeface="Courier New" panose="02070309020205020404" pitchFamily="49" charset="0"/>
-              </a:rPr>
-              <a:t>resultReady</a:t>
-            </a:r>
-            <a:r>
-              <a:rPr lang="en-US" sz="1200" dirty="0">
-                <a:latin typeface="Courier New" panose="02070309020205020404" pitchFamily="49" charset="0"/>
-                <a:cs typeface="Courier New" panose="02070309020205020404" pitchFamily="49" charset="0"/>
-              </a:rPr>
-              <a:t>, this, &amp;Controller::</a:t>
-            </a:r>
-            <a:r>
-              <a:rPr lang="en-US" sz="1200" dirty="0" err="1">
-                <a:latin typeface="Courier New" panose="02070309020205020404" pitchFamily="49" charset="0"/>
-                <a:cs typeface="Courier New" panose="02070309020205020404" pitchFamily="49" charset="0"/>
-              </a:rPr>
-              <a:t>handleResults</a:t>
-            </a:r>
-            <a:r>
-              <a:rPr lang="en-US" sz="1200" dirty="0">
-                <a:latin typeface="Courier New" panose="02070309020205020404" pitchFamily="49" charset="0"/>
-                <a:cs typeface="Courier New" panose="02070309020205020404" pitchFamily="49" charset="0"/>
-              </a:rPr>
-              <a:t>);</a:t>
-            </a:r>
-          </a:p>
-          <a:p>
-            <a:pPr marL="0" indent="0">
-              <a:buNone/>
-            </a:pPr>
-            <a:r>
-              <a:rPr lang="en-US" sz="1200" dirty="0">
-                <a:latin typeface="Courier New" panose="02070309020205020404" pitchFamily="49" charset="0"/>
-                <a:cs typeface="Courier New" panose="02070309020205020404" pitchFamily="49" charset="0"/>
-              </a:rPr>
-              <a:t>        </a:t>
-            </a:r>
-            <a:r>
-              <a:rPr lang="en-US" sz="1200" dirty="0" err="1">
-                <a:latin typeface="Courier New" panose="02070309020205020404" pitchFamily="49" charset="0"/>
-                <a:cs typeface="Courier New" panose="02070309020205020404" pitchFamily="49" charset="0"/>
-              </a:rPr>
-              <a:t>workerThread.start</a:t>
-            </a:r>
-            <a:r>
-              <a:rPr lang="en-US" sz="1200" dirty="0">
-                <a:latin typeface="Courier New" panose="02070309020205020404" pitchFamily="49" charset="0"/>
-                <a:cs typeface="Courier New" panose="02070309020205020404" pitchFamily="49" charset="0"/>
-              </a:rPr>
-              <a:t>();</a:t>
-            </a:r>
-          </a:p>
-          <a:p>
-            <a:pPr marL="0" indent="0">
-              <a:buNone/>
-            </a:pPr>
-            <a:r>
-              <a:rPr lang="en-US" sz="1200" dirty="0">
-                <a:latin typeface="Courier New" panose="02070309020205020404" pitchFamily="49" charset="0"/>
-                <a:cs typeface="Courier New" panose="02070309020205020404" pitchFamily="49" charset="0"/>
-              </a:rPr>
-              <a:t>    </a:t>
-            </a:r>
-            <a:r>
-              <a:rPr lang="en-US" sz="1200" dirty="0" smtClean="0">
-                <a:latin typeface="Courier New" panose="02070309020205020404" pitchFamily="49" charset="0"/>
-                <a:cs typeface="Courier New" panose="02070309020205020404" pitchFamily="49" charset="0"/>
-              </a:rPr>
-              <a:t>}</a:t>
-            </a:r>
-          </a:p>
-          <a:p>
-            <a:pPr marL="0" indent="0">
-              <a:buNone/>
-            </a:pPr>
-            <a:r>
-              <a:rPr lang="fr-CH" sz="1200" dirty="0" smtClean="0">
-                <a:latin typeface="Courier New" panose="02070309020205020404" pitchFamily="49" charset="0"/>
-                <a:cs typeface="Courier New" panose="02070309020205020404" pitchFamily="49" charset="0"/>
-              </a:rPr>
-              <a:t>	~</a:t>
-            </a:r>
-            <a:r>
-              <a:rPr lang="fr-CH" sz="1200" dirty="0">
-                <a:latin typeface="Courier New" panose="02070309020205020404" pitchFamily="49" charset="0"/>
-                <a:cs typeface="Courier New" panose="02070309020205020404" pitchFamily="49" charset="0"/>
-              </a:rPr>
-              <a:t>Controller() {</a:t>
-            </a:r>
-          </a:p>
-          <a:p>
-            <a:pPr marL="0" indent="0">
-              <a:buNone/>
-            </a:pPr>
-            <a:r>
-              <a:rPr lang="fr-CH" sz="1200" dirty="0">
-                <a:latin typeface="Courier New" panose="02070309020205020404" pitchFamily="49" charset="0"/>
-                <a:cs typeface="Courier New" panose="02070309020205020404" pitchFamily="49" charset="0"/>
-              </a:rPr>
-              <a:t>        </a:t>
-            </a:r>
-            <a:r>
-              <a:rPr lang="fr-CH" sz="1200" dirty="0" err="1">
-                <a:latin typeface="Courier New" panose="02070309020205020404" pitchFamily="49" charset="0"/>
-                <a:cs typeface="Courier New" panose="02070309020205020404" pitchFamily="49" charset="0"/>
-              </a:rPr>
-              <a:t>workerThread.quit</a:t>
-            </a:r>
-            <a:r>
-              <a:rPr lang="fr-CH" sz="1200" dirty="0">
-                <a:latin typeface="Courier New" panose="02070309020205020404" pitchFamily="49" charset="0"/>
-                <a:cs typeface="Courier New" panose="02070309020205020404" pitchFamily="49" charset="0"/>
-              </a:rPr>
-              <a:t>();</a:t>
-            </a:r>
-          </a:p>
-          <a:p>
-            <a:pPr marL="0" indent="0">
-              <a:buNone/>
-            </a:pPr>
-            <a:r>
-              <a:rPr lang="fr-CH" sz="1200" dirty="0">
-                <a:latin typeface="Courier New" panose="02070309020205020404" pitchFamily="49" charset="0"/>
-                <a:cs typeface="Courier New" panose="02070309020205020404" pitchFamily="49" charset="0"/>
-              </a:rPr>
-              <a:t>        </a:t>
-            </a:r>
-            <a:r>
-              <a:rPr lang="fr-CH" sz="1200" dirty="0" err="1">
-                <a:latin typeface="Courier New" panose="02070309020205020404" pitchFamily="49" charset="0"/>
-                <a:cs typeface="Courier New" panose="02070309020205020404" pitchFamily="49" charset="0"/>
-              </a:rPr>
-              <a:t>workerThread.wait</a:t>
-            </a:r>
-            <a:r>
-              <a:rPr lang="fr-CH" sz="1200" dirty="0">
-                <a:latin typeface="Courier New" panose="02070309020205020404" pitchFamily="49" charset="0"/>
-                <a:cs typeface="Courier New" panose="02070309020205020404" pitchFamily="49" charset="0"/>
-              </a:rPr>
-              <a:t>();</a:t>
-            </a:r>
-          </a:p>
-          <a:p>
-            <a:pPr marL="0" indent="0">
-              <a:buNone/>
-            </a:pPr>
-            <a:r>
-              <a:rPr lang="fr-CH" sz="1200" dirty="0">
-                <a:latin typeface="Courier New" panose="02070309020205020404" pitchFamily="49" charset="0"/>
-                <a:cs typeface="Courier New" panose="02070309020205020404" pitchFamily="49" charset="0"/>
-              </a:rPr>
-              <a:t>    }</a:t>
-            </a:r>
+              <a:rPr lang="fr-CH" sz="1600" dirty="0">
+                <a:latin typeface="Courier New" panose="02070309020205020404" pitchFamily="49" charset="0"/>
+                <a:cs typeface="Courier New" panose="02070309020205020404" pitchFamily="49" charset="0"/>
+              </a:rPr>
+              <a:t>};</a:t>
+            </a:r>
+          </a:p>
+        </p:txBody>
+      </p:sp>
+      <p:sp>
+        <p:nvSpPr>
+          <p:cNvPr id="4" name="Espace réservé du numéro de diapositive 3"/>
+          <p:cNvSpPr>
+            <a:spLocks noGrp="1"/>
+          </p:cNvSpPr>
+          <p:nvPr>
+            <p:ph type="sldNum" sz="quarter" idx="12"/>
+          </p:nvPr>
+        </p:nvSpPr>
+        <p:spPr/>
+        <p:txBody>
+          <a:bodyPr/>
+          <a:lstStyle/>
+          <a:p>
+            <a:fld id="{D57F1E4F-1CFF-5643-939E-217C01CDF565}" type="slidenum">
+              <a:rPr lang="en-US" smtClean="0"/>
+              <a:pPr/>
+              <a:t>7</a:t>
+            </a:fld>
+            <a:endParaRPr lang="en-US" dirty="0"/>
           </a:p>
         </p:txBody>
       </p:sp>
     </p:spTree>
     <p:extLst>
       <p:ext uri="{BB962C8B-B14F-4D97-AF65-F5344CB8AC3E}">
-        <p14:creationId xmlns:p14="http://schemas.microsoft.com/office/powerpoint/2010/main" val="2189205428"/>
+        <p14:creationId xmlns:p14="http://schemas.microsoft.com/office/powerpoint/2010/main" val="2231396815"/>
       </p:ext>
     </p:extLst>
   </p:cSld>
   <p:clrMapOvr>
     <a:masterClrMapping/>
   </p:clrMapOvr>
+  <p:timing>
+    <p:tnLst>
+      <p:par>
+        <p:cTn id="1" dur="indefinite" restart="never" nodeType="tmRoot"/>
+      </p:par>
+    </p:tnLst>
+  </p:timing>
 </p:sld>
 </file>
 
@@ -7948,8 +9873,8 @@
         </p:nvSpPr>
         <p:spPr>
           <a:xfrm>
-            <a:off x="677334" y="609600"/>
-            <a:ext cx="8771466" cy="1320800"/>
+            <a:off x="677333" y="609600"/>
+            <a:ext cx="8722039" cy="1320800"/>
           </a:xfrm>
         </p:spPr>
         <p:txBody>
@@ -7959,16 +9884,12 @@
           <a:lstStyle/>
           <a:p>
             <a:r>
-              <a:rPr lang="fr-CH" sz="4000" dirty="0" err="1"/>
+              <a:rPr lang="fr-CH" sz="4000" dirty="0" err="1" smtClean="0"/>
               <a:t>QThread</a:t>
             </a:r>
             <a:r>
-              <a:rPr lang="fr-CH" sz="4000" dirty="0"/>
-              <a:t>: Implémentation Méthode </a:t>
-            </a:r>
-            <a:r>
               <a:rPr lang="fr-CH" sz="4000" dirty="0" smtClean="0"/>
-              <a:t>2</a:t>
+              <a:t>: Implémentation Méthode 1</a:t>
             </a:r>
             <a:endParaRPr lang="fr-CH" sz="4000" dirty="0"/>
           </a:p>
@@ -7984,67 +9905,492 @@
             <p:ph idx="1"/>
           </p:nvPr>
         </p:nvSpPr>
+        <p:spPr>
+          <a:xfrm>
+            <a:off x="677333" y="1485086"/>
+            <a:ext cx="10031856" cy="5228752"/>
+          </a:xfrm>
+        </p:spPr>
+        <p:txBody>
+          <a:bodyPr>
+            <a:noAutofit/>
+          </a:bodyPr>
+          <a:lstStyle/>
+          <a:p>
+            <a:pPr marL="0" indent="0">
+              <a:buNone/>
+            </a:pPr>
+            <a:r>
+              <a:rPr lang="en-US" sz="1200" dirty="0">
+                <a:latin typeface="Courier New" panose="02070309020205020404" pitchFamily="49" charset="0"/>
+                <a:cs typeface="Courier New" panose="02070309020205020404" pitchFamily="49" charset="0"/>
+              </a:rPr>
+              <a:t>class Controller : public </a:t>
+            </a:r>
+            <a:r>
+              <a:rPr lang="en-US" sz="1200" dirty="0" err="1">
+                <a:latin typeface="Courier New" panose="02070309020205020404" pitchFamily="49" charset="0"/>
+                <a:cs typeface="Courier New" panose="02070309020205020404" pitchFamily="49" charset="0"/>
+              </a:rPr>
+              <a:t>QObject</a:t>
+            </a:r>
+            <a:endParaRPr lang="en-US" sz="1200" dirty="0">
+              <a:latin typeface="Courier New" panose="02070309020205020404" pitchFamily="49" charset="0"/>
+              <a:cs typeface="Courier New" panose="02070309020205020404" pitchFamily="49" charset="0"/>
+            </a:endParaRPr>
+          </a:p>
+          <a:p>
+            <a:pPr marL="0" indent="0">
+              <a:buNone/>
+            </a:pPr>
+            <a:r>
+              <a:rPr lang="en-US" sz="1200" dirty="0">
+                <a:latin typeface="Courier New" panose="02070309020205020404" pitchFamily="49" charset="0"/>
+                <a:cs typeface="Courier New" panose="02070309020205020404" pitchFamily="49" charset="0"/>
+              </a:rPr>
+              <a:t>{</a:t>
+            </a:r>
+          </a:p>
+          <a:p>
+            <a:pPr marL="0" indent="0">
+              <a:buNone/>
+            </a:pPr>
+            <a:r>
+              <a:rPr lang="en-US" sz="1200" dirty="0">
+                <a:latin typeface="Courier New" panose="02070309020205020404" pitchFamily="49" charset="0"/>
+                <a:cs typeface="Courier New" panose="02070309020205020404" pitchFamily="49" charset="0"/>
+              </a:rPr>
+              <a:t>    Q_OBJECT</a:t>
+            </a:r>
+          </a:p>
+          <a:p>
+            <a:pPr marL="0" indent="0">
+              <a:buNone/>
+            </a:pPr>
+            <a:r>
+              <a:rPr lang="en-US" sz="1200" dirty="0">
+                <a:latin typeface="Courier New" panose="02070309020205020404" pitchFamily="49" charset="0"/>
+                <a:cs typeface="Courier New" panose="02070309020205020404" pitchFamily="49" charset="0"/>
+              </a:rPr>
+              <a:t>    </a:t>
+            </a:r>
+            <a:r>
+              <a:rPr lang="en-US" sz="1200" dirty="0" err="1">
+                <a:latin typeface="Courier New" panose="02070309020205020404" pitchFamily="49" charset="0"/>
+                <a:cs typeface="Courier New" panose="02070309020205020404" pitchFamily="49" charset="0"/>
+              </a:rPr>
+              <a:t>QThread</a:t>
+            </a:r>
+            <a:r>
+              <a:rPr lang="en-US" sz="1200" dirty="0">
+                <a:latin typeface="Courier New" panose="02070309020205020404" pitchFamily="49" charset="0"/>
+                <a:cs typeface="Courier New" panose="02070309020205020404" pitchFamily="49" charset="0"/>
+              </a:rPr>
+              <a:t> </a:t>
+            </a:r>
+            <a:r>
+              <a:rPr lang="en-US" sz="1200" dirty="0" err="1">
+                <a:latin typeface="Courier New" panose="02070309020205020404" pitchFamily="49" charset="0"/>
+                <a:cs typeface="Courier New" panose="02070309020205020404" pitchFamily="49" charset="0"/>
+              </a:rPr>
+              <a:t>workerThread</a:t>
+            </a:r>
+            <a:r>
+              <a:rPr lang="en-US" sz="1200" dirty="0">
+                <a:latin typeface="Courier New" panose="02070309020205020404" pitchFamily="49" charset="0"/>
+                <a:cs typeface="Courier New" panose="02070309020205020404" pitchFamily="49" charset="0"/>
+              </a:rPr>
+              <a:t>;</a:t>
+            </a:r>
+          </a:p>
+          <a:p>
+            <a:pPr marL="0" indent="0">
+              <a:buNone/>
+            </a:pPr>
+            <a:r>
+              <a:rPr lang="en-US" sz="1200" dirty="0">
+                <a:latin typeface="Courier New" panose="02070309020205020404" pitchFamily="49" charset="0"/>
+                <a:cs typeface="Courier New" panose="02070309020205020404" pitchFamily="49" charset="0"/>
+              </a:rPr>
+              <a:t>public:</a:t>
+            </a:r>
+          </a:p>
+          <a:p>
+            <a:pPr marL="0" indent="0">
+              <a:buNone/>
+            </a:pPr>
+            <a:r>
+              <a:rPr lang="en-US" sz="1200" dirty="0">
+                <a:latin typeface="Courier New" panose="02070309020205020404" pitchFamily="49" charset="0"/>
+                <a:cs typeface="Courier New" panose="02070309020205020404" pitchFamily="49" charset="0"/>
+              </a:rPr>
+              <a:t>    Controller() {</a:t>
+            </a:r>
+          </a:p>
+          <a:p>
+            <a:pPr marL="0" indent="0">
+              <a:buNone/>
+            </a:pPr>
+            <a:r>
+              <a:rPr lang="en-US" sz="1200" dirty="0">
+                <a:latin typeface="Courier New" panose="02070309020205020404" pitchFamily="49" charset="0"/>
+                <a:cs typeface="Courier New" panose="02070309020205020404" pitchFamily="49" charset="0"/>
+              </a:rPr>
+              <a:t>        Worker *worker = new Worker;</a:t>
+            </a:r>
+          </a:p>
+          <a:p>
+            <a:pPr marL="0" indent="0">
+              <a:buNone/>
+            </a:pPr>
+            <a:r>
+              <a:rPr lang="en-US" sz="1200" dirty="0">
+                <a:latin typeface="Courier New" panose="02070309020205020404" pitchFamily="49" charset="0"/>
+                <a:cs typeface="Courier New" panose="02070309020205020404" pitchFamily="49" charset="0"/>
+              </a:rPr>
+              <a:t>        worker-&gt;</a:t>
+            </a:r>
+            <a:r>
+              <a:rPr lang="en-US" sz="1200" dirty="0" err="1">
+                <a:latin typeface="Courier New" panose="02070309020205020404" pitchFamily="49" charset="0"/>
+                <a:cs typeface="Courier New" panose="02070309020205020404" pitchFamily="49" charset="0"/>
+              </a:rPr>
+              <a:t>moveToThread</a:t>
+            </a:r>
+            <a:r>
+              <a:rPr lang="en-US" sz="1200" dirty="0">
+                <a:latin typeface="Courier New" panose="02070309020205020404" pitchFamily="49" charset="0"/>
+                <a:cs typeface="Courier New" panose="02070309020205020404" pitchFamily="49" charset="0"/>
+              </a:rPr>
+              <a:t>(&amp;</a:t>
+            </a:r>
+            <a:r>
+              <a:rPr lang="en-US" sz="1200" dirty="0" err="1">
+                <a:latin typeface="Courier New" panose="02070309020205020404" pitchFamily="49" charset="0"/>
+                <a:cs typeface="Courier New" panose="02070309020205020404" pitchFamily="49" charset="0"/>
+              </a:rPr>
+              <a:t>workerThread</a:t>
+            </a:r>
+            <a:r>
+              <a:rPr lang="en-US" sz="1200" dirty="0">
+                <a:latin typeface="Courier New" panose="02070309020205020404" pitchFamily="49" charset="0"/>
+                <a:cs typeface="Courier New" panose="02070309020205020404" pitchFamily="49" charset="0"/>
+              </a:rPr>
+              <a:t>);</a:t>
+            </a:r>
+          </a:p>
+          <a:p>
+            <a:pPr marL="0" indent="0">
+              <a:buNone/>
+            </a:pPr>
+            <a:r>
+              <a:rPr lang="en-US" sz="1200" dirty="0">
+                <a:latin typeface="Courier New" panose="02070309020205020404" pitchFamily="49" charset="0"/>
+                <a:cs typeface="Courier New" panose="02070309020205020404" pitchFamily="49" charset="0"/>
+              </a:rPr>
+              <a:t>        connect(&amp;</a:t>
+            </a:r>
+            <a:r>
+              <a:rPr lang="en-US" sz="1200" dirty="0" err="1">
+                <a:latin typeface="Courier New" panose="02070309020205020404" pitchFamily="49" charset="0"/>
+                <a:cs typeface="Courier New" panose="02070309020205020404" pitchFamily="49" charset="0"/>
+              </a:rPr>
+              <a:t>workerThread</a:t>
+            </a:r>
+            <a:r>
+              <a:rPr lang="en-US" sz="1200" dirty="0">
+                <a:latin typeface="Courier New" panose="02070309020205020404" pitchFamily="49" charset="0"/>
+                <a:cs typeface="Courier New" panose="02070309020205020404" pitchFamily="49" charset="0"/>
+              </a:rPr>
+              <a:t>, &amp;</a:t>
+            </a:r>
+            <a:r>
+              <a:rPr lang="en-US" sz="1200" dirty="0" err="1">
+                <a:latin typeface="Courier New" panose="02070309020205020404" pitchFamily="49" charset="0"/>
+                <a:cs typeface="Courier New" panose="02070309020205020404" pitchFamily="49" charset="0"/>
+              </a:rPr>
+              <a:t>QThread</a:t>
+            </a:r>
+            <a:r>
+              <a:rPr lang="en-US" sz="1200" dirty="0">
+                <a:latin typeface="Courier New" panose="02070309020205020404" pitchFamily="49" charset="0"/>
+                <a:cs typeface="Courier New" panose="02070309020205020404" pitchFamily="49" charset="0"/>
+              </a:rPr>
+              <a:t>::finished, </a:t>
+            </a:r>
+            <a:r>
+              <a:rPr lang="en-US" sz="1200" dirty="0" smtClean="0">
+                <a:latin typeface="Courier New" panose="02070309020205020404" pitchFamily="49" charset="0"/>
+                <a:cs typeface="Courier New" panose="02070309020205020404" pitchFamily="49" charset="0"/>
+              </a:rPr>
+              <a:t>worker, </a:t>
+            </a:r>
+            <a:r>
+              <a:rPr lang="en-US" sz="1200" dirty="0" err="1" smtClean="0">
+                <a:latin typeface="Courier New" panose="02070309020205020404" pitchFamily="49" charset="0"/>
+                <a:cs typeface="Courier New" panose="02070309020205020404" pitchFamily="49" charset="0"/>
+              </a:rPr>
+              <a:t>QObject</a:t>
+            </a:r>
+            <a:r>
+              <a:rPr lang="en-US" sz="1200" dirty="0">
+                <a:latin typeface="Courier New" panose="02070309020205020404" pitchFamily="49" charset="0"/>
+                <a:cs typeface="Courier New" panose="02070309020205020404" pitchFamily="49" charset="0"/>
+              </a:rPr>
+              <a:t>::</a:t>
+            </a:r>
+            <a:r>
+              <a:rPr lang="en-US" sz="1200" dirty="0" err="1">
+                <a:latin typeface="Courier New" panose="02070309020205020404" pitchFamily="49" charset="0"/>
+                <a:cs typeface="Courier New" panose="02070309020205020404" pitchFamily="49" charset="0"/>
+              </a:rPr>
+              <a:t>deleteLater</a:t>
+            </a:r>
+            <a:r>
+              <a:rPr lang="en-US" sz="1200" dirty="0">
+                <a:latin typeface="Courier New" panose="02070309020205020404" pitchFamily="49" charset="0"/>
+                <a:cs typeface="Courier New" panose="02070309020205020404" pitchFamily="49" charset="0"/>
+              </a:rPr>
+              <a:t>);</a:t>
+            </a:r>
+          </a:p>
+          <a:p>
+            <a:pPr marL="0" indent="0">
+              <a:buNone/>
+            </a:pPr>
+            <a:r>
+              <a:rPr lang="en-US" sz="1200" dirty="0">
+                <a:latin typeface="Courier New" panose="02070309020205020404" pitchFamily="49" charset="0"/>
+                <a:cs typeface="Courier New" panose="02070309020205020404" pitchFamily="49" charset="0"/>
+              </a:rPr>
+              <a:t>        connect(this, &amp;Controller::operate, worker, &amp;Worker::</a:t>
+            </a:r>
+            <a:r>
+              <a:rPr lang="en-US" sz="1200" dirty="0" err="1">
+                <a:latin typeface="Courier New" panose="02070309020205020404" pitchFamily="49" charset="0"/>
+                <a:cs typeface="Courier New" panose="02070309020205020404" pitchFamily="49" charset="0"/>
+              </a:rPr>
+              <a:t>doWork</a:t>
+            </a:r>
+            <a:r>
+              <a:rPr lang="en-US" sz="1200" dirty="0">
+                <a:latin typeface="Courier New" panose="02070309020205020404" pitchFamily="49" charset="0"/>
+                <a:cs typeface="Courier New" panose="02070309020205020404" pitchFamily="49" charset="0"/>
+              </a:rPr>
+              <a:t>);</a:t>
+            </a:r>
+          </a:p>
+          <a:p>
+            <a:pPr marL="0" indent="0">
+              <a:buNone/>
+            </a:pPr>
+            <a:r>
+              <a:rPr lang="en-US" sz="1200" dirty="0">
+                <a:latin typeface="Courier New" panose="02070309020205020404" pitchFamily="49" charset="0"/>
+                <a:cs typeface="Courier New" panose="02070309020205020404" pitchFamily="49" charset="0"/>
+              </a:rPr>
+              <a:t>        connect(worker, &amp;Worker::</a:t>
+            </a:r>
+            <a:r>
+              <a:rPr lang="en-US" sz="1200" dirty="0" err="1">
+                <a:latin typeface="Courier New" panose="02070309020205020404" pitchFamily="49" charset="0"/>
+                <a:cs typeface="Courier New" panose="02070309020205020404" pitchFamily="49" charset="0"/>
+              </a:rPr>
+              <a:t>resultReady</a:t>
+            </a:r>
+            <a:r>
+              <a:rPr lang="en-US" sz="1200" dirty="0">
+                <a:latin typeface="Courier New" panose="02070309020205020404" pitchFamily="49" charset="0"/>
+                <a:cs typeface="Courier New" panose="02070309020205020404" pitchFamily="49" charset="0"/>
+              </a:rPr>
+              <a:t>, this, &amp;Controller::</a:t>
+            </a:r>
+            <a:r>
+              <a:rPr lang="en-US" sz="1200" dirty="0" err="1">
+                <a:latin typeface="Courier New" panose="02070309020205020404" pitchFamily="49" charset="0"/>
+                <a:cs typeface="Courier New" panose="02070309020205020404" pitchFamily="49" charset="0"/>
+              </a:rPr>
+              <a:t>handleResults</a:t>
+            </a:r>
+            <a:r>
+              <a:rPr lang="en-US" sz="1200" dirty="0">
+                <a:latin typeface="Courier New" panose="02070309020205020404" pitchFamily="49" charset="0"/>
+                <a:cs typeface="Courier New" panose="02070309020205020404" pitchFamily="49" charset="0"/>
+              </a:rPr>
+              <a:t>);</a:t>
+            </a:r>
+          </a:p>
+          <a:p>
+            <a:pPr marL="0" indent="0">
+              <a:buNone/>
+            </a:pPr>
+            <a:r>
+              <a:rPr lang="en-US" sz="1200" dirty="0">
+                <a:latin typeface="Courier New" panose="02070309020205020404" pitchFamily="49" charset="0"/>
+                <a:cs typeface="Courier New" panose="02070309020205020404" pitchFamily="49" charset="0"/>
+              </a:rPr>
+              <a:t>        </a:t>
+            </a:r>
+            <a:r>
+              <a:rPr lang="en-US" sz="1200" dirty="0" err="1">
+                <a:latin typeface="Courier New" panose="02070309020205020404" pitchFamily="49" charset="0"/>
+                <a:cs typeface="Courier New" panose="02070309020205020404" pitchFamily="49" charset="0"/>
+              </a:rPr>
+              <a:t>workerThread.start</a:t>
+            </a:r>
+            <a:r>
+              <a:rPr lang="en-US" sz="1200" dirty="0">
+                <a:latin typeface="Courier New" panose="02070309020205020404" pitchFamily="49" charset="0"/>
+                <a:cs typeface="Courier New" panose="02070309020205020404" pitchFamily="49" charset="0"/>
+              </a:rPr>
+              <a:t>();</a:t>
+            </a:r>
+          </a:p>
+          <a:p>
+            <a:pPr marL="0" indent="0">
+              <a:buNone/>
+            </a:pPr>
+            <a:r>
+              <a:rPr lang="en-US" sz="1200" dirty="0">
+                <a:latin typeface="Courier New" panose="02070309020205020404" pitchFamily="49" charset="0"/>
+                <a:cs typeface="Courier New" panose="02070309020205020404" pitchFamily="49" charset="0"/>
+              </a:rPr>
+              <a:t>    </a:t>
+            </a:r>
+            <a:r>
+              <a:rPr lang="en-US" sz="1200" dirty="0" smtClean="0">
+                <a:latin typeface="Courier New" panose="02070309020205020404" pitchFamily="49" charset="0"/>
+                <a:cs typeface="Courier New" panose="02070309020205020404" pitchFamily="49" charset="0"/>
+              </a:rPr>
+              <a:t>}</a:t>
+            </a:r>
+          </a:p>
+          <a:p>
+            <a:pPr marL="0" indent="0">
+              <a:buNone/>
+            </a:pPr>
+            <a:r>
+              <a:rPr lang="fr-CH" sz="1200" dirty="0" smtClean="0">
+                <a:latin typeface="Courier New" panose="02070309020205020404" pitchFamily="49" charset="0"/>
+                <a:cs typeface="Courier New" panose="02070309020205020404" pitchFamily="49" charset="0"/>
+              </a:rPr>
+              <a:t>	~</a:t>
+            </a:r>
+            <a:r>
+              <a:rPr lang="fr-CH" sz="1200" dirty="0">
+                <a:latin typeface="Courier New" panose="02070309020205020404" pitchFamily="49" charset="0"/>
+                <a:cs typeface="Courier New" panose="02070309020205020404" pitchFamily="49" charset="0"/>
+              </a:rPr>
+              <a:t>Controller() {</a:t>
+            </a:r>
+          </a:p>
+          <a:p>
+            <a:pPr marL="0" indent="0">
+              <a:buNone/>
+            </a:pPr>
+            <a:r>
+              <a:rPr lang="fr-CH" sz="1200" dirty="0">
+                <a:latin typeface="Courier New" panose="02070309020205020404" pitchFamily="49" charset="0"/>
+                <a:cs typeface="Courier New" panose="02070309020205020404" pitchFamily="49" charset="0"/>
+              </a:rPr>
+              <a:t>        </a:t>
+            </a:r>
+            <a:r>
+              <a:rPr lang="fr-CH" sz="1200" dirty="0" err="1">
+                <a:latin typeface="Courier New" panose="02070309020205020404" pitchFamily="49" charset="0"/>
+                <a:cs typeface="Courier New" panose="02070309020205020404" pitchFamily="49" charset="0"/>
+              </a:rPr>
+              <a:t>workerThread.quit</a:t>
+            </a:r>
+            <a:r>
+              <a:rPr lang="fr-CH" sz="1200" dirty="0">
+                <a:latin typeface="Courier New" panose="02070309020205020404" pitchFamily="49" charset="0"/>
+                <a:cs typeface="Courier New" panose="02070309020205020404" pitchFamily="49" charset="0"/>
+              </a:rPr>
+              <a:t>();</a:t>
+            </a:r>
+          </a:p>
+          <a:p>
+            <a:pPr marL="0" indent="0">
+              <a:buNone/>
+            </a:pPr>
+            <a:r>
+              <a:rPr lang="fr-CH" sz="1200" dirty="0">
+                <a:latin typeface="Courier New" panose="02070309020205020404" pitchFamily="49" charset="0"/>
+                <a:cs typeface="Courier New" panose="02070309020205020404" pitchFamily="49" charset="0"/>
+              </a:rPr>
+              <a:t>        </a:t>
+            </a:r>
+            <a:r>
+              <a:rPr lang="fr-CH" sz="1200" dirty="0" err="1">
+                <a:latin typeface="Courier New" panose="02070309020205020404" pitchFamily="49" charset="0"/>
+                <a:cs typeface="Courier New" panose="02070309020205020404" pitchFamily="49" charset="0"/>
+              </a:rPr>
+              <a:t>workerThread.wait</a:t>
+            </a:r>
+            <a:r>
+              <a:rPr lang="fr-CH" sz="1200" dirty="0">
+                <a:latin typeface="Courier New" panose="02070309020205020404" pitchFamily="49" charset="0"/>
+                <a:cs typeface="Courier New" panose="02070309020205020404" pitchFamily="49" charset="0"/>
+              </a:rPr>
+              <a:t>();</a:t>
+            </a:r>
+          </a:p>
+          <a:p>
+            <a:pPr marL="0" indent="0">
+              <a:buNone/>
+            </a:pPr>
+            <a:r>
+              <a:rPr lang="fr-CH" sz="1200" dirty="0">
+                <a:latin typeface="Courier New" panose="02070309020205020404" pitchFamily="49" charset="0"/>
+                <a:cs typeface="Courier New" panose="02070309020205020404" pitchFamily="49" charset="0"/>
+              </a:rPr>
+              <a:t>    }</a:t>
+            </a:r>
+          </a:p>
+        </p:txBody>
+      </p:sp>
+      <p:sp>
+        <p:nvSpPr>
+          <p:cNvPr id="4" name="Espace réservé du numéro de diapositive 3"/>
+          <p:cNvSpPr>
+            <a:spLocks noGrp="1"/>
+          </p:cNvSpPr>
+          <p:nvPr>
+            <p:ph type="sldNum" sz="quarter" idx="12"/>
+          </p:nvPr>
+        </p:nvSpPr>
         <p:spPr/>
         <p:txBody>
-          <a:bodyPr>
-            <a:normAutofit/>
-          </a:bodyPr>
-          <a:lstStyle/>
-          <a:p>
-            <a:r>
-              <a:rPr lang="fr-CH" sz="2800" dirty="0" smtClean="0"/>
-              <a:t>Créer une classe héritant de </a:t>
-            </a:r>
-            <a:r>
-              <a:rPr lang="fr-CH" sz="2800" dirty="0" err="1" smtClean="0"/>
-              <a:t>Qthread</a:t>
-            </a:r>
-            <a:endParaRPr lang="fr-CH" sz="2800" dirty="0" smtClean="0"/>
-          </a:p>
-          <a:p>
-            <a:r>
-              <a:rPr lang="fr-CH" sz="2800" dirty="0" err="1" smtClean="0"/>
-              <a:t>Réimplémenter</a:t>
-            </a:r>
-            <a:r>
-              <a:rPr lang="fr-CH" sz="2800" dirty="0" smtClean="0"/>
-              <a:t> la méthode </a:t>
-            </a:r>
-            <a:r>
-              <a:rPr lang="fr-CH" sz="2800" dirty="0" err="1" smtClean="0"/>
-              <a:t>run</a:t>
-            </a:r>
-            <a:r>
-              <a:rPr lang="fr-CH" sz="2800" dirty="0" smtClean="0"/>
-              <a:t>() dans cette classe</a:t>
-            </a:r>
-          </a:p>
-          <a:p>
-            <a:r>
-              <a:rPr lang="fr-CH" sz="2800" dirty="0" smtClean="0"/>
-              <a:t>Instancier un objet de cette classe et l’exécuter grâce à </a:t>
-            </a:r>
-            <a:r>
-              <a:rPr lang="fr-CH" sz="2800" dirty="0" err="1" smtClean="0"/>
-              <a:t>start</a:t>
-            </a:r>
-            <a:r>
-              <a:rPr lang="fr-CH" sz="2800" dirty="0" smtClean="0"/>
-              <a:t>()</a:t>
-            </a:r>
+          <a:bodyPr/>
+          <a:lstStyle/>
+          <a:p>
+            <a:fld id="{D57F1E4F-1CFF-5643-939E-217C01CDF565}" type="slidenum">
+              <a:rPr lang="en-US" smtClean="0"/>
+              <a:pPr/>
+              <a:t>8</a:t>
+            </a:fld>
+            <a:endParaRPr lang="en-US" dirty="0"/>
           </a:p>
         </p:txBody>
       </p:sp>
     </p:spTree>
     <p:extLst>
       <p:ext uri="{BB962C8B-B14F-4D97-AF65-F5344CB8AC3E}">
-        <p14:creationId xmlns:p14="http://schemas.microsoft.com/office/powerpoint/2010/main" val="2735564815"/>
+        <p14:creationId xmlns:p14="http://schemas.microsoft.com/office/powerpoint/2010/main" val="2189205428"/>
       </p:ext>
     </p:extLst>
   </p:cSld>
   <p:clrMapOvr>
     <a:masterClrMapping/>
   </p:clrMapOvr>
+  <p:timing>
+    <p:tnLst>
+      <p:par>
+        <p:cTn id="1" dur="indefinite" restart="never" nodeType="tmRoot"/>
+      </p:par>
+    </p:tnLst>
+  </p:timing>
 </p:sld>
 </file>
 
@@ -8077,8 +10423,8 @@
         </p:nvSpPr>
         <p:spPr>
           <a:xfrm>
-            <a:off x="677333" y="609600"/>
-            <a:ext cx="8804417" cy="1320800"/>
+            <a:off x="677334" y="609600"/>
+            <a:ext cx="8771466" cy="1320800"/>
           </a:xfrm>
         </p:spPr>
         <p:txBody>
@@ -8093,8 +10439,13 @@
             </a:r>
             <a:r>
               <a:rPr lang="fr-CH" sz="4000" dirty="0"/>
-              <a:t>: Implémentation Méthode 2</a:t>
-            </a:r>
+              <a:t>: Implémentation Méthode </a:t>
+            </a:r>
+            <a:r>
+              <a:rPr lang="fr-CH" sz="4000" dirty="0" smtClean="0"/>
+              <a:t>2</a:t>
+            </a:r>
+            <a:endParaRPr lang="fr-CH" sz="4000" dirty="0"/>
           </a:p>
         </p:txBody>
       </p:sp>
@@ -8111,261 +10462,95 @@
         <p:spPr/>
         <p:txBody>
           <a:bodyPr>
-            <a:normAutofit fontScale="92500" lnSpcReduction="20000"/>
+            <a:normAutofit/>
           </a:bodyPr>
           <a:lstStyle/>
           <a:p>
-            <a:pPr marL="0" indent="0">
-              <a:buNone/>
-            </a:pPr>
-            <a:r>
-              <a:rPr lang="en-US" dirty="0">
-                <a:latin typeface="Courier New" panose="02070309020205020404" pitchFamily="49" charset="0"/>
-                <a:cs typeface="Courier New" panose="02070309020205020404" pitchFamily="49" charset="0"/>
-              </a:rPr>
-              <a:t>class </a:t>
-            </a:r>
-            <a:r>
-              <a:rPr lang="en-US" dirty="0" err="1">
-                <a:latin typeface="Courier New" panose="02070309020205020404" pitchFamily="49" charset="0"/>
-                <a:cs typeface="Courier New" panose="02070309020205020404" pitchFamily="49" charset="0"/>
-              </a:rPr>
-              <a:t>WorkerThread</a:t>
-            </a:r>
-            <a:r>
-              <a:rPr lang="en-US" dirty="0">
-                <a:latin typeface="Courier New" panose="02070309020205020404" pitchFamily="49" charset="0"/>
-                <a:cs typeface="Courier New" panose="02070309020205020404" pitchFamily="49" charset="0"/>
-              </a:rPr>
-              <a:t> : public </a:t>
-            </a:r>
-            <a:r>
-              <a:rPr lang="en-US" dirty="0" err="1">
-                <a:latin typeface="Courier New" panose="02070309020205020404" pitchFamily="49" charset="0"/>
-                <a:cs typeface="Courier New" panose="02070309020205020404" pitchFamily="49" charset="0"/>
-              </a:rPr>
-              <a:t>QThread</a:t>
-            </a:r>
-            <a:endParaRPr lang="en-US" dirty="0">
-              <a:latin typeface="Courier New" panose="02070309020205020404" pitchFamily="49" charset="0"/>
-              <a:cs typeface="Courier New" panose="02070309020205020404" pitchFamily="49" charset="0"/>
-            </a:endParaRPr>
-          </a:p>
-          <a:p>
-            <a:pPr marL="0" indent="0">
-              <a:buNone/>
-            </a:pPr>
-            <a:r>
-              <a:rPr lang="en-US" dirty="0">
-                <a:latin typeface="Courier New" panose="02070309020205020404" pitchFamily="49" charset="0"/>
-                <a:cs typeface="Courier New" panose="02070309020205020404" pitchFamily="49" charset="0"/>
-              </a:rPr>
-              <a:t>{</a:t>
-            </a:r>
-          </a:p>
-          <a:p>
-            <a:pPr marL="0" indent="0">
-              <a:buNone/>
-            </a:pPr>
-            <a:r>
-              <a:rPr lang="en-US" dirty="0">
-                <a:latin typeface="Courier New" panose="02070309020205020404" pitchFamily="49" charset="0"/>
-                <a:cs typeface="Courier New" panose="02070309020205020404" pitchFamily="49" charset="0"/>
-              </a:rPr>
-              <a:t>    Q_OBJECT</a:t>
-            </a:r>
-          </a:p>
-          <a:p>
-            <a:pPr marL="0" indent="0">
-              <a:buNone/>
-            </a:pPr>
-            <a:r>
-              <a:rPr lang="en-US" dirty="0">
-                <a:latin typeface="Courier New" panose="02070309020205020404" pitchFamily="49" charset="0"/>
-                <a:cs typeface="Courier New" panose="02070309020205020404" pitchFamily="49" charset="0"/>
-              </a:rPr>
-              <a:t>    void run() Q_DECL_OVERRIDE {</a:t>
-            </a:r>
-          </a:p>
-          <a:p>
-            <a:pPr marL="0" indent="0">
-              <a:buNone/>
-            </a:pPr>
-            <a:r>
-              <a:rPr lang="en-US" dirty="0">
-                <a:latin typeface="Courier New" panose="02070309020205020404" pitchFamily="49" charset="0"/>
-                <a:cs typeface="Courier New" panose="02070309020205020404" pitchFamily="49" charset="0"/>
-              </a:rPr>
-              <a:t>        </a:t>
-            </a:r>
-            <a:r>
-              <a:rPr lang="en-US" dirty="0" err="1">
-                <a:latin typeface="Courier New" panose="02070309020205020404" pitchFamily="49" charset="0"/>
-                <a:cs typeface="Courier New" panose="02070309020205020404" pitchFamily="49" charset="0"/>
-              </a:rPr>
-              <a:t>QString</a:t>
-            </a:r>
-            <a:r>
-              <a:rPr lang="en-US" dirty="0">
-                <a:latin typeface="Courier New" panose="02070309020205020404" pitchFamily="49" charset="0"/>
-                <a:cs typeface="Courier New" panose="02070309020205020404" pitchFamily="49" charset="0"/>
-              </a:rPr>
-              <a:t> result;</a:t>
-            </a:r>
-          </a:p>
-          <a:p>
-            <a:pPr marL="0" indent="0">
-              <a:buNone/>
-            </a:pPr>
-            <a:r>
-              <a:rPr lang="en-US" dirty="0">
-                <a:latin typeface="Courier New" panose="02070309020205020404" pitchFamily="49" charset="0"/>
-                <a:cs typeface="Courier New" panose="02070309020205020404" pitchFamily="49" charset="0"/>
-              </a:rPr>
-              <a:t>        /* ... here is the expensive or blocking operation ... */</a:t>
-            </a:r>
-          </a:p>
-          <a:p>
-            <a:pPr marL="0" indent="0">
-              <a:buNone/>
-            </a:pPr>
-            <a:r>
-              <a:rPr lang="en-US" dirty="0">
-                <a:latin typeface="Courier New" panose="02070309020205020404" pitchFamily="49" charset="0"/>
-                <a:cs typeface="Courier New" panose="02070309020205020404" pitchFamily="49" charset="0"/>
-              </a:rPr>
-              <a:t>        emit </a:t>
-            </a:r>
-            <a:r>
-              <a:rPr lang="en-US" dirty="0" err="1">
-                <a:latin typeface="Courier New" panose="02070309020205020404" pitchFamily="49" charset="0"/>
-                <a:cs typeface="Courier New" panose="02070309020205020404" pitchFamily="49" charset="0"/>
-              </a:rPr>
-              <a:t>resultReady</a:t>
-            </a:r>
-            <a:r>
-              <a:rPr lang="en-US" dirty="0">
-                <a:latin typeface="Courier New" panose="02070309020205020404" pitchFamily="49" charset="0"/>
-                <a:cs typeface="Courier New" panose="02070309020205020404" pitchFamily="49" charset="0"/>
-              </a:rPr>
-              <a:t>(result);</a:t>
-            </a:r>
-          </a:p>
-          <a:p>
-            <a:pPr marL="0" indent="0">
-              <a:buNone/>
-            </a:pPr>
-            <a:r>
-              <a:rPr lang="en-US" dirty="0">
-                <a:latin typeface="Courier New" panose="02070309020205020404" pitchFamily="49" charset="0"/>
-                <a:cs typeface="Courier New" panose="02070309020205020404" pitchFamily="49" charset="0"/>
-              </a:rPr>
-              <a:t>    }</a:t>
-            </a:r>
-          </a:p>
-          <a:p>
-            <a:pPr marL="0" indent="0">
-              <a:buNone/>
-            </a:pPr>
-            <a:r>
-              <a:rPr lang="en-US" dirty="0">
-                <a:latin typeface="Courier New" panose="02070309020205020404" pitchFamily="49" charset="0"/>
-                <a:cs typeface="Courier New" panose="02070309020205020404" pitchFamily="49" charset="0"/>
-              </a:rPr>
-              <a:t>signals:</a:t>
-            </a:r>
-          </a:p>
-          <a:p>
-            <a:pPr marL="0" indent="0">
-              <a:buNone/>
-            </a:pPr>
-            <a:r>
-              <a:rPr lang="en-US" dirty="0">
-                <a:latin typeface="Courier New" panose="02070309020205020404" pitchFamily="49" charset="0"/>
-                <a:cs typeface="Courier New" panose="02070309020205020404" pitchFamily="49" charset="0"/>
-              </a:rPr>
-              <a:t>    void </a:t>
-            </a:r>
-            <a:r>
-              <a:rPr lang="en-US" dirty="0" err="1">
-                <a:latin typeface="Courier New" panose="02070309020205020404" pitchFamily="49" charset="0"/>
-                <a:cs typeface="Courier New" panose="02070309020205020404" pitchFamily="49" charset="0"/>
-              </a:rPr>
-              <a:t>resultReady</a:t>
-            </a:r>
-            <a:r>
-              <a:rPr lang="en-US" dirty="0">
-                <a:latin typeface="Courier New" panose="02070309020205020404" pitchFamily="49" charset="0"/>
-                <a:cs typeface="Courier New" panose="02070309020205020404" pitchFamily="49" charset="0"/>
-              </a:rPr>
-              <a:t>(</a:t>
-            </a:r>
-            <a:r>
-              <a:rPr lang="en-US" dirty="0" err="1">
-                <a:latin typeface="Courier New" panose="02070309020205020404" pitchFamily="49" charset="0"/>
-                <a:cs typeface="Courier New" panose="02070309020205020404" pitchFamily="49" charset="0"/>
-              </a:rPr>
-              <a:t>const</a:t>
-            </a:r>
-            <a:r>
-              <a:rPr lang="en-US" dirty="0">
-                <a:latin typeface="Courier New" panose="02070309020205020404" pitchFamily="49" charset="0"/>
-                <a:cs typeface="Courier New" panose="02070309020205020404" pitchFamily="49" charset="0"/>
-              </a:rPr>
-              <a:t> </a:t>
-            </a:r>
-            <a:r>
-              <a:rPr lang="en-US" dirty="0" err="1">
-                <a:latin typeface="Courier New" panose="02070309020205020404" pitchFamily="49" charset="0"/>
-                <a:cs typeface="Courier New" panose="02070309020205020404" pitchFamily="49" charset="0"/>
-              </a:rPr>
-              <a:t>QString</a:t>
-            </a:r>
-            <a:r>
-              <a:rPr lang="en-US" dirty="0">
-                <a:latin typeface="Courier New" panose="02070309020205020404" pitchFamily="49" charset="0"/>
-                <a:cs typeface="Courier New" panose="02070309020205020404" pitchFamily="49" charset="0"/>
-              </a:rPr>
-              <a:t> &amp;s);</a:t>
-            </a:r>
-          </a:p>
-          <a:p>
-            <a:pPr marL="0" indent="0">
-              <a:buNone/>
-            </a:pPr>
-            <a:r>
-              <a:rPr lang="en-US" dirty="0">
-                <a:latin typeface="Courier New" panose="02070309020205020404" pitchFamily="49" charset="0"/>
-                <a:cs typeface="Courier New" panose="02070309020205020404" pitchFamily="49" charset="0"/>
-              </a:rPr>
-              <a:t>};</a:t>
-            </a:r>
-            <a:endParaRPr lang="fr-CH" dirty="0">
-              <a:latin typeface="Courier New" panose="02070309020205020404" pitchFamily="49" charset="0"/>
-              <a:cs typeface="Courier New" panose="02070309020205020404" pitchFamily="49" charset="0"/>
-            </a:endParaRPr>
-          </a:p>
-          <a:p>
-            <a:pPr marL="0" indent="0">
-              <a:buNone/>
-            </a:pPr>
-            <a:endParaRPr lang="fr-CH" dirty="0">
-              <a:latin typeface="Courier New" panose="02070309020205020404" pitchFamily="49" charset="0"/>
-              <a:cs typeface="Courier New" panose="02070309020205020404" pitchFamily="49" charset="0"/>
-            </a:endParaRPr>
+            <a:r>
+              <a:rPr lang="fr-CH" sz="2800" dirty="0" smtClean="0"/>
+              <a:t>Créer une classe héritant de </a:t>
+            </a:r>
+            <a:r>
+              <a:rPr lang="fr-CH" sz="2800" dirty="0" err="1" smtClean="0"/>
+              <a:t>Qthread</a:t>
+            </a:r>
+            <a:endParaRPr lang="fr-CH" sz="2800" dirty="0" smtClean="0"/>
+          </a:p>
+          <a:p>
+            <a:r>
+              <a:rPr lang="fr-CH" sz="2800" dirty="0" err="1" smtClean="0"/>
+              <a:t>Réimplémenter</a:t>
+            </a:r>
+            <a:r>
+              <a:rPr lang="fr-CH" sz="2800" dirty="0" smtClean="0"/>
+              <a:t> la méthode </a:t>
+            </a:r>
+            <a:r>
+              <a:rPr lang="fr-CH" sz="2800" dirty="0" err="1" smtClean="0"/>
+              <a:t>run</a:t>
+            </a:r>
+            <a:r>
+              <a:rPr lang="fr-CH" sz="2800" dirty="0" smtClean="0"/>
+              <a:t>() dans cette classe</a:t>
+            </a:r>
+          </a:p>
+          <a:p>
+            <a:r>
+              <a:rPr lang="fr-CH" sz="2800" dirty="0" smtClean="0"/>
+              <a:t>Instancier un objet de cette classe et l’exécuter grâce à </a:t>
+            </a:r>
+            <a:r>
+              <a:rPr lang="fr-CH" sz="2800" dirty="0" err="1" smtClean="0"/>
+              <a:t>start</a:t>
+            </a:r>
+            <a:r>
+              <a:rPr lang="fr-CH" sz="2800" dirty="0" smtClean="0"/>
+              <a:t>()</a:t>
+            </a:r>
+          </a:p>
+        </p:txBody>
+      </p:sp>
+      <p:sp>
+        <p:nvSpPr>
+          <p:cNvPr id="4" name="Espace réservé du numéro de diapositive 3"/>
+          <p:cNvSpPr>
+            <a:spLocks noGrp="1"/>
+          </p:cNvSpPr>
+          <p:nvPr>
+            <p:ph type="sldNum" sz="quarter" idx="12"/>
+          </p:nvPr>
+        </p:nvSpPr>
+        <p:spPr/>
+        <p:txBody>
+          <a:bodyPr/>
+          <a:lstStyle/>
+          <a:p>
+            <a:fld id="{D57F1E4F-1CFF-5643-939E-217C01CDF565}" type="slidenum">
+              <a:rPr lang="en-US" smtClean="0"/>
+              <a:pPr/>
+              <a:t>9</a:t>
+            </a:fld>
+            <a:endParaRPr lang="en-US" dirty="0"/>
           </a:p>
         </p:txBody>
       </p:sp>
     </p:spTree>
     <p:extLst>
       <p:ext uri="{BB962C8B-B14F-4D97-AF65-F5344CB8AC3E}">
-        <p14:creationId xmlns:p14="http://schemas.microsoft.com/office/powerpoint/2010/main" val="3081206563"/>
+        <p14:creationId xmlns:p14="http://schemas.microsoft.com/office/powerpoint/2010/main" val="2735564815"/>
       </p:ext>
     </p:extLst>
   </p:cSld>
   <p:clrMapOvr>
     <a:masterClrMapping/>
   </p:clrMapOvr>
+  <p:timing>
+    <p:tnLst>
+      <p:par>
+        <p:cTn id="1" dur="indefinite" restart="never" nodeType="tmRoot"/>
+      </p:par>
+    </p:tnLst>
+  </p:timing>
 </p:sld>
 </file>
 
@@ -8624,4 +10809,265 @@
     </a:ext>
   </a:extLst>
 </a:theme>
+</file>
+
+<file path=ppt/theme/theme2.xml><?xml version="1.0" encoding="utf-8"?>
+<a:theme xmlns:a="http://schemas.openxmlformats.org/drawingml/2006/main" name="Thème Office">
+  <a:themeElements>
+    <a:clrScheme name="Office">
+      <a:dk1>
+        <a:sysClr val="windowText" lastClr="000000"/>
+      </a:dk1>
+      <a:lt1>
+        <a:sysClr val="window" lastClr="FFFFFF"/>
+      </a:lt1>
+      <a:dk2>
+        <a:srgbClr val="44546A"/>
+      </a:dk2>
+      <a:lt2>
+        <a:srgbClr val="E7E6E6"/>
+      </a:lt2>
+      <a:accent1>
+        <a:srgbClr val="5B9BD5"/>
+      </a:accent1>
+      <a:accent2>
+        <a:srgbClr val="ED7D31"/>
+      </a:accent2>
+      <a:accent3>
+        <a:srgbClr val="A5A5A5"/>
+      </a:accent3>
+      <a:accent4>
+        <a:srgbClr val="FFC000"/>
+      </a:accent4>
+      <a:accent5>
+        <a:srgbClr val="4472C4"/>
+      </a:accent5>
+      <a:accent6>
+        <a:srgbClr val="70AD47"/>
+      </a:accent6>
+      <a:hlink>
+        <a:srgbClr val="0563C1"/>
+      </a:hlink>
+      <a:folHlink>
+        <a:srgbClr val="954F72"/>
+      </a:folHlink>
+    </a:clrScheme>
+    <a:fontScheme name="Office">
+      <a:majorFont>
+        <a:latin typeface="Calibri Light" panose="020F0302020204030204"/>
+        <a:ea typeface=""/>
+        <a:cs typeface=""/>
+        <a:font script="Jpan" typeface="ＭＳ Ｐゴシック"/>
+        <a:font script="Hang" typeface="맑은 고딕"/>
+        <a:font script="Hans" typeface="宋体"/>
+        <a:font script="Hant" typeface="新細明體"/>
+        <a:font script="Arab" typeface="Times New Roman"/>
+        <a:font script="Hebr" typeface="Times New Roman"/>
+        <a:font script="Thai" typeface="Angsana New"/>
+        <a:font script="Ethi" typeface="Nyala"/>
+        <a:font script="Beng" typeface="Vrinda"/>
+        <a:font script="Gujr" typeface="Shruti"/>
+        <a:font script="Khmr" typeface="MoolBoran"/>
+        <a:font script="Knda" typeface="Tunga"/>
+        <a:font script="Guru" typeface="Raavi"/>
+        <a:font script="Cans" typeface="Euphemia"/>
+        <a:font script="Cher" typeface="Plantagenet Cherokee"/>
+        <a:font script="Yiii" typeface="Microsoft Yi Baiti"/>
+        <a:font script="Tibt" typeface="Microsoft Himalaya"/>
+        <a:font script="Thaa" typeface="MV Boli"/>
+        <a:font script="Deva" typeface="Mangal"/>
+        <a:font script="Telu" typeface="Gautami"/>
+        <a:font script="Taml" typeface="Latha"/>
+        <a:font script="Syrc" typeface="Estrangelo Edessa"/>
+        <a:font script="Orya" typeface="Kalinga"/>
+        <a:font script="Mlym" typeface="Kartika"/>
+        <a:font script="Laoo" typeface="DokChampa"/>
+        <a:font script="Sinh" typeface="Iskoola Pota"/>
+        <a:font script="Mong" typeface="Mongolian Baiti"/>
+        <a:font script="Viet" typeface="Times New Roman"/>
+        <a:font script="Uigh" typeface="Microsoft Uighur"/>
+        <a:font script="Geor" typeface="Sylfaen"/>
+      </a:majorFont>
+      <a:minorFont>
+        <a:latin typeface="Calibri" panose="020F0502020204030204"/>
+        <a:ea typeface=""/>
+        <a:cs typeface=""/>
+        <a:font script="Jpan" typeface="ＭＳ Ｐゴシック"/>
+        <a:font script="Hang" typeface="맑은 고딕"/>
+        <a:font script="Hans" typeface="宋体"/>
+        <a:font script="Hant" typeface="新細明體"/>
+        <a:font script="Arab" typeface="Arial"/>
+        <a:font script="Hebr" typeface="Arial"/>
+        <a:font script="Thai" typeface="Cordia New"/>
+        <a:font script="Ethi" typeface="Nyala"/>
+        <a:font script="Beng" typeface="Vrinda"/>
+        <a:font script="Gujr" typeface="Shruti"/>
+        <a:font script="Khmr" typeface="DaunPenh"/>
+        <a:font script="Knda" typeface="Tunga"/>
+        <a:font script="Guru" typeface="Raavi"/>
+        <a:font script="Cans" typeface="Euphemia"/>
+        <a:font script="Cher" typeface="Plantagenet Cherokee"/>
+        <a:font script="Yiii" typeface="Microsoft Yi Baiti"/>
+        <a:font script="Tibt" typeface="Microsoft Himalaya"/>
+        <a:font script="Thaa" typeface="MV Boli"/>
+        <a:font script="Deva" typeface="Mangal"/>
+        <a:font script="Telu" typeface="Gautami"/>
+        <a:font script="Taml" typeface="Latha"/>
+        <a:font script="Syrc" typeface="Estrangelo Edessa"/>
+        <a:font script="Orya" typeface="Kalinga"/>
+        <a:font script="Mlym" typeface="Kartika"/>
+        <a:font script="Laoo" typeface="DokChampa"/>
+        <a:font script="Sinh" typeface="Iskoola Pota"/>
+        <a:font script="Mong" typeface="Mongolian Baiti"/>
+        <a:font script="Viet" typeface="Arial"/>
+        <a:font script="Uigh" typeface="Microsoft Uighur"/>
+        <a:font script="Geor" typeface="Sylfaen"/>
+      </a:minorFont>
+    </a:fontScheme>
+    <a:fmtScheme name="Office">
+      <a:fillStyleLst>
+        <a:solidFill>
+          <a:schemeClr val="phClr"/>
+        </a:solidFill>
+        <a:gradFill rotWithShape="1">
+          <a:gsLst>
+            <a:gs pos="0">
+              <a:schemeClr val="phClr">
+                <a:lumMod val="110000"/>
+                <a:satMod val="105000"/>
+                <a:tint val="67000"/>
+              </a:schemeClr>
+            </a:gs>
+            <a:gs pos="50000">
+              <a:schemeClr val="phClr">
+                <a:lumMod val="105000"/>
+                <a:satMod val="103000"/>
+                <a:tint val="73000"/>
+              </a:schemeClr>
+            </a:gs>
+            <a:gs pos="100000">
+              <a:schemeClr val="phClr">
+                <a:lumMod val="105000"/>
+                <a:satMod val="109000"/>
+                <a:tint val="81000"/>
+              </a:schemeClr>
+            </a:gs>
+          </a:gsLst>
+          <a:lin ang="5400000" scaled="0"/>
+        </a:gradFill>
+        <a:gradFill rotWithShape="1">
+          <a:gsLst>
+            <a:gs pos="0">
+              <a:schemeClr val="phClr">
+                <a:satMod val="103000"/>
+                <a:lumMod val="102000"/>
+                <a:tint val="94000"/>
+              </a:schemeClr>
+            </a:gs>
+            <a:gs pos="50000">
+              <a:schemeClr val="phClr">
+                <a:satMod val="110000"/>
+                <a:lumMod val="100000"/>
+                <a:shade val="100000"/>
+              </a:schemeClr>
+            </a:gs>
+            <a:gs pos="100000">
+              <a:schemeClr val="phClr">
+                <a:lumMod val="99000"/>
+                <a:satMod val="120000"/>
+                <a:shade val="78000"/>
+              </a:schemeClr>
+            </a:gs>
+          </a:gsLst>
+          <a:lin ang="5400000" scaled="0"/>
+        </a:gradFill>
+      </a:fillStyleLst>
+      <a:lnStyleLst>
+        <a:ln w="6350" cap="flat" cmpd="sng" algn="ctr">
+          <a:solidFill>
+            <a:schemeClr val="phClr"/>
+          </a:solidFill>
+          <a:prstDash val="solid"/>
+          <a:miter lim="800000"/>
+        </a:ln>
+        <a:ln w="12700" cap="flat" cmpd="sng" algn="ctr">
+          <a:solidFill>
+            <a:schemeClr val="phClr"/>
+          </a:solidFill>
+          <a:prstDash val="solid"/>
+          <a:miter lim="800000"/>
+        </a:ln>
+        <a:ln w="19050" cap="flat" cmpd="sng" algn="ctr">
+          <a:solidFill>
+            <a:schemeClr val="phClr"/>
+          </a:solidFill>
+          <a:prstDash val="solid"/>
+          <a:miter lim="800000"/>
+        </a:ln>
+      </a:lnStyleLst>
+      <a:effectStyleLst>
+        <a:effectStyle>
+          <a:effectLst/>
+        </a:effectStyle>
+        <a:effectStyle>
+          <a:effectLst/>
+        </a:effectStyle>
+        <a:effectStyle>
+          <a:effectLst>
+            <a:outerShdw blurRad="57150" dist="19050" dir="5400000" algn="ctr" rotWithShape="0">
+              <a:srgbClr val="000000">
+                <a:alpha val="63000"/>
+              </a:srgbClr>
+            </a:outerShdw>
+          </a:effectLst>
+        </a:effectStyle>
+      </a:effectStyleLst>
+      <a:bgFillStyleLst>
+        <a:solidFill>
+          <a:schemeClr val="phClr"/>
+        </a:solidFill>
+        <a:solidFill>
+          <a:schemeClr val="phClr">
+            <a:tint val="95000"/>
+            <a:satMod val="170000"/>
+          </a:schemeClr>
+        </a:solidFill>
+        <a:gradFill rotWithShape="1">
+          <a:gsLst>
+            <a:gs pos="0">
+              <a:schemeClr val="phClr">
+                <a:tint val="93000"/>
+                <a:satMod val="150000"/>
+                <a:shade val="98000"/>
+                <a:lumMod val="102000"/>
+              </a:schemeClr>
+            </a:gs>
+            <a:gs pos="50000">
+              <a:schemeClr val="phClr">
+                <a:tint val="98000"/>
+                <a:satMod val="130000"/>
+                <a:shade val="90000"/>
+                <a:lumMod val="103000"/>
+              </a:schemeClr>
+            </a:gs>
+            <a:gs pos="100000">
+              <a:schemeClr val="phClr">
+                <a:shade val="63000"/>
+                <a:satMod val="120000"/>
+              </a:schemeClr>
+            </a:gs>
+          </a:gsLst>
+          <a:lin ang="5400000" scaled="0"/>
+        </a:gradFill>
+      </a:bgFillStyleLst>
+    </a:fmtScheme>
+  </a:themeElements>
+  <a:objectDefaults/>
+  <a:extraClrSchemeLst/>
+  <a:extLst>
+    <a:ext uri="{05A4C25C-085E-4340-85A3-A5531E510DB2}">
+      <thm15:themeFamily xmlns:thm15="http://schemas.microsoft.com/office/thememl/2012/main" name="Office Theme" id="{62F939B6-93AF-4DB8-9C6B-D6C7DFDC589F}" vid="{4A3C46E8-61CC-4603-A589-7422A47A8E4A}"/>
+    </a:ext>
+  </a:extLst>
+</a:theme>
 </file>
--- a/presentation/QThread & QtConcurrent.pptx
+++ b/presentation/QThread & QtConcurrent.pptx
@@ -5,7 +5,7 @@
     <p:sldMasterId id="2147483648" r:id="rId1"/>
   </p:sldMasterIdLst>
   <p:notesMasterIdLst>
-    <p:notesMasterId r:id="rId17"/>
+    <p:notesMasterId r:id="rId18"/>
   </p:notesMasterIdLst>
   <p:sldIdLst>
     <p:sldId id="256" r:id="rId2"/>
@@ -23,6 +23,7 @@
     <p:sldId id="269" r:id="rId14"/>
     <p:sldId id="270" r:id="rId15"/>
     <p:sldId id="271" r:id="rId16"/>
+    <p:sldId id="272" r:id="rId17"/>
   </p:sldIdLst>
   <p:sldSz cx="12192000" cy="6858000"/>
   <p:notesSz cx="6858000" cy="9144000"/>
@@ -8350,6 +8351,183 @@
 </p:sld>
 </file>
 
+<file path=ppt/slides/slide16.xml><?xml version="1.0" encoding="utf-8"?>
+<p:sld xmlns:a="http://schemas.openxmlformats.org/drawingml/2006/main" xmlns:r="http://schemas.openxmlformats.org/officeDocument/2006/relationships" xmlns:p="http://schemas.openxmlformats.org/presentationml/2006/main">
+  <p:cSld>
+    <p:spTree>
+      <p:nvGrpSpPr>
+        <p:cNvPr id="1" name=""/>
+        <p:cNvGrpSpPr/>
+        <p:nvPr/>
+      </p:nvGrpSpPr>
+      <p:grpSpPr>
+        <a:xfrm>
+          <a:off x="0" y="0"/>
+          <a:ext cx="0" cy="0"/>
+          <a:chOff x="0" y="0"/>
+          <a:chExt cx="0" cy="0"/>
+        </a:xfrm>
+      </p:grpSpPr>
+      <p:sp>
+        <p:nvSpPr>
+          <p:cNvPr id="2" name="Titre 1"/>
+          <p:cNvSpPr>
+            <a:spLocks noGrp="1"/>
+          </p:cNvSpPr>
+          <p:nvPr>
+            <p:ph type="title"/>
+          </p:nvPr>
+        </p:nvSpPr>
+        <p:spPr/>
+        <p:txBody>
+          <a:bodyPr/>
+          <a:lstStyle/>
+          <a:p>
+            <a:r>
+              <a:rPr lang="en-US" dirty="0" err="1" smtClean="0"/>
+              <a:t>Bibliographie</a:t>
+            </a:r>
+            <a:endParaRPr lang="fr-CH" dirty="0"/>
+          </a:p>
+        </p:txBody>
+      </p:sp>
+      <p:sp>
+        <p:nvSpPr>
+          <p:cNvPr id="3" name="Espace réservé du contenu 2"/>
+          <p:cNvSpPr>
+            <a:spLocks noGrp="1"/>
+          </p:cNvSpPr>
+          <p:nvPr>
+            <p:ph idx="1"/>
+          </p:nvPr>
+        </p:nvSpPr>
+        <p:spPr/>
+        <p:txBody>
+          <a:bodyPr/>
+          <a:lstStyle/>
+          <a:p>
+            <a:r>
+              <a:rPr lang="fr-CH" dirty="0">
+                <a:hlinkClick r:id="rId2"/>
+              </a:rPr>
+              <a:t>http://</a:t>
+            </a:r>
+            <a:r>
+              <a:rPr lang="fr-CH" dirty="0" smtClean="0">
+                <a:hlinkClick r:id="rId2"/>
+              </a:rPr>
+              <a:t>www.bogotobogo.com/Qt/Qt5_QThreads_QSemaphore_Producer_Consumer_GuiThread.php</a:t>
+            </a:r>
+            <a:endParaRPr lang="fr-CH" dirty="0" smtClean="0"/>
+          </a:p>
+          <a:p>
+            <a:r>
+              <a:rPr lang="fr-CH" dirty="0">
+                <a:hlinkClick r:id="rId3"/>
+              </a:rPr>
+              <a:t>http://</a:t>
+            </a:r>
+            <a:r>
+              <a:rPr lang="fr-CH" dirty="0" smtClean="0">
+                <a:hlinkClick r:id="rId3"/>
+              </a:rPr>
+              <a:t>www.bogotobogo.com/Qt/Qt5_QThreads_QMutex.php</a:t>
+            </a:r>
+            <a:endParaRPr lang="fr-CH" dirty="0" smtClean="0"/>
+          </a:p>
+          <a:p>
+            <a:r>
+              <a:rPr lang="fr-CH" dirty="0">
+                <a:hlinkClick r:id="rId4"/>
+              </a:rPr>
+              <a:t>http://</a:t>
+            </a:r>
+            <a:r>
+              <a:rPr lang="fr-CH" dirty="0" smtClean="0">
+                <a:hlinkClick r:id="rId4"/>
+              </a:rPr>
+              <a:t>www.bogotobogo.com/Qt/Qt5_QtConcurrent_RunFunction_QThread.php</a:t>
+            </a:r>
+            <a:endParaRPr lang="fr-CH" dirty="0" smtClean="0"/>
+          </a:p>
+          <a:p>
+            <a:r>
+              <a:rPr lang="fr-CH" dirty="0">
+                <a:hlinkClick r:id="rId5"/>
+              </a:rPr>
+              <a:t>http://</a:t>
+            </a:r>
+            <a:r>
+              <a:rPr lang="fr-CH" dirty="0" smtClean="0">
+                <a:hlinkClick r:id="rId5"/>
+              </a:rPr>
+              <a:t>doc.qt.io/qt-5/qtconcurrent-index.html</a:t>
+            </a:r>
+            <a:endParaRPr lang="fr-CH" dirty="0" smtClean="0"/>
+          </a:p>
+          <a:p>
+            <a:r>
+              <a:rPr lang="fr-CH">
+                <a:hlinkClick r:id="rId6"/>
+              </a:rPr>
+              <a:t>http</a:t>
+            </a:r>
+            <a:r>
+              <a:rPr lang="fr-CH">
+                <a:hlinkClick r:id="rId6"/>
+              </a:rPr>
+              <a:t>://</a:t>
+            </a:r>
+            <a:r>
+              <a:rPr lang="fr-CH" smtClean="0">
+                <a:hlinkClick r:id="rId6"/>
+              </a:rPr>
+              <a:t>doc.qt.io/qt-5/threads.html</a:t>
+            </a:r>
+            <a:endParaRPr lang="fr-CH" smtClean="0"/>
+          </a:p>
+          <a:p>
+            <a:endParaRPr lang="fr-CH"/>
+          </a:p>
+        </p:txBody>
+      </p:sp>
+      <p:sp>
+        <p:nvSpPr>
+          <p:cNvPr id="4" name="Espace réservé du numéro de diapositive 3"/>
+          <p:cNvSpPr>
+            <a:spLocks noGrp="1"/>
+          </p:cNvSpPr>
+          <p:nvPr>
+            <p:ph type="sldNum" sz="quarter" idx="12"/>
+          </p:nvPr>
+        </p:nvSpPr>
+        <p:spPr/>
+        <p:txBody>
+          <a:bodyPr/>
+          <a:lstStyle/>
+          <a:p>
+            <a:fld id="{D57F1E4F-1CFF-5643-939E-217C01CDF565}" type="slidenum">
+              <a:rPr lang="en-US" smtClean="0"/>
+              <a:pPr/>
+              <a:t>16</a:t>
+            </a:fld>
+            <a:endParaRPr lang="en-US" dirty="0"/>
+          </a:p>
+        </p:txBody>
+      </p:sp>
+    </p:spTree>
+    <p:extLst>
+      <p:ext uri="{BB962C8B-B14F-4D97-AF65-F5344CB8AC3E}">
+        <p14:creationId xmlns:p14="http://schemas.microsoft.com/office/powerpoint/2010/main" val="4024999871"/>
+      </p:ext>
+    </p:extLst>
+  </p:cSld>
+  <p:clrMapOvr>
+    <a:masterClrMapping/>
+  </p:clrMapOvr>
+</p:sld>
+</file>
+
 <file path=ppt/slides/slide2.xml><?xml version="1.0" encoding="utf-8"?>
 <p:sld xmlns:a="http://schemas.openxmlformats.org/drawingml/2006/main" xmlns:r="http://schemas.openxmlformats.org/officeDocument/2006/relationships" xmlns:p="http://schemas.openxmlformats.org/presentationml/2006/main">
   <p:cSld>
@@ -8484,6 +8662,12 @@
             <a:r>
               <a:rPr lang="en-US" dirty="0" smtClean="0"/>
               <a:t>Homework</a:t>
+            </a:r>
+          </a:p>
+          <a:p>
+            <a:r>
+              <a:rPr lang="en-US" dirty="0" err="1" smtClean="0"/>
+              <a:t>Bibliographie</a:t>
             </a:r>
             <a:endParaRPr lang="fr-CH" dirty="0"/>
           </a:p>
